--- a/ppt_table_2eg.pptx
+++ b/ppt_table_2eg.pptx
@@ -5,8 +5,8 @@
     <p:sldMasterId id="2147483648" r:id="rId1"/>
   </p:sldMasterIdLst>
   <p:sldIdLst>
+    <p:sldId id="259" r:id="rId2"/>
     <p:sldId id="258" r:id="rId3"/>
-    <p:sldId id="259" r:id="rId4"/>
   </p:sldIdLst>
   <p:sldSz cx="12192000" cy="6858000"/>
   <p:notesSz cx="6858000" cy="9144000"/>
@@ -105,6 +105,11 @@
       </a:defRPr>
     </a:lvl9pPr>
   </p:defaultTextStyle>
+  <p:extLst>
+    <p:ext uri="{EFAFB233-063F-42B5-8137-9DF3F51BA10A}">
+      <p15:sldGuideLst xmlns:p15="http://schemas.microsoft.com/office/powerpoint/2012/main"/>
+    </p:ext>
+  </p:extLst>
 </p:presentation>
 </file>
 
@@ -153,7 +158,6 @@
               <a:rPr kumimoji="1" lang="zh-CN" altLang="en-US"/>
               <a:t>单击此处编辑母版标题样式</a:t>
             </a:r>
-            <a:endParaRPr kumimoji="1" lang="zh-CN" altLang="en-US"/>
           </a:p>
         </p:txBody>
       </p:sp>
@@ -218,7 +222,6 @@
               <a:rPr kumimoji="1" lang="zh-CN" altLang="en-US"/>
               <a:t>单击此处编辑母版副标题样式</a:t>
             </a:r>
-            <a:endParaRPr kumimoji="1" lang="zh-CN" altLang="en-US"/>
           </a:p>
         </p:txBody>
       </p:sp>
@@ -239,6 +242,7 @@
           <a:p>
             <a:fld id="{AF44C40C-E345-3E48-B841-6EA9959B175E}" type="datetimeFigureOut">
               <a:rPr kumimoji="1" lang="zh-CN" altLang="en-US" smtClean="0"/>
+              <a:t>2022/9/11</a:t>
             </a:fld>
             <a:endParaRPr kumimoji="1" lang="zh-CN" altLang="en-US"/>
           </a:p>
@@ -280,6 +284,7 @@
           <a:p>
             <a:fld id="{6319DDC0-F386-BE4A-B225-826277E07F57}" type="slidenum">
               <a:rPr kumimoji="1" lang="zh-CN" altLang="en-US" smtClean="0"/>
+              <a:t>‹#›</a:t>
             </a:fld>
             <a:endParaRPr kumimoji="1" lang="zh-CN" altLang="en-US"/>
           </a:p>
@@ -329,7 +334,6 @@
               <a:rPr kumimoji="1" lang="zh-CN" altLang="en-US"/>
               <a:t>单击此处编辑母版标题样式</a:t>
             </a:r>
-            <a:endParaRPr kumimoji="1" lang="zh-CN" altLang="en-US"/>
           </a:p>
         </p:txBody>
       </p:sp>
@@ -353,7 +357,6 @@
               <a:rPr kumimoji="1" lang="zh-CN" altLang="en-US"/>
               <a:t>单击此处编辑母版文本样式</a:t>
             </a:r>
-            <a:endParaRPr kumimoji="1" lang="zh-CN" altLang="en-US"/>
           </a:p>
           <a:p>
             <a:pPr lvl="1"/>
@@ -361,7 +364,6 @@
               <a:rPr kumimoji="1" lang="zh-CN" altLang="en-US"/>
               <a:t>二级</a:t>
             </a:r>
-            <a:endParaRPr kumimoji="1" lang="zh-CN" altLang="en-US"/>
           </a:p>
           <a:p>
             <a:pPr lvl="2"/>
@@ -369,7 +371,6 @@
               <a:rPr kumimoji="1" lang="zh-CN" altLang="en-US"/>
               <a:t>三级</a:t>
             </a:r>
-            <a:endParaRPr kumimoji="1" lang="zh-CN" altLang="en-US"/>
           </a:p>
           <a:p>
             <a:pPr lvl="3"/>
@@ -377,7 +378,6 @@
               <a:rPr kumimoji="1" lang="zh-CN" altLang="en-US"/>
               <a:t>四级</a:t>
             </a:r>
-            <a:endParaRPr kumimoji="1" lang="zh-CN" altLang="en-US"/>
           </a:p>
           <a:p>
             <a:pPr lvl="4"/>
@@ -385,7 +385,6 @@
               <a:rPr kumimoji="1" lang="zh-CN" altLang="en-US"/>
               <a:t>五级</a:t>
             </a:r>
-            <a:endParaRPr kumimoji="1" lang="zh-CN" altLang="en-US"/>
           </a:p>
         </p:txBody>
       </p:sp>
@@ -406,6 +405,7 @@
           <a:p>
             <a:fld id="{AF44C40C-E345-3E48-B841-6EA9959B175E}" type="datetimeFigureOut">
               <a:rPr kumimoji="1" lang="zh-CN" altLang="en-US" smtClean="0"/>
+              <a:t>2022/9/11</a:t>
             </a:fld>
             <a:endParaRPr kumimoji="1" lang="zh-CN" altLang="en-US"/>
           </a:p>
@@ -447,6 +447,7 @@
           <a:p>
             <a:fld id="{6319DDC0-F386-BE4A-B225-826277E07F57}" type="slidenum">
               <a:rPr kumimoji="1" lang="zh-CN" altLang="en-US" smtClean="0"/>
+              <a:t>‹#›</a:t>
             </a:fld>
             <a:endParaRPr kumimoji="1" lang="zh-CN" altLang="en-US"/>
           </a:p>
@@ -501,7 +502,6 @@
               <a:rPr kumimoji="1" lang="zh-CN" altLang="en-US"/>
               <a:t>单击此处编辑母版标题样式</a:t>
             </a:r>
-            <a:endParaRPr kumimoji="1" lang="zh-CN" altLang="en-US"/>
           </a:p>
         </p:txBody>
       </p:sp>
@@ -530,7 +530,6 @@
               <a:rPr kumimoji="1" lang="zh-CN" altLang="en-US"/>
               <a:t>单击此处编辑母版文本样式</a:t>
             </a:r>
-            <a:endParaRPr kumimoji="1" lang="zh-CN" altLang="en-US"/>
           </a:p>
           <a:p>
             <a:pPr lvl="1"/>
@@ -538,7 +537,6 @@
               <a:rPr kumimoji="1" lang="zh-CN" altLang="en-US"/>
               <a:t>二级</a:t>
             </a:r>
-            <a:endParaRPr kumimoji="1" lang="zh-CN" altLang="en-US"/>
           </a:p>
           <a:p>
             <a:pPr lvl="2"/>
@@ -546,7 +544,6 @@
               <a:rPr kumimoji="1" lang="zh-CN" altLang="en-US"/>
               <a:t>三级</a:t>
             </a:r>
-            <a:endParaRPr kumimoji="1" lang="zh-CN" altLang="en-US"/>
           </a:p>
           <a:p>
             <a:pPr lvl="3"/>
@@ -554,7 +551,6 @@
               <a:rPr kumimoji="1" lang="zh-CN" altLang="en-US"/>
               <a:t>四级</a:t>
             </a:r>
-            <a:endParaRPr kumimoji="1" lang="zh-CN" altLang="en-US"/>
           </a:p>
           <a:p>
             <a:pPr lvl="4"/>
@@ -562,7 +558,6 @@
               <a:rPr kumimoji="1" lang="zh-CN" altLang="en-US"/>
               <a:t>五级</a:t>
             </a:r>
-            <a:endParaRPr kumimoji="1" lang="zh-CN" altLang="en-US"/>
           </a:p>
         </p:txBody>
       </p:sp>
@@ -583,6 +578,7 @@
           <a:p>
             <a:fld id="{AF44C40C-E345-3E48-B841-6EA9959B175E}" type="datetimeFigureOut">
               <a:rPr kumimoji="1" lang="zh-CN" altLang="en-US" smtClean="0"/>
+              <a:t>2022/9/11</a:t>
             </a:fld>
             <a:endParaRPr kumimoji="1" lang="zh-CN" altLang="en-US"/>
           </a:p>
@@ -624,6 +620,7 @@
           <a:p>
             <a:fld id="{6319DDC0-F386-BE4A-B225-826277E07F57}" type="slidenum">
               <a:rPr kumimoji="1" lang="zh-CN" altLang="en-US" smtClean="0"/>
+              <a:t>‹#›</a:t>
             </a:fld>
             <a:endParaRPr kumimoji="1" lang="zh-CN" altLang="en-US"/>
           </a:p>
@@ -673,7 +670,6 @@
               <a:rPr kumimoji="1" lang="zh-CN" altLang="en-US"/>
               <a:t>单击此处编辑母版标题样式</a:t>
             </a:r>
-            <a:endParaRPr kumimoji="1" lang="zh-CN" altLang="en-US"/>
           </a:p>
         </p:txBody>
       </p:sp>
@@ -697,7 +693,6 @@
               <a:rPr kumimoji="1" lang="zh-CN" altLang="en-US"/>
               <a:t>单击此处编辑母版文本样式</a:t>
             </a:r>
-            <a:endParaRPr kumimoji="1" lang="zh-CN" altLang="en-US"/>
           </a:p>
           <a:p>
             <a:pPr lvl="1"/>
@@ -705,7 +700,6 @@
               <a:rPr kumimoji="1" lang="zh-CN" altLang="en-US"/>
               <a:t>二级</a:t>
             </a:r>
-            <a:endParaRPr kumimoji="1" lang="zh-CN" altLang="en-US"/>
           </a:p>
           <a:p>
             <a:pPr lvl="2"/>
@@ -713,7 +707,6 @@
               <a:rPr kumimoji="1" lang="zh-CN" altLang="en-US"/>
               <a:t>三级</a:t>
             </a:r>
-            <a:endParaRPr kumimoji="1" lang="zh-CN" altLang="en-US"/>
           </a:p>
           <a:p>
             <a:pPr lvl="3"/>
@@ -721,7 +714,6 @@
               <a:rPr kumimoji="1" lang="zh-CN" altLang="en-US"/>
               <a:t>四级</a:t>
             </a:r>
-            <a:endParaRPr kumimoji="1" lang="zh-CN" altLang="en-US"/>
           </a:p>
           <a:p>
             <a:pPr lvl="4"/>
@@ -729,7 +721,6 @@
               <a:rPr kumimoji="1" lang="zh-CN" altLang="en-US"/>
               <a:t>五级</a:t>
             </a:r>
-            <a:endParaRPr kumimoji="1" lang="zh-CN" altLang="en-US"/>
           </a:p>
         </p:txBody>
       </p:sp>
@@ -750,6 +741,7 @@
           <a:p>
             <a:fld id="{AF44C40C-E345-3E48-B841-6EA9959B175E}" type="datetimeFigureOut">
               <a:rPr kumimoji="1" lang="zh-CN" altLang="en-US" smtClean="0"/>
+              <a:t>2022/9/11</a:t>
             </a:fld>
             <a:endParaRPr kumimoji="1" lang="zh-CN" altLang="en-US"/>
           </a:p>
@@ -791,6 +783,7 @@
           <a:p>
             <a:fld id="{6319DDC0-F386-BE4A-B225-826277E07F57}" type="slidenum">
               <a:rPr kumimoji="1" lang="zh-CN" altLang="en-US" smtClean="0"/>
+              <a:t>‹#›</a:t>
             </a:fld>
             <a:endParaRPr kumimoji="1" lang="zh-CN" altLang="en-US"/>
           </a:p>
@@ -849,7 +842,6 @@
               <a:rPr kumimoji="1" lang="zh-CN" altLang="en-US"/>
               <a:t>单击此处编辑母版标题样式</a:t>
             </a:r>
-            <a:endParaRPr kumimoji="1" lang="zh-CN" altLang="en-US"/>
           </a:p>
         </p:txBody>
       </p:sp>
@@ -969,7 +961,6 @@
               <a:rPr kumimoji="1" lang="zh-CN" altLang="en-US"/>
               <a:t>单击此处编辑母版文本样式</a:t>
             </a:r>
-            <a:endParaRPr kumimoji="1" lang="zh-CN" altLang="en-US"/>
           </a:p>
         </p:txBody>
       </p:sp>
@@ -990,6 +981,7 @@
           <a:p>
             <a:fld id="{AF44C40C-E345-3E48-B841-6EA9959B175E}" type="datetimeFigureOut">
               <a:rPr kumimoji="1" lang="zh-CN" altLang="en-US" smtClean="0"/>
+              <a:t>2022/9/11</a:t>
             </a:fld>
             <a:endParaRPr kumimoji="1" lang="zh-CN" altLang="en-US"/>
           </a:p>
@@ -1031,6 +1023,7 @@
           <a:p>
             <a:fld id="{6319DDC0-F386-BE4A-B225-826277E07F57}" type="slidenum">
               <a:rPr kumimoji="1" lang="zh-CN" altLang="en-US" smtClean="0"/>
+              <a:t>‹#›</a:t>
             </a:fld>
             <a:endParaRPr kumimoji="1" lang="zh-CN" altLang="en-US"/>
           </a:p>
@@ -1080,7 +1073,6 @@
               <a:rPr kumimoji="1" lang="zh-CN" altLang="en-US"/>
               <a:t>单击此处编辑母版标题样式</a:t>
             </a:r>
-            <a:endParaRPr kumimoji="1" lang="zh-CN" altLang="en-US"/>
           </a:p>
         </p:txBody>
       </p:sp>
@@ -1109,7 +1101,6 @@
               <a:rPr kumimoji="1" lang="zh-CN" altLang="en-US"/>
               <a:t>单击此处编辑母版文本样式</a:t>
             </a:r>
-            <a:endParaRPr kumimoji="1" lang="zh-CN" altLang="en-US"/>
           </a:p>
           <a:p>
             <a:pPr lvl="1"/>
@@ -1117,7 +1108,6 @@
               <a:rPr kumimoji="1" lang="zh-CN" altLang="en-US"/>
               <a:t>二级</a:t>
             </a:r>
-            <a:endParaRPr kumimoji="1" lang="zh-CN" altLang="en-US"/>
           </a:p>
           <a:p>
             <a:pPr lvl="2"/>
@@ -1125,7 +1115,6 @@
               <a:rPr kumimoji="1" lang="zh-CN" altLang="en-US"/>
               <a:t>三级</a:t>
             </a:r>
-            <a:endParaRPr kumimoji="1" lang="zh-CN" altLang="en-US"/>
           </a:p>
           <a:p>
             <a:pPr lvl="3"/>
@@ -1133,7 +1122,6 @@
               <a:rPr kumimoji="1" lang="zh-CN" altLang="en-US"/>
               <a:t>四级</a:t>
             </a:r>
-            <a:endParaRPr kumimoji="1" lang="zh-CN" altLang="en-US"/>
           </a:p>
           <a:p>
             <a:pPr lvl="4"/>
@@ -1141,7 +1129,6 @@
               <a:rPr kumimoji="1" lang="zh-CN" altLang="en-US"/>
               <a:t>五级</a:t>
             </a:r>
-            <a:endParaRPr kumimoji="1" lang="zh-CN" altLang="en-US"/>
           </a:p>
         </p:txBody>
       </p:sp>
@@ -1170,7 +1157,6 @@
               <a:rPr kumimoji="1" lang="zh-CN" altLang="en-US"/>
               <a:t>单击此处编辑母版文本样式</a:t>
             </a:r>
-            <a:endParaRPr kumimoji="1" lang="zh-CN" altLang="en-US"/>
           </a:p>
           <a:p>
             <a:pPr lvl="1"/>
@@ -1178,7 +1164,6 @@
               <a:rPr kumimoji="1" lang="zh-CN" altLang="en-US"/>
               <a:t>二级</a:t>
             </a:r>
-            <a:endParaRPr kumimoji="1" lang="zh-CN" altLang="en-US"/>
           </a:p>
           <a:p>
             <a:pPr lvl="2"/>
@@ -1186,7 +1171,6 @@
               <a:rPr kumimoji="1" lang="zh-CN" altLang="en-US"/>
               <a:t>三级</a:t>
             </a:r>
-            <a:endParaRPr kumimoji="1" lang="zh-CN" altLang="en-US"/>
           </a:p>
           <a:p>
             <a:pPr lvl="3"/>
@@ -1194,7 +1178,6 @@
               <a:rPr kumimoji="1" lang="zh-CN" altLang="en-US"/>
               <a:t>四级</a:t>
             </a:r>
-            <a:endParaRPr kumimoji="1" lang="zh-CN" altLang="en-US"/>
           </a:p>
           <a:p>
             <a:pPr lvl="4"/>
@@ -1202,7 +1185,6 @@
               <a:rPr kumimoji="1" lang="zh-CN" altLang="en-US"/>
               <a:t>五级</a:t>
             </a:r>
-            <a:endParaRPr kumimoji="1" lang="zh-CN" altLang="en-US"/>
           </a:p>
         </p:txBody>
       </p:sp>
@@ -1223,6 +1205,7 @@
           <a:p>
             <a:fld id="{AF44C40C-E345-3E48-B841-6EA9959B175E}" type="datetimeFigureOut">
               <a:rPr kumimoji="1" lang="zh-CN" altLang="en-US" smtClean="0"/>
+              <a:t>2022/9/11</a:t>
             </a:fld>
             <a:endParaRPr kumimoji="1" lang="zh-CN" altLang="en-US"/>
           </a:p>
@@ -1264,6 +1247,7 @@
           <a:p>
             <a:fld id="{6319DDC0-F386-BE4A-B225-826277E07F57}" type="slidenum">
               <a:rPr kumimoji="1" lang="zh-CN" altLang="en-US" smtClean="0"/>
+              <a:t>‹#›</a:t>
             </a:fld>
             <a:endParaRPr kumimoji="1" lang="zh-CN" altLang="en-US"/>
           </a:p>
@@ -1318,7 +1302,6 @@
               <a:rPr kumimoji="1" lang="zh-CN" altLang="en-US"/>
               <a:t>单击此处编辑母版标题样式</a:t>
             </a:r>
-            <a:endParaRPr kumimoji="1" lang="zh-CN" altLang="en-US"/>
           </a:p>
         </p:txBody>
       </p:sp>
@@ -1384,7 +1367,6 @@
               <a:rPr kumimoji="1" lang="zh-CN" altLang="en-US"/>
               <a:t>单击此处编辑母版文本样式</a:t>
             </a:r>
-            <a:endParaRPr kumimoji="1" lang="zh-CN" altLang="en-US"/>
           </a:p>
         </p:txBody>
       </p:sp>
@@ -1413,7 +1395,6 @@
               <a:rPr kumimoji="1" lang="zh-CN" altLang="en-US"/>
               <a:t>单击此处编辑母版文本样式</a:t>
             </a:r>
-            <a:endParaRPr kumimoji="1" lang="zh-CN" altLang="en-US"/>
           </a:p>
           <a:p>
             <a:pPr lvl="1"/>
@@ -1421,7 +1402,6 @@
               <a:rPr kumimoji="1" lang="zh-CN" altLang="en-US"/>
               <a:t>二级</a:t>
             </a:r>
-            <a:endParaRPr kumimoji="1" lang="zh-CN" altLang="en-US"/>
           </a:p>
           <a:p>
             <a:pPr lvl="2"/>
@@ -1429,7 +1409,6 @@
               <a:rPr kumimoji="1" lang="zh-CN" altLang="en-US"/>
               <a:t>三级</a:t>
             </a:r>
-            <a:endParaRPr kumimoji="1" lang="zh-CN" altLang="en-US"/>
           </a:p>
           <a:p>
             <a:pPr lvl="3"/>
@@ -1437,7 +1416,6 @@
               <a:rPr kumimoji="1" lang="zh-CN" altLang="en-US"/>
               <a:t>四级</a:t>
             </a:r>
-            <a:endParaRPr kumimoji="1" lang="zh-CN" altLang="en-US"/>
           </a:p>
           <a:p>
             <a:pPr lvl="4"/>
@@ -1445,7 +1423,6 @@
               <a:rPr kumimoji="1" lang="zh-CN" altLang="en-US"/>
               <a:t>五级</a:t>
             </a:r>
-            <a:endParaRPr kumimoji="1" lang="zh-CN" altLang="en-US"/>
           </a:p>
         </p:txBody>
       </p:sp>
@@ -1511,7 +1488,6 @@
               <a:rPr kumimoji="1" lang="zh-CN" altLang="en-US"/>
               <a:t>单击此处编辑母版文本样式</a:t>
             </a:r>
-            <a:endParaRPr kumimoji="1" lang="zh-CN" altLang="en-US"/>
           </a:p>
         </p:txBody>
       </p:sp>
@@ -1540,7 +1516,6 @@
               <a:rPr kumimoji="1" lang="zh-CN" altLang="en-US"/>
               <a:t>单击此处编辑母版文本样式</a:t>
             </a:r>
-            <a:endParaRPr kumimoji="1" lang="zh-CN" altLang="en-US"/>
           </a:p>
           <a:p>
             <a:pPr lvl="1"/>
@@ -1548,7 +1523,6 @@
               <a:rPr kumimoji="1" lang="zh-CN" altLang="en-US"/>
               <a:t>二级</a:t>
             </a:r>
-            <a:endParaRPr kumimoji="1" lang="zh-CN" altLang="en-US"/>
           </a:p>
           <a:p>
             <a:pPr lvl="2"/>
@@ -1556,7 +1530,6 @@
               <a:rPr kumimoji="1" lang="zh-CN" altLang="en-US"/>
               <a:t>三级</a:t>
             </a:r>
-            <a:endParaRPr kumimoji="1" lang="zh-CN" altLang="en-US"/>
           </a:p>
           <a:p>
             <a:pPr lvl="3"/>
@@ -1564,7 +1537,6 @@
               <a:rPr kumimoji="1" lang="zh-CN" altLang="en-US"/>
               <a:t>四级</a:t>
             </a:r>
-            <a:endParaRPr kumimoji="1" lang="zh-CN" altLang="en-US"/>
           </a:p>
           <a:p>
             <a:pPr lvl="4"/>
@@ -1572,7 +1544,6 @@
               <a:rPr kumimoji="1" lang="zh-CN" altLang="en-US"/>
               <a:t>五级</a:t>
             </a:r>
-            <a:endParaRPr kumimoji="1" lang="zh-CN" altLang="en-US"/>
           </a:p>
         </p:txBody>
       </p:sp>
@@ -1593,6 +1564,7 @@
           <a:p>
             <a:fld id="{AF44C40C-E345-3E48-B841-6EA9959B175E}" type="datetimeFigureOut">
               <a:rPr kumimoji="1" lang="zh-CN" altLang="en-US" smtClean="0"/>
+              <a:t>2022/9/11</a:t>
             </a:fld>
             <a:endParaRPr kumimoji="1" lang="zh-CN" altLang="en-US"/>
           </a:p>
@@ -1634,6 +1606,7 @@
           <a:p>
             <a:fld id="{6319DDC0-F386-BE4A-B225-826277E07F57}" type="slidenum">
               <a:rPr kumimoji="1" lang="zh-CN" altLang="en-US" smtClean="0"/>
+              <a:t>‹#›</a:t>
             </a:fld>
             <a:endParaRPr kumimoji="1" lang="zh-CN" altLang="en-US"/>
           </a:p>
@@ -1683,7 +1656,6 @@
               <a:rPr kumimoji="1" lang="zh-CN" altLang="en-US"/>
               <a:t>单击此处编辑母版标题样式</a:t>
             </a:r>
-            <a:endParaRPr kumimoji="1" lang="zh-CN" altLang="en-US"/>
           </a:p>
         </p:txBody>
       </p:sp>
@@ -1704,6 +1676,7 @@
           <a:p>
             <a:fld id="{AF44C40C-E345-3E48-B841-6EA9959B175E}" type="datetimeFigureOut">
               <a:rPr kumimoji="1" lang="zh-CN" altLang="en-US" smtClean="0"/>
+              <a:t>2022/9/11</a:t>
             </a:fld>
             <a:endParaRPr kumimoji="1" lang="zh-CN" altLang="en-US"/>
           </a:p>
@@ -1745,6 +1718,7 @@
           <a:p>
             <a:fld id="{6319DDC0-F386-BE4A-B225-826277E07F57}" type="slidenum">
               <a:rPr kumimoji="1" lang="zh-CN" altLang="en-US" smtClean="0"/>
+              <a:t>‹#›</a:t>
             </a:fld>
             <a:endParaRPr kumimoji="1" lang="zh-CN" altLang="en-US"/>
           </a:p>
@@ -1792,6 +1766,7 @@
           <a:p>
             <a:fld id="{AF44C40C-E345-3E48-B841-6EA9959B175E}" type="datetimeFigureOut">
               <a:rPr kumimoji="1" lang="zh-CN" altLang="en-US" smtClean="0"/>
+              <a:t>2022/9/11</a:t>
             </a:fld>
             <a:endParaRPr kumimoji="1" lang="zh-CN" altLang="en-US"/>
           </a:p>
@@ -1833,6 +1808,7 @@
           <a:p>
             <a:fld id="{6319DDC0-F386-BE4A-B225-826277E07F57}" type="slidenum">
               <a:rPr kumimoji="1" lang="zh-CN" altLang="en-US" smtClean="0"/>
+              <a:t>‹#›</a:t>
             </a:fld>
             <a:endParaRPr kumimoji="1" lang="zh-CN" altLang="en-US"/>
           </a:p>
@@ -1891,7 +1867,6 @@
               <a:rPr kumimoji="1" lang="zh-CN" altLang="en-US"/>
               <a:t>单击此处编辑母版标题样式</a:t>
             </a:r>
-            <a:endParaRPr kumimoji="1" lang="zh-CN" altLang="en-US"/>
           </a:p>
         </p:txBody>
       </p:sp>
@@ -1948,7 +1923,6 @@
               <a:rPr kumimoji="1" lang="zh-CN" altLang="en-US"/>
               <a:t>单击此处编辑母版文本样式</a:t>
             </a:r>
-            <a:endParaRPr kumimoji="1" lang="zh-CN" altLang="en-US"/>
           </a:p>
           <a:p>
             <a:pPr lvl="1"/>
@@ -1956,7 +1930,6 @@
               <a:rPr kumimoji="1" lang="zh-CN" altLang="en-US"/>
               <a:t>二级</a:t>
             </a:r>
-            <a:endParaRPr kumimoji="1" lang="zh-CN" altLang="en-US"/>
           </a:p>
           <a:p>
             <a:pPr lvl="2"/>
@@ -1964,7 +1937,6 @@
               <a:rPr kumimoji="1" lang="zh-CN" altLang="en-US"/>
               <a:t>三级</a:t>
             </a:r>
-            <a:endParaRPr kumimoji="1" lang="zh-CN" altLang="en-US"/>
           </a:p>
           <a:p>
             <a:pPr lvl="3"/>
@@ -1972,7 +1944,6 @@
               <a:rPr kumimoji="1" lang="zh-CN" altLang="en-US"/>
               <a:t>四级</a:t>
             </a:r>
-            <a:endParaRPr kumimoji="1" lang="zh-CN" altLang="en-US"/>
           </a:p>
           <a:p>
             <a:pPr lvl="4"/>
@@ -1980,7 +1951,6 @@
               <a:rPr kumimoji="1" lang="zh-CN" altLang="en-US"/>
               <a:t>五级</a:t>
             </a:r>
-            <a:endParaRPr kumimoji="1" lang="zh-CN" altLang="en-US"/>
           </a:p>
         </p:txBody>
       </p:sp>
@@ -2046,7 +2016,6 @@
               <a:rPr kumimoji="1" lang="zh-CN" altLang="en-US"/>
               <a:t>单击此处编辑母版文本样式</a:t>
             </a:r>
-            <a:endParaRPr kumimoji="1" lang="zh-CN" altLang="en-US"/>
           </a:p>
         </p:txBody>
       </p:sp>
@@ -2067,6 +2036,7 @@
           <a:p>
             <a:fld id="{AF44C40C-E345-3E48-B841-6EA9959B175E}" type="datetimeFigureOut">
               <a:rPr kumimoji="1" lang="zh-CN" altLang="en-US" smtClean="0"/>
+              <a:t>2022/9/11</a:t>
             </a:fld>
             <a:endParaRPr kumimoji="1" lang="zh-CN" altLang="en-US"/>
           </a:p>
@@ -2108,6 +2078,7 @@
           <a:p>
             <a:fld id="{6319DDC0-F386-BE4A-B225-826277E07F57}" type="slidenum">
               <a:rPr kumimoji="1" lang="zh-CN" altLang="en-US" smtClean="0"/>
+              <a:t>‹#›</a:t>
             </a:fld>
             <a:endParaRPr kumimoji="1" lang="zh-CN" altLang="en-US"/>
           </a:p>
@@ -2166,7 +2137,6 @@
               <a:rPr kumimoji="1" lang="zh-CN" altLang="en-US"/>
               <a:t>单击此处编辑母版标题样式</a:t>
             </a:r>
-            <a:endParaRPr kumimoji="1" lang="zh-CN" altLang="en-US"/>
           </a:p>
         </p:txBody>
       </p:sp>
@@ -2293,7 +2263,6 @@
               <a:rPr kumimoji="1" lang="zh-CN" altLang="en-US"/>
               <a:t>单击此处编辑母版文本样式</a:t>
             </a:r>
-            <a:endParaRPr kumimoji="1" lang="zh-CN" altLang="en-US"/>
           </a:p>
         </p:txBody>
       </p:sp>
@@ -2314,6 +2283,7 @@
           <a:p>
             <a:fld id="{AF44C40C-E345-3E48-B841-6EA9959B175E}" type="datetimeFigureOut">
               <a:rPr kumimoji="1" lang="zh-CN" altLang="en-US" smtClean="0"/>
+              <a:t>2022/9/11</a:t>
             </a:fld>
             <a:endParaRPr kumimoji="1" lang="zh-CN" altLang="en-US"/>
           </a:p>
@@ -2355,6 +2325,7 @@
           <a:p>
             <a:fld id="{6319DDC0-F386-BE4A-B225-826277E07F57}" type="slidenum">
               <a:rPr kumimoji="1" lang="zh-CN" altLang="en-US" smtClean="0"/>
+              <a:t>‹#›</a:t>
             </a:fld>
             <a:endParaRPr kumimoji="1" lang="zh-CN" altLang="en-US"/>
           </a:p>
@@ -2419,7 +2390,6 @@
               <a:rPr kumimoji="1" lang="zh-CN" altLang="en-US"/>
               <a:t>单击此处编辑母版标题样式</a:t>
             </a:r>
-            <a:endParaRPr kumimoji="1" lang="zh-CN" altLang="en-US"/>
           </a:p>
         </p:txBody>
       </p:sp>
@@ -2453,7 +2423,6 @@
               <a:rPr kumimoji="1" lang="zh-CN" altLang="en-US"/>
               <a:t>单击此处编辑母版文本样式</a:t>
             </a:r>
-            <a:endParaRPr kumimoji="1" lang="zh-CN" altLang="en-US"/>
           </a:p>
           <a:p>
             <a:pPr lvl="1"/>
@@ -2461,7 +2430,6 @@
               <a:rPr kumimoji="1" lang="zh-CN" altLang="en-US"/>
               <a:t>二级</a:t>
             </a:r>
-            <a:endParaRPr kumimoji="1" lang="zh-CN" altLang="en-US"/>
           </a:p>
           <a:p>
             <a:pPr lvl="2"/>
@@ -2469,7 +2437,6 @@
               <a:rPr kumimoji="1" lang="zh-CN" altLang="en-US"/>
               <a:t>三级</a:t>
             </a:r>
-            <a:endParaRPr kumimoji="1" lang="zh-CN" altLang="en-US"/>
           </a:p>
           <a:p>
             <a:pPr lvl="3"/>
@@ -2477,7 +2444,6 @@
               <a:rPr kumimoji="1" lang="zh-CN" altLang="en-US"/>
               <a:t>四级</a:t>
             </a:r>
-            <a:endParaRPr kumimoji="1" lang="zh-CN" altLang="en-US"/>
           </a:p>
           <a:p>
             <a:pPr lvl="4"/>
@@ -2485,7 +2451,6 @@
               <a:rPr kumimoji="1" lang="zh-CN" altLang="en-US"/>
               <a:t>五级</a:t>
             </a:r>
-            <a:endParaRPr kumimoji="1" lang="zh-CN" altLang="en-US"/>
           </a:p>
         </p:txBody>
       </p:sp>
@@ -2524,6 +2489,7 @@
           <a:p>
             <a:fld id="{AF44C40C-E345-3E48-B841-6EA9959B175E}" type="datetimeFigureOut">
               <a:rPr kumimoji="1" lang="zh-CN" altLang="en-US" smtClean="0"/>
+              <a:t>2022/9/11</a:t>
             </a:fld>
             <a:endParaRPr kumimoji="1" lang="zh-CN" altLang="en-US"/>
           </a:p>
@@ -2601,6 +2567,7 @@
           <a:p>
             <a:fld id="{6319DDC0-F386-BE4A-B225-826277E07F57}" type="slidenum">
               <a:rPr kumimoji="1" lang="zh-CN" altLang="en-US" smtClean="0"/>
+              <a:t>‹#›</a:t>
             </a:fld>
             <a:endParaRPr kumimoji="1" lang="zh-CN" altLang="en-US"/>
           </a:p>
@@ -2933,36 +2900,112 @@
             <p:custDataLst>
               <p:tags r:id="rId1"/>
             </p:custDataLst>
+            <p:extLst>
+              <p:ext uri="{D42A27DB-BD31-4B8C-83A1-F6EECF244321}">
+                <p14:modId xmlns:p14="http://schemas.microsoft.com/office/powerpoint/2010/main" val="2084910878"/>
+              </p:ext>
+            </p:extLst>
           </p:nvPr>
         </p:nvGraphicFramePr>
         <p:xfrm>
-          <a:off x="606971" y="690505"/>
-          <a:ext cx="4553608" cy="4473354"/>
+          <a:off x="166618" y="596267"/>
+          <a:ext cx="3993932" cy="6059907"/>
         </p:xfrm>
         <a:graphic>
           <a:graphicData uri="http://schemas.openxmlformats.org/drawingml/2006/table">
             <a:tbl>
               <a:tblPr firstRow="1" bandRow="1">
-                <a:tableStyleId>{0505E3EF-67EA-436B-97B2-0124C06EBD24}</a:tableStyleId>
+                <a:tableStyleId>{2D5ABB26-0587-4C30-8999-92F81FD0307C}</a:tableStyleId>
               </a:tblPr>
               <a:tblGrid>
-                <a:gridCol w="2276804"/>
-                <a:gridCol w="2276804"/>
+                <a:gridCol w="962935">
+                  <a:extLst>
+                    <a:ext uri="{9D8B030D-6E8A-4147-A177-3AD203B41FA5}">
+                      <a16:colId xmlns:a16="http://schemas.microsoft.com/office/drawing/2014/main" val="20000"/>
+                    </a:ext>
+                  </a:extLst>
+                </a:gridCol>
+                <a:gridCol w="3030997">
+                  <a:extLst>
+                    <a:ext uri="{9D8B030D-6E8A-4147-A177-3AD203B41FA5}">
+                      <a16:colId xmlns:a16="http://schemas.microsoft.com/office/drawing/2014/main" val="20001"/>
+                    </a:ext>
+                  </a:extLst>
+                </a:gridCol>
               </a:tblGrid>
-              <a:tr h="508422">
+              <a:tr h="339341">
                 <a:tc>
                   <a:txBody>
                     <a:bodyPr/>
                     <a:lstStyle/>
                     <a:p>
                       <a:r>
-                        <a:rPr lang="en-US" altLang="zh-CN" b="0" dirty="0"/>
+                        <a:rPr lang="en-US" altLang="zh-CN" sz="900" b="0" i="0" dirty="0">
+                          <a:latin typeface="Arial" panose="020B0604020202020204" pitchFamily="34" charset="0"/>
+                          <a:ea typeface="SimSun" panose="02010600030101010101" pitchFamily="2" charset="-122"/>
+                          <a:cs typeface="Arial" panose="020B0604020202020204" pitchFamily="34" charset="0"/>
+                        </a:rPr>
                         <a:t>SPC</a:t>
                       </a:r>
-                      <a:endParaRPr lang="zh-CN" altLang="en-US" b="0" dirty="0"/>
+                      <a:endParaRPr lang="zh-CN" altLang="en-US" sz="900" b="0" i="0" dirty="0">
+                        <a:latin typeface="Arial" panose="020B0604020202020204" pitchFamily="34" charset="0"/>
+                        <a:ea typeface="SimSun" panose="02010600030101010101" pitchFamily="2" charset="-122"/>
+                        <a:cs typeface="Arial" panose="020B0604020202020204" pitchFamily="34" charset="0"/>
+                      </a:endParaRPr>
                     </a:p>
                   </a:txBody>
-                  <a:tcPr/>
+                  <a:tcPr>
+                    <a:lnL w="6350" cap="flat" cmpd="sng" algn="ctr">
+                      <a:solidFill>
+                        <a:schemeClr val="tx1"/>
+                      </a:solidFill>
+                      <a:prstDash val="solid"/>
+                      <a:round/>
+                      <a:headEnd type="none" w="med" len="med"/>
+                      <a:tailEnd type="none" w="med" len="med"/>
+                    </a:lnL>
+                    <a:lnR w="6350" cap="flat" cmpd="sng" algn="ctr">
+                      <a:solidFill>
+                        <a:schemeClr val="tx1"/>
+                      </a:solidFill>
+                      <a:prstDash val="solid"/>
+                      <a:round/>
+                      <a:headEnd type="none" w="med" len="med"/>
+                      <a:tailEnd type="none" w="med" len="med"/>
+                    </a:lnR>
+                    <a:lnT w="6350" cap="flat" cmpd="sng" algn="ctr">
+                      <a:solidFill>
+                        <a:schemeClr val="tx1"/>
+                      </a:solidFill>
+                      <a:prstDash val="solid"/>
+                      <a:round/>
+                      <a:headEnd type="none" w="med" len="med"/>
+                      <a:tailEnd type="none" w="med" len="med"/>
+                    </a:lnT>
+                    <a:lnB w="6350" cap="flat" cmpd="sng" algn="ctr">
+                      <a:solidFill>
+                        <a:schemeClr val="tx1"/>
+                      </a:solidFill>
+                      <a:prstDash val="solid"/>
+                      <a:round/>
+                      <a:headEnd type="none" w="med" len="med"/>
+                      <a:tailEnd type="none" w="med" len="med"/>
+                    </a:lnB>
+                    <a:lnTlToBr w="12700" cmpd="sng">
+                      <a:noFill/>
+                      <a:prstDash val="solid"/>
+                    </a:lnTlToBr>
+                    <a:lnBlToTr w="12700" cmpd="sng">
+                      <a:noFill/>
+                      <a:prstDash val="solid"/>
+                    </a:lnBlToTr>
+                    <a:solidFill>
+                      <a:schemeClr val="accent5">
+                        <a:lumMod val="60000"/>
+                        <a:lumOff val="40000"/>
+                      </a:schemeClr>
+                    </a:solidFill>
+                  </a:tcPr>
                 </a:tc>
                 <a:tc>
                   <a:txBody>
@@ -2970,29 +3013,141 @@
                     <a:lstStyle/>
                     <a:p>
                       <a:r>
-                        <a:rPr lang="en-US" altLang="zh-CN" b="0" dirty="0"/>
-                        <a:t>C</a:t>
+                        <a:rPr lang="en-US" altLang="zh-CN" sz="900" b="0" i="0" dirty="0">
+                          <a:latin typeface="Arial" panose="020B0604020202020204" pitchFamily="34" charset="0"/>
+                          <a:ea typeface="SimSun" panose="02010600030101010101" pitchFamily="2" charset="-122"/>
+                          <a:cs typeface="Arial" panose="020B0604020202020204" pitchFamily="34" charset="0"/>
+                        </a:rPr>
+                        <a:t>EW</a:t>
                       </a:r>
-                      <a:endParaRPr lang="en-US" altLang="zh-CN" b="0" dirty="0"/>
                     </a:p>
                   </a:txBody>
-                  <a:tcPr/>
+                  <a:tcPr>
+                    <a:lnL w="6350" cap="flat" cmpd="sng" algn="ctr">
+                      <a:solidFill>
+                        <a:schemeClr val="tx1"/>
+                      </a:solidFill>
+                      <a:prstDash val="solid"/>
+                      <a:round/>
+                      <a:headEnd type="none" w="med" len="med"/>
+                      <a:tailEnd type="none" w="med" len="med"/>
+                    </a:lnL>
+                    <a:lnR w="6350" cap="flat" cmpd="sng" algn="ctr">
+                      <a:solidFill>
+                        <a:schemeClr val="tx1"/>
+                      </a:solidFill>
+                      <a:prstDash val="solid"/>
+                      <a:round/>
+                      <a:headEnd type="none" w="med" len="med"/>
+                      <a:tailEnd type="none" w="med" len="med"/>
+                    </a:lnR>
+                    <a:lnT w="6350" cap="flat" cmpd="sng" algn="ctr">
+                      <a:solidFill>
+                        <a:schemeClr val="tx1"/>
+                      </a:solidFill>
+                      <a:prstDash val="solid"/>
+                      <a:round/>
+                      <a:headEnd type="none" w="med" len="med"/>
+                      <a:tailEnd type="none" w="med" len="med"/>
+                    </a:lnT>
+                    <a:lnB w="6350" cap="flat" cmpd="sng" algn="ctr">
+                      <a:solidFill>
+                        <a:schemeClr val="tx1"/>
+                      </a:solidFill>
+                      <a:prstDash val="solid"/>
+                      <a:round/>
+                      <a:headEnd type="none" w="med" len="med"/>
+                      <a:tailEnd type="none" w="med" len="med"/>
+                    </a:lnB>
+                    <a:lnTlToBr w="12700" cmpd="sng">
+                      <a:noFill/>
+                      <a:prstDash val="solid"/>
+                    </a:lnTlToBr>
+                    <a:lnBlToTr w="12700" cmpd="sng">
+                      <a:noFill/>
+                      <a:prstDash val="solid"/>
+                    </a:lnBlToTr>
+                  </a:tcPr>
                 </a:tc>
+                <a:extLst>
+                  <a:ext uri="{0D108BD9-81ED-4DB2-BD59-A6C34878D82A}">
+                    <a16:rowId xmlns:a16="http://schemas.microsoft.com/office/drawing/2014/main" val="3626282883"/>
+                  </a:ext>
+                </a:extLst>
               </a:tr>
-              <a:tr h="508422">
+              <a:tr h="339341">
                 <a:tc>
                   <a:txBody>
                     <a:bodyPr/>
                     <a:lstStyle/>
                     <a:p>
                       <a:r>
-                        <a:rPr lang="en-US" altLang="zh-CN" b="0" dirty="0"/>
-                        <a:t>Equipment</a:t>
+                        <a:rPr lang="en-US" altLang="zh-CN" sz="900" b="0" i="0" dirty="0">
+                          <a:latin typeface="Arial" panose="020B0604020202020204" pitchFamily="34" charset="0"/>
+                          <a:ea typeface="SimSun" panose="02010600030101010101" pitchFamily="2" charset="-122"/>
+                          <a:cs typeface="Arial" panose="020B0604020202020204" pitchFamily="34" charset="0"/>
+                        </a:rPr>
+                        <a:t>FAI</a:t>
                       </a:r>
-                      <a:endParaRPr lang="zh-CN" altLang="en-US" b="0" dirty="0"/>
+                      <a:endParaRPr lang="zh-CN" altLang="en-US" sz="900" b="0" i="0" dirty="0">
+                        <a:latin typeface="Arial" panose="020B0604020202020204" pitchFamily="34" charset="0"/>
+                        <a:ea typeface="SimSun" panose="02010600030101010101" pitchFamily="2" charset="-122"/>
+                        <a:cs typeface="Arial" panose="020B0604020202020204" pitchFamily="34" charset="0"/>
+                      </a:endParaRPr>
                     </a:p>
                   </a:txBody>
-                  <a:tcPr/>
+                  <a:tcPr>
+                    <a:lnL w="6350" cap="flat" cmpd="sng" algn="ctr">
+                      <a:solidFill>
+                        <a:schemeClr val="tx1"/>
+                      </a:solidFill>
+                      <a:prstDash val="solid"/>
+                      <a:round/>
+                      <a:headEnd type="none" w="med" len="med"/>
+                      <a:tailEnd type="none" w="med" len="med"/>
+                    </a:lnL>
+                    <a:lnR w="6350" cap="flat" cmpd="sng" algn="ctr">
+                      <a:solidFill>
+                        <a:schemeClr val="tx1"/>
+                      </a:solidFill>
+                      <a:prstDash val="solid"/>
+                      <a:round/>
+                      <a:headEnd type="none" w="med" len="med"/>
+                      <a:tailEnd type="none" w="med" len="med"/>
+                    </a:lnR>
+                    <a:lnT w="6350" cap="flat" cmpd="sng" algn="ctr">
+                      <a:solidFill>
+                        <a:schemeClr val="tx1"/>
+                      </a:solidFill>
+                      <a:prstDash val="solid"/>
+                      <a:round/>
+                      <a:headEnd type="none" w="med" len="med"/>
+                      <a:tailEnd type="none" w="med" len="med"/>
+                    </a:lnT>
+                    <a:lnB w="6350" cap="flat" cmpd="sng" algn="ctr">
+                      <a:solidFill>
+                        <a:schemeClr val="tx1"/>
+                      </a:solidFill>
+                      <a:prstDash val="solid"/>
+                      <a:round/>
+                      <a:headEnd type="none" w="med" len="med"/>
+                      <a:tailEnd type="none" w="med" len="med"/>
+                    </a:lnB>
+                    <a:lnTlToBr w="12700" cmpd="sng">
+                      <a:noFill/>
+                      <a:prstDash val="solid"/>
+                    </a:lnTlToBr>
+                    <a:lnBlToTr w="12700" cmpd="sng">
+                      <a:noFill/>
+                      <a:prstDash val="solid"/>
+                    </a:lnBlToTr>
+                    <a:solidFill>
+                      <a:schemeClr val="accent5">
+                        <a:lumMod val="60000"/>
+                        <a:lumOff val="40000"/>
+                      </a:schemeClr>
+                    </a:solidFill>
+                  </a:tcPr>
                 </a:tc>
                 <a:tc>
                   <a:txBody>
@@ -3000,29 +3155,141 @@
                     <a:lstStyle/>
                     <a:p>
                       <a:r>
-                        <a:rPr lang="en-US" altLang="zh-CN" b="0" dirty="0"/>
-                        <a:t>CMM</a:t>
+                        <a:rPr lang="en-US" altLang="zh-CN" sz="900" b="0" i="0" dirty="0">
+                          <a:latin typeface="Arial" panose="020B0604020202020204" pitchFamily="34" charset="0"/>
+                          <a:ea typeface="SimSun" panose="02010600030101010101" pitchFamily="2" charset="-122"/>
+                          <a:cs typeface="Arial" panose="020B0604020202020204" pitchFamily="34" charset="0"/>
+                        </a:rPr>
+                        <a:t>93</a:t>
                       </a:r>
-                      <a:endParaRPr lang="zh-CN" altLang="en-US" b="0" dirty="0"/>
                     </a:p>
                   </a:txBody>
-                  <a:tcPr/>
+                  <a:tcPr>
+                    <a:lnL w="6350" cap="flat" cmpd="sng" algn="ctr">
+                      <a:solidFill>
+                        <a:schemeClr val="tx1"/>
+                      </a:solidFill>
+                      <a:prstDash val="solid"/>
+                      <a:round/>
+                      <a:headEnd type="none" w="med" len="med"/>
+                      <a:tailEnd type="none" w="med" len="med"/>
+                    </a:lnL>
+                    <a:lnR w="6350" cap="flat" cmpd="sng" algn="ctr">
+                      <a:solidFill>
+                        <a:schemeClr val="tx1"/>
+                      </a:solidFill>
+                      <a:prstDash val="solid"/>
+                      <a:round/>
+                      <a:headEnd type="none" w="med" len="med"/>
+                      <a:tailEnd type="none" w="med" len="med"/>
+                    </a:lnR>
+                    <a:lnT w="6350" cap="flat" cmpd="sng" algn="ctr">
+                      <a:solidFill>
+                        <a:schemeClr val="tx1"/>
+                      </a:solidFill>
+                      <a:prstDash val="solid"/>
+                      <a:round/>
+                      <a:headEnd type="none" w="med" len="med"/>
+                      <a:tailEnd type="none" w="med" len="med"/>
+                    </a:lnT>
+                    <a:lnB w="6350" cap="flat" cmpd="sng" algn="ctr">
+                      <a:solidFill>
+                        <a:schemeClr val="tx1"/>
+                      </a:solidFill>
+                      <a:prstDash val="solid"/>
+                      <a:round/>
+                      <a:headEnd type="none" w="med" len="med"/>
+                      <a:tailEnd type="none" w="med" len="med"/>
+                    </a:lnB>
+                    <a:lnTlToBr w="12700" cmpd="sng">
+                      <a:noFill/>
+                      <a:prstDash val="solid"/>
+                    </a:lnTlToBr>
+                    <a:lnBlToTr w="12700" cmpd="sng">
+                      <a:noFill/>
+                      <a:prstDash val="solid"/>
+                    </a:lnBlToTr>
+                  </a:tcPr>
                 </a:tc>
+                <a:extLst>
+                  <a:ext uri="{0D108BD9-81ED-4DB2-BD59-A6C34878D82A}">
+                    <a16:rowId xmlns:a16="http://schemas.microsoft.com/office/drawing/2014/main" val="10000"/>
+                  </a:ext>
+                </a:extLst>
               </a:tr>
-              <a:tr h="508422">
+              <a:tr h="562695">
                 <a:tc>
                   <a:txBody>
                     <a:bodyPr/>
                     <a:lstStyle/>
                     <a:p>
                       <a:r>
-                        <a:rPr lang="en-US" altLang="zh-CN" dirty="0"/>
-                        <a:t>Positioning</a:t>
+                        <a:rPr lang="en-US" altLang="zh-CN" sz="900" b="0" i="0" dirty="0">
+                          <a:latin typeface="Arial" panose="020B0604020202020204" pitchFamily="34" charset="0"/>
+                          <a:ea typeface="SimSun" panose="02010600030101010101" pitchFamily="2" charset="-122"/>
+                          <a:cs typeface="Arial" panose="020B0604020202020204" pitchFamily="34" charset="0"/>
+                        </a:rPr>
+                        <a:t>Description</a:t>
                       </a:r>
-                      <a:endParaRPr lang="zh-CN" altLang="en-US" dirty="0"/>
+                      <a:endParaRPr lang="zh-CN" altLang="en-US" sz="900" b="0" i="0" dirty="0">
+                        <a:latin typeface="Arial" panose="020B0604020202020204" pitchFamily="34" charset="0"/>
+                        <a:ea typeface="SimSun" panose="02010600030101010101" pitchFamily="2" charset="-122"/>
+                        <a:cs typeface="Arial" panose="020B0604020202020204" pitchFamily="34" charset="0"/>
+                      </a:endParaRPr>
                     </a:p>
                   </a:txBody>
-                  <a:tcPr/>
+                  <a:tcPr>
+                    <a:lnL w="6350" cap="flat" cmpd="sng" algn="ctr">
+                      <a:solidFill>
+                        <a:schemeClr val="tx1"/>
+                      </a:solidFill>
+                      <a:prstDash val="solid"/>
+                      <a:round/>
+                      <a:headEnd type="none" w="med" len="med"/>
+                      <a:tailEnd type="none" w="med" len="med"/>
+                    </a:lnL>
+                    <a:lnR w="6350" cap="flat" cmpd="sng" algn="ctr">
+                      <a:solidFill>
+                        <a:schemeClr val="tx1"/>
+                      </a:solidFill>
+                      <a:prstDash val="solid"/>
+                      <a:round/>
+                      <a:headEnd type="none" w="med" len="med"/>
+                      <a:tailEnd type="none" w="med" len="med"/>
+                    </a:lnR>
+                    <a:lnT w="6350" cap="flat" cmpd="sng" algn="ctr">
+                      <a:solidFill>
+                        <a:schemeClr val="tx1"/>
+                      </a:solidFill>
+                      <a:prstDash val="solid"/>
+                      <a:round/>
+                      <a:headEnd type="none" w="med" len="med"/>
+                      <a:tailEnd type="none" w="med" len="med"/>
+                    </a:lnT>
+                    <a:lnB w="6350" cap="flat" cmpd="sng" algn="ctr">
+                      <a:solidFill>
+                        <a:schemeClr val="tx1"/>
+                      </a:solidFill>
+                      <a:prstDash val="solid"/>
+                      <a:round/>
+                      <a:headEnd type="none" w="med" len="med"/>
+                      <a:tailEnd type="none" w="med" len="med"/>
+                    </a:lnB>
+                    <a:lnTlToBr w="12700" cmpd="sng">
+                      <a:noFill/>
+                      <a:prstDash val="solid"/>
+                    </a:lnTlToBr>
+                    <a:lnBlToTr w="12700" cmpd="sng">
+                      <a:noFill/>
+                      <a:prstDash val="solid"/>
+                    </a:lnBlToTr>
+                    <a:solidFill>
+                      <a:schemeClr val="accent5">
+                        <a:lumMod val="60000"/>
+                        <a:lumOff val="40000"/>
+                      </a:schemeClr>
+                    </a:solidFill>
+                  </a:tcPr>
                 </a:tc>
                 <a:tc>
                   <a:txBody>
@@ -3030,29 +3297,141 @@
                     <a:lstStyle/>
                     <a:p>
                       <a:r>
-                        <a:rPr lang="en-US" altLang="zh-CN" dirty="0"/>
-                        <a:t>4X points support</a:t>
+                        <a:rPr lang="en-US" altLang="zh-CN" sz="900" b="0" i="0" dirty="0">
+                          <a:latin typeface="Arial" panose="020B0604020202020204" pitchFamily="34" charset="0"/>
+                          <a:ea typeface="SimSun" panose="02010600030101010101" pitchFamily="2" charset="-122"/>
+                          <a:cs typeface="Arial" panose="020B0604020202020204" pitchFamily="34" charset="0"/>
+                        </a:rPr>
+                        <a:t>HSG inner width</a:t>
                       </a:r>
-                      <a:endParaRPr lang="zh-CN" altLang="en-US" dirty="0"/>
                     </a:p>
                   </a:txBody>
-                  <a:tcPr/>
+                  <a:tcPr>
+                    <a:lnL w="6350" cap="flat" cmpd="sng" algn="ctr">
+                      <a:solidFill>
+                        <a:schemeClr val="tx1"/>
+                      </a:solidFill>
+                      <a:prstDash val="solid"/>
+                      <a:round/>
+                      <a:headEnd type="none" w="med" len="med"/>
+                      <a:tailEnd type="none" w="med" len="med"/>
+                    </a:lnL>
+                    <a:lnR w="6350" cap="flat" cmpd="sng" algn="ctr">
+                      <a:solidFill>
+                        <a:schemeClr val="tx1"/>
+                      </a:solidFill>
+                      <a:prstDash val="solid"/>
+                      <a:round/>
+                      <a:headEnd type="none" w="med" len="med"/>
+                      <a:tailEnd type="none" w="med" len="med"/>
+                    </a:lnR>
+                    <a:lnT w="6350" cap="flat" cmpd="sng" algn="ctr">
+                      <a:solidFill>
+                        <a:schemeClr val="tx1"/>
+                      </a:solidFill>
+                      <a:prstDash val="solid"/>
+                      <a:round/>
+                      <a:headEnd type="none" w="med" len="med"/>
+                      <a:tailEnd type="none" w="med" len="med"/>
+                    </a:lnT>
+                    <a:lnB w="6350" cap="flat" cmpd="sng" algn="ctr">
+                      <a:solidFill>
+                        <a:schemeClr val="tx1"/>
+                      </a:solidFill>
+                      <a:prstDash val="solid"/>
+                      <a:round/>
+                      <a:headEnd type="none" w="med" len="med"/>
+                      <a:tailEnd type="none" w="med" len="med"/>
+                    </a:lnB>
+                    <a:lnTlToBr w="12700" cmpd="sng">
+                      <a:noFill/>
+                      <a:prstDash val="solid"/>
+                    </a:lnTlToBr>
+                    <a:lnBlToTr w="12700" cmpd="sng">
+                      <a:noFill/>
+                      <a:prstDash val="solid"/>
+                    </a:lnBlToTr>
+                  </a:tcPr>
                 </a:tc>
+                <a:extLst>
+                  <a:ext uri="{0D108BD9-81ED-4DB2-BD59-A6C34878D82A}">
+                    <a16:rowId xmlns:a16="http://schemas.microsoft.com/office/drawing/2014/main" val="31506459"/>
+                  </a:ext>
+                </a:extLst>
               </a:tr>
-              <a:tr h="508422">
+              <a:tr h="339341">
                 <a:tc>
                   <a:txBody>
                     <a:bodyPr/>
                     <a:lstStyle/>
                     <a:p>
                       <a:r>
-                        <a:rPr lang="en-US" altLang="zh-CN" dirty="0" err="1"/>
-                        <a:t>Dutam</a:t>
+                        <a:rPr lang="en-US" altLang="zh-CN" sz="900" b="0" i="0" dirty="0">
+                          <a:latin typeface="Arial" panose="020B0604020202020204" pitchFamily="34" charset="0"/>
+                          <a:ea typeface="SimSun" panose="02010600030101010101" pitchFamily="2" charset="-122"/>
+                          <a:cs typeface="Arial" panose="020B0604020202020204" pitchFamily="34" charset="0"/>
+                        </a:rPr>
+                        <a:t>Nominal</a:t>
                       </a:r>
-                      <a:endParaRPr lang="zh-CN" altLang="en-US" dirty="0"/>
+                      <a:endParaRPr lang="zh-CN" altLang="en-US" sz="900" b="0" i="0" dirty="0">
+                        <a:latin typeface="Arial" panose="020B0604020202020204" pitchFamily="34" charset="0"/>
+                        <a:ea typeface="SimSun" panose="02010600030101010101" pitchFamily="2" charset="-122"/>
+                        <a:cs typeface="Arial" panose="020B0604020202020204" pitchFamily="34" charset="0"/>
+                      </a:endParaRPr>
                     </a:p>
                   </a:txBody>
-                  <a:tcPr/>
+                  <a:tcPr>
+                    <a:lnL w="6350" cap="flat" cmpd="sng" algn="ctr">
+                      <a:solidFill>
+                        <a:schemeClr val="tx1"/>
+                      </a:solidFill>
+                      <a:prstDash val="solid"/>
+                      <a:round/>
+                      <a:headEnd type="none" w="med" len="med"/>
+                      <a:tailEnd type="none" w="med" len="med"/>
+                    </a:lnL>
+                    <a:lnR w="6350" cap="flat" cmpd="sng" algn="ctr">
+                      <a:solidFill>
+                        <a:schemeClr val="tx1"/>
+                      </a:solidFill>
+                      <a:prstDash val="solid"/>
+                      <a:round/>
+                      <a:headEnd type="none" w="med" len="med"/>
+                      <a:tailEnd type="none" w="med" len="med"/>
+                    </a:lnR>
+                    <a:lnT w="6350" cap="flat" cmpd="sng" algn="ctr">
+                      <a:solidFill>
+                        <a:schemeClr val="tx1"/>
+                      </a:solidFill>
+                      <a:prstDash val="solid"/>
+                      <a:round/>
+                      <a:headEnd type="none" w="med" len="med"/>
+                      <a:tailEnd type="none" w="med" len="med"/>
+                    </a:lnT>
+                    <a:lnB w="6350" cap="flat" cmpd="sng" algn="ctr">
+                      <a:solidFill>
+                        <a:schemeClr val="tx1"/>
+                      </a:solidFill>
+                      <a:prstDash val="solid"/>
+                      <a:round/>
+                      <a:headEnd type="none" w="med" len="med"/>
+                      <a:tailEnd type="none" w="med" len="med"/>
+                    </a:lnB>
+                    <a:lnTlToBr w="12700" cmpd="sng">
+                      <a:noFill/>
+                      <a:prstDash val="solid"/>
+                    </a:lnTlToBr>
+                    <a:lnBlToTr w="12700" cmpd="sng">
+                      <a:noFill/>
+                      <a:prstDash val="solid"/>
+                    </a:lnBlToTr>
+                    <a:solidFill>
+                      <a:schemeClr val="accent5">
+                        <a:lumMod val="60000"/>
+                        <a:lumOff val="40000"/>
+                      </a:schemeClr>
+                    </a:solidFill>
+                  </a:tcPr>
                 </a:tc>
                 <a:tc>
                   <a:txBody>
@@ -3060,29 +3439,146 @@
                     <a:lstStyle/>
                     <a:p>
                       <a:r>
-                        <a:rPr lang="en-US" altLang="zh-CN" dirty="0"/>
-                        <a:t>A+B+C</a:t>
+                        <a:rPr lang="en-US" altLang="zh-CN" sz="900" b="0" i="0" dirty="0">
+                          <a:latin typeface="Arial" panose="020B0604020202020204" pitchFamily="34" charset="0"/>
+                          <a:ea typeface="SimSun" panose="02010600030101010101" pitchFamily="2" charset="-122"/>
+                          <a:cs typeface="Arial" panose="020B0604020202020204" pitchFamily="34" charset="0"/>
+                        </a:rPr>
+                        <a:t>176.618</a:t>
                       </a:r>
-                      <a:endParaRPr lang="zh-CN" altLang="en-US" dirty="0"/>
+                      <a:endParaRPr lang="zh-CN" altLang="en-US" sz="900" b="0" i="0" dirty="0">
+                        <a:latin typeface="Arial" panose="020B0604020202020204" pitchFamily="34" charset="0"/>
+                        <a:ea typeface="SimSun" panose="02010600030101010101" pitchFamily="2" charset="-122"/>
+                        <a:cs typeface="Arial" panose="020B0604020202020204" pitchFamily="34" charset="0"/>
+                      </a:endParaRPr>
                     </a:p>
                   </a:txBody>
-                  <a:tcPr/>
+                  <a:tcPr>
+                    <a:lnL w="6350" cap="flat" cmpd="sng" algn="ctr">
+                      <a:solidFill>
+                        <a:schemeClr val="tx1"/>
+                      </a:solidFill>
+                      <a:prstDash val="solid"/>
+                      <a:round/>
+                      <a:headEnd type="none" w="med" len="med"/>
+                      <a:tailEnd type="none" w="med" len="med"/>
+                    </a:lnL>
+                    <a:lnR w="6350" cap="flat" cmpd="sng" algn="ctr">
+                      <a:solidFill>
+                        <a:schemeClr val="tx1"/>
+                      </a:solidFill>
+                      <a:prstDash val="solid"/>
+                      <a:round/>
+                      <a:headEnd type="none" w="med" len="med"/>
+                      <a:tailEnd type="none" w="med" len="med"/>
+                    </a:lnR>
+                    <a:lnT w="6350" cap="flat" cmpd="sng" algn="ctr">
+                      <a:solidFill>
+                        <a:schemeClr val="tx1"/>
+                      </a:solidFill>
+                      <a:prstDash val="solid"/>
+                      <a:round/>
+                      <a:headEnd type="none" w="med" len="med"/>
+                      <a:tailEnd type="none" w="med" len="med"/>
+                    </a:lnT>
+                    <a:lnB w="6350" cap="flat" cmpd="sng" algn="ctr">
+                      <a:solidFill>
+                        <a:schemeClr val="tx1"/>
+                      </a:solidFill>
+                      <a:prstDash val="solid"/>
+                      <a:round/>
+                      <a:headEnd type="none" w="med" len="med"/>
+                      <a:tailEnd type="none" w="med" len="med"/>
+                    </a:lnB>
+                    <a:lnTlToBr w="12700" cmpd="sng">
+                      <a:noFill/>
+                      <a:prstDash val="solid"/>
+                    </a:lnTlToBr>
+                    <a:lnBlToTr w="12700" cmpd="sng">
+                      <a:noFill/>
+                      <a:prstDash val="solid"/>
+                    </a:lnBlToTr>
+                  </a:tcPr>
                 </a:tc>
+                <a:extLst>
+                  <a:ext uri="{0D108BD9-81ED-4DB2-BD59-A6C34878D82A}">
+                    <a16:rowId xmlns:a16="http://schemas.microsoft.com/office/drawing/2014/main" val="3999776105"/>
+                  </a:ext>
+                </a:extLst>
               </a:tr>
-              <a:tr h="508422">
+              <a:tr h="339341">
                 <a:tc>
                   <a:txBody>
                     <a:bodyPr/>
                     <a:lstStyle/>
                     <a:p>
                       <a:r>
-                        <a:rPr lang="en-US" altLang="zh-CN" dirty="0"/>
-                        <a:t>Nominal</a:t>
+                        <a:rPr lang="en-US" altLang="zh-CN" sz="900" b="0" i="0" dirty="0">
+                          <a:latin typeface="Arial" panose="020B0604020202020204" pitchFamily="34" charset="0"/>
+                          <a:ea typeface="SimSun" panose="02010600030101010101" pitchFamily="2" charset="-122"/>
+                          <a:cs typeface="Arial" panose="020B0604020202020204" pitchFamily="34" charset="0"/>
+                        </a:rPr>
+                        <a:t>Tol+</a:t>
                       </a:r>
-                      <a:endParaRPr lang="zh-CN" altLang="en-US" dirty="0"/>
+                      <a:endParaRPr lang="zh-CN" altLang="en-US" sz="900" b="0" i="0" dirty="0">
+                        <a:latin typeface="Arial" panose="020B0604020202020204" pitchFamily="34" charset="0"/>
+                        <a:ea typeface="SimSun" panose="02010600030101010101" pitchFamily="2" charset="-122"/>
+                        <a:cs typeface="Arial" panose="020B0604020202020204" pitchFamily="34" charset="0"/>
+                      </a:endParaRPr>
                     </a:p>
                   </a:txBody>
-                  <a:tcPr/>
+                  <a:tcPr>
+                    <a:lnL w="6350" cap="flat" cmpd="sng" algn="ctr">
+                      <a:solidFill>
+                        <a:schemeClr val="tx1"/>
+                      </a:solidFill>
+                      <a:prstDash val="solid"/>
+                      <a:round/>
+                      <a:headEnd type="none" w="med" len="med"/>
+                      <a:tailEnd type="none" w="med" len="med"/>
+                    </a:lnL>
+                    <a:lnR w="6350" cap="flat" cmpd="sng" algn="ctr">
+                      <a:solidFill>
+                        <a:schemeClr val="tx1"/>
+                      </a:solidFill>
+                      <a:prstDash val="solid"/>
+                      <a:round/>
+                      <a:headEnd type="none" w="med" len="med"/>
+                      <a:tailEnd type="none" w="med" len="med"/>
+                    </a:lnR>
+                    <a:lnT w="6350" cap="flat" cmpd="sng" algn="ctr">
+                      <a:solidFill>
+                        <a:schemeClr val="tx1"/>
+                      </a:solidFill>
+                      <a:prstDash val="solid"/>
+                      <a:round/>
+                      <a:headEnd type="none" w="med" len="med"/>
+                      <a:tailEnd type="none" w="med" len="med"/>
+                    </a:lnT>
+                    <a:lnB w="6350" cap="flat" cmpd="sng" algn="ctr">
+                      <a:solidFill>
+                        <a:schemeClr val="tx1"/>
+                      </a:solidFill>
+                      <a:prstDash val="solid"/>
+                      <a:round/>
+                      <a:headEnd type="none" w="med" len="med"/>
+                      <a:tailEnd type="none" w="med" len="med"/>
+                    </a:lnB>
+                    <a:lnTlToBr w="12700" cmpd="sng">
+                      <a:noFill/>
+                      <a:prstDash val="solid"/>
+                    </a:lnTlToBr>
+                    <a:lnBlToTr w="12700" cmpd="sng">
+                      <a:noFill/>
+                      <a:prstDash val="solid"/>
+                    </a:lnBlToTr>
+                    <a:solidFill>
+                      <a:schemeClr val="accent5">
+                        <a:lumMod val="60000"/>
+                        <a:lumOff val="40000"/>
+                      </a:schemeClr>
+                    </a:solidFill>
+                  </a:tcPr>
                 </a:tc>
                 <a:tc>
                   <a:txBody>
@@ -3090,29 +3586,146 @@
                     <a:lstStyle/>
                     <a:p>
                       <a:r>
-                        <a:rPr lang="en-US" altLang="zh-CN" dirty="0"/>
-                        <a:t>1.000</a:t>
+                        <a:rPr lang="en-US" altLang="zh-CN" sz="900" b="0" i="0" dirty="0">
+                          <a:latin typeface="Arial" panose="020B0604020202020204" pitchFamily="34" charset="0"/>
+                          <a:ea typeface="SimSun" panose="02010600030101010101" pitchFamily="2" charset="-122"/>
+                          <a:cs typeface="Arial" panose="020B0604020202020204" pitchFamily="34" charset="0"/>
+                        </a:rPr>
+                        <a:t>+0.15</a:t>
                       </a:r>
-                      <a:endParaRPr lang="zh-CN" altLang="en-US" dirty="0"/>
+                      <a:endParaRPr lang="zh-CN" altLang="en-US" sz="900" b="0" i="0" dirty="0">
+                        <a:latin typeface="Arial" panose="020B0604020202020204" pitchFamily="34" charset="0"/>
+                        <a:ea typeface="SimSun" panose="02010600030101010101" pitchFamily="2" charset="-122"/>
+                        <a:cs typeface="Arial" panose="020B0604020202020204" pitchFamily="34" charset="0"/>
+                      </a:endParaRPr>
                     </a:p>
                   </a:txBody>
-                  <a:tcPr/>
+                  <a:tcPr>
+                    <a:lnL w="6350" cap="flat" cmpd="sng" algn="ctr">
+                      <a:solidFill>
+                        <a:schemeClr val="tx1"/>
+                      </a:solidFill>
+                      <a:prstDash val="solid"/>
+                      <a:round/>
+                      <a:headEnd type="none" w="med" len="med"/>
+                      <a:tailEnd type="none" w="med" len="med"/>
+                    </a:lnL>
+                    <a:lnR w="6350" cap="flat" cmpd="sng" algn="ctr">
+                      <a:solidFill>
+                        <a:schemeClr val="tx1"/>
+                      </a:solidFill>
+                      <a:prstDash val="solid"/>
+                      <a:round/>
+                      <a:headEnd type="none" w="med" len="med"/>
+                      <a:tailEnd type="none" w="med" len="med"/>
+                    </a:lnR>
+                    <a:lnT w="6350" cap="flat" cmpd="sng" algn="ctr">
+                      <a:solidFill>
+                        <a:schemeClr val="tx1"/>
+                      </a:solidFill>
+                      <a:prstDash val="solid"/>
+                      <a:round/>
+                      <a:headEnd type="none" w="med" len="med"/>
+                      <a:tailEnd type="none" w="med" len="med"/>
+                    </a:lnT>
+                    <a:lnB w="6350" cap="flat" cmpd="sng" algn="ctr">
+                      <a:solidFill>
+                        <a:schemeClr val="tx1"/>
+                      </a:solidFill>
+                      <a:prstDash val="solid"/>
+                      <a:round/>
+                      <a:headEnd type="none" w="med" len="med"/>
+                      <a:tailEnd type="none" w="med" len="med"/>
+                    </a:lnB>
+                    <a:lnTlToBr w="12700" cmpd="sng">
+                      <a:noFill/>
+                      <a:prstDash val="solid"/>
+                    </a:lnTlToBr>
+                    <a:lnBlToTr w="12700" cmpd="sng">
+                      <a:noFill/>
+                      <a:prstDash val="solid"/>
+                    </a:lnBlToTr>
+                  </a:tcPr>
                 </a:tc>
+                <a:extLst>
+                  <a:ext uri="{0D108BD9-81ED-4DB2-BD59-A6C34878D82A}">
+                    <a16:rowId xmlns:a16="http://schemas.microsoft.com/office/drawing/2014/main" val="913100384"/>
+                  </a:ext>
+                </a:extLst>
               </a:tr>
-              <a:tr h="508422">
+              <a:tr h="339341">
                 <a:tc>
                   <a:txBody>
                     <a:bodyPr/>
                     <a:lstStyle/>
                     <a:p>
                       <a:r>
-                        <a:rPr lang="en-US" altLang="zh-CN" dirty="0"/>
-                        <a:t>Tol+</a:t>
+                        <a:rPr lang="en-US" altLang="zh-CN" sz="900" b="0" i="0" dirty="0">
+                          <a:latin typeface="Arial" panose="020B0604020202020204" pitchFamily="34" charset="0"/>
+                          <a:ea typeface="SimSun" panose="02010600030101010101" pitchFamily="2" charset="-122"/>
+                          <a:cs typeface="Arial" panose="020B0604020202020204" pitchFamily="34" charset="0"/>
+                        </a:rPr>
+                        <a:t>Tol-</a:t>
                       </a:r>
-                      <a:endParaRPr lang="zh-CN" altLang="en-US" dirty="0"/>
+                      <a:endParaRPr lang="zh-CN" altLang="en-US" sz="900" b="0" i="0" dirty="0">
+                        <a:latin typeface="Arial" panose="020B0604020202020204" pitchFamily="34" charset="0"/>
+                        <a:ea typeface="SimSun" panose="02010600030101010101" pitchFamily="2" charset="-122"/>
+                        <a:cs typeface="Arial" panose="020B0604020202020204" pitchFamily="34" charset="0"/>
+                      </a:endParaRPr>
                     </a:p>
                   </a:txBody>
-                  <a:tcPr/>
+                  <a:tcPr>
+                    <a:lnL w="6350" cap="flat" cmpd="sng" algn="ctr">
+                      <a:solidFill>
+                        <a:schemeClr val="tx1"/>
+                      </a:solidFill>
+                      <a:prstDash val="solid"/>
+                      <a:round/>
+                      <a:headEnd type="none" w="med" len="med"/>
+                      <a:tailEnd type="none" w="med" len="med"/>
+                    </a:lnL>
+                    <a:lnR w="6350" cap="flat" cmpd="sng" algn="ctr">
+                      <a:solidFill>
+                        <a:schemeClr val="tx1"/>
+                      </a:solidFill>
+                      <a:prstDash val="solid"/>
+                      <a:round/>
+                      <a:headEnd type="none" w="med" len="med"/>
+                      <a:tailEnd type="none" w="med" len="med"/>
+                    </a:lnR>
+                    <a:lnT w="6350" cap="flat" cmpd="sng" algn="ctr">
+                      <a:solidFill>
+                        <a:schemeClr val="tx1"/>
+                      </a:solidFill>
+                      <a:prstDash val="solid"/>
+                      <a:round/>
+                      <a:headEnd type="none" w="med" len="med"/>
+                      <a:tailEnd type="none" w="med" len="med"/>
+                    </a:lnT>
+                    <a:lnB w="6350" cap="flat" cmpd="sng" algn="ctr">
+                      <a:solidFill>
+                        <a:schemeClr val="tx1"/>
+                      </a:solidFill>
+                      <a:prstDash val="solid"/>
+                      <a:round/>
+                      <a:headEnd type="none" w="med" len="med"/>
+                      <a:tailEnd type="none" w="med" len="med"/>
+                    </a:lnB>
+                    <a:lnTlToBr w="12700" cmpd="sng">
+                      <a:noFill/>
+                      <a:prstDash val="solid"/>
+                    </a:lnTlToBr>
+                    <a:lnBlToTr w="12700" cmpd="sng">
+                      <a:noFill/>
+                      <a:prstDash val="solid"/>
+                    </a:lnBlToTr>
+                    <a:solidFill>
+                      <a:schemeClr val="accent5">
+                        <a:lumMod val="60000"/>
+                        <a:lumOff val="40000"/>
+                      </a:schemeClr>
+                    </a:solidFill>
+                  </a:tcPr>
                 </a:tc>
                 <a:tc>
                   <a:txBody>
@@ -3120,29 +3733,141 @@
                     <a:lstStyle/>
                     <a:p>
                       <a:r>
-                        <a:rPr lang="en-US" altLang="zh-CN" dirty="0"/>
-                        <a:t>0.001</a:t>
+                        <a:rPr lang="en-US" altLang="zh-CN" sz="900" b="0" i="0" dirty="0">
+                          <a:latin typeface="Arial" panose="020B0604020202020204" pitchFamily="34" charset="0"/>
+                          <a:ea typeface="SimSun" panose="02010600030101010101" pitchFamily="2" charset="-122"/>
+                          <a:cs typeface="Arial" panose="020B0604020202020204" pitchFamily="34" charset="0"/>
+                        </a:rPr>
+                        <a:t>-0.05</a:t>
                       </a:r>
-                      <a:endParaRPr lang="zh-CN" altLang="en-US" dirty="0"/>
                     </a:p>
                   </a:txBody>
-                  <a:tcPr/>
+                  <a:tcPr>
+                    <a:lnL w="6350" cap="flat" cmpd="sng" algn="ctr">
+                      <a:solidFill>
+                        <a:schemeClr val="tx1"/>
+                      </a:solidFill>
+                      <a:prstDash val="solid"/>
+                      <a:round/>
+                      <a:headEnd type="none" w="med" len="med"/>
+                      <a:tailEnd type="none" w="med" len="med"/>
+                    </a:lnL>
+                    <a:lnR w="6350" cap="flat" cmpd="sng" algn="ctr">
+                      <a:solidFill>
+                        <a:schemeClr val="tx1"/>
+                      </a:solidFill>
+                      <a:prstDash val="solid"/>
+                      <a:round/>
+                      <a:headEnd type="none" w="med" len="med"/>
+                      <a:tailEnd type="none" w="med" len="med"/>
+                    </a:lnR>
+                    <a:lnT w="6350" cap="flat" cmpd="sng" algn="ctr">
+                      <a:solidFill>
+                        <a:schemeClr val="tx1"/>
+                      </a:solidFill>
+                      <a:prstDash val="solid"/>
+                      <a:round/>
+                      <a:headEnd type="none" w="med" len="med"/>
+                      <a:tailEnd type="none" w="med" len="med"/>
+                    </a:lnT>
+                    <a:lnB w="6350" cap="flat" cmpd="sng" algn="ctr">
+                      <a:solidFill>
+                        <a:schemeClr val="tx1"/>
+                      </a:solidFill>
+                      <a:prstDash val="solid"/>
+                      <a:round/>
+                      <a:headEnd type="none" w="med" len="med"/>
+                      <a:tailEnd type="none" w="med" len="med"/>
+                    </a:lnB>
+                    <a:lnTlToBr w="12700" cmpd="sng">
+                      <a:noFill/>
+                      <a:prstDash val="solid"/>
+                    </a:lnTlToBr>
+                    <a:lnBlToTr w="12700" cmpd="sng">
+                      <a:noFill/>
+                      <a:prstDash val="solid"/>
+                    </a:lnBlToTr>
+                  </a:tcPr>
                 </a:tc>
+                <a:extLst>
+                  <a:ext uri="{0D108BD9-81ED-4DB2-BD59-A6C34878D82A}">
+                    <a16:rowId xmlns:a16="http://schemas.microsoft.com/office/drawing/2014/main" val="363424782"/>
+                  </a:ext>
+                </a:extLst>
               </a:tr>
-              <a:tr h="508422">
+              <a:tr h="339341">
                 <a:tc>
                   <a:txBody>
                     <a:bodyPr/>
                     <a:lstStyle/>
                     <a:p>
                       <a:r>
-                        <a:rPr lang="en-US" altLang="zh-CN" dirty="0"/>
-                        <a:t>Tol-</a:t>
+                        <a:rPr lang="en-US" altLang="zh-CN" sz="900" b="0" i="0" dirty="0">
+                          <a:latin typeface="Arial" panose="020B0604020202020204" pitchFamily="34" charset="0"/>
+                          <a:ea typeface="SimSun" panose="02010600030101010101" pitchFamily="2" charset="-122"/>
+                          <a:cs typeface="Arial" panose="020B0604020202020204" pitchFamily="34" charset="0"/>
+                        </a:rPr>
+                        <a:t>Equipment</a:t>
                       </a:r>
-                      <a:endParaRPr lang="zh-CN" altLang="en-US" dirty="0"/>
+                      <a:endParaRPr lang="zh-CN" altLang="en-US" sz="900" b="0" i="0" dirty="0">
+                        <a:latin typeface="Arial" panose="020B0604020202020204" pitchFamily="34" charset="0"/>
+                        <a:ea typeface="SimSun" panose="02010600030101010101" pitchFamily="2" charset="-122"/>
+                        <a:cs typeface="Arial" panose="020B0604020202020204" pitchFamily="34" charset="0"/>
+                      </a:endParaRPr>
                     </a:p>
                   </a:txBody>
-                  <a:tcPr/>
+                  <a:tcPr>
+                    <a:lnL w="6350" cap="flat" cmpd="sng" algn="ctr">
+                      <a:solidFill>
+                        <a:schemeClr val="tx1"/>
+                      </a:solidFill>
+                      <a:prstDash val="solid"/>
+                      <a:round/>
+                      <a:headEnd type="none" w="med" len="med"/>
+                      <a:tailEnd type="none" w="med" len="med"/>
+                    </a:lnL>
+                    <a:lnR w="6350" cap="flat" cmpd="sng" algn="ctr">
+                      <a:solidFill>
+                        <a:schemeClr val="tx1"/>
+                      </a:solidFill>
+                      <a:prstDash val="solid"/>
+                      <a:round/>
+                      <a:headEnd type="none" w="med" len="med"/>
+                      <a:tailEnd type="none" w="med" len="med"/>
+                    </a:lnR>
+                    <a:lnT w="6350" cap="flat" cmpd="sng" algn="ctr">
+                      <a:solidFill>
+                        <a:schemeClr val="tx1"/>
+                      </a:solidFill>
+                      <a:prstDash val="solid"/>
+                      <a:round/>
+                      <a:headEnd type="none" w="med" len="med"/>
+                      <a:tailEnd type="none" w="med" len="med"/>
+                    </a:lnT>
+                    <a:lnB w="6350" cap="flat" cmpd="sng" algn="ctr">
+                      <a:solidFill>
+                        <a:schemeClr val="tx1"/>
+                      </a:solidFill>
+                      <a:prstDash val="solid"/>
+                      <a:round/>
+                      <a:headEnd type="none" w="med" len="med"/>
+                      <a:tailEnd type="none" w="med" len="med"/>
+                    </a:lnB>
+                    <a:lnTlToBr w="12700" cmpd="sng">
+                      <a:noFill/>
+                      <a:prstDash val="solid"/>
+                    </a:lnTlToBr>
+                    <a:lnBlToTr w="12700" cmpd="sng">
+                      <a:noFill/>
+                      <a:prstDash val="solid"/>
+                    </a:lnBlToTr>
+                    <a:solidFill>
+                      <a:schemeClr val="accent5">
+                        <a:lumMod val="60000"/>
+                        <a:lumOff val="40000"/>
+                      </a:schemeClr>
+                    </a:solidFill>
+                  </a:tcPr>
                 </a:tc>
                 <a:tc>
                   <a:txBody>
@@ -3150,46 +3875,1518 @@
                     <a:lstStyle/>
                     <a:p>
                       <a:r>
-                        <a:rPr lang="en-US" altLang="zh-CN" dirty="0"/>
-                        <a:t>-0.001</a:t>
+                        <a:rPr lang="en-US" altLang="zh-CN" sz="900" b="0" i="0" dirty="0">
+                          <a:latin typeface="Arial" panose="020B0604020202020204" pitchFamily="34" charset="0"/>
+                          <a:ea typeface="SimSun" panose="02010600030101010101" pitchFamily="2" charset="-122"/>
+                          <a:cs typeface="Arial" panose="020B0604020202020204" pitchFamily="34" charset="0"/>
+                        </a:rPr>
+                        <a:t>CMM</a:t>
                       </a:r>
-                      <a:endParaRPr lang="zh-CN" altLang="en-US" dirty="0"/>
+                      <a:endParaRPr lang="zh-CN" altLang="en-US" sz="900" b="0" i="0" dirty="0">
+                        <a:latin typeface="Arial" panose="020B0604020202020204" pitchFamily="34" charset="0"/>
+                        <a:ea typeface="SimSun" panose="02010600030101010101" pitchFamily="2" charset="-122"/>
+                        <a:cs typeface="Arial" panose="020B0604020202020204" pitchFamily="34" charset="0"/>
+                      </a:endParaRPr>
                     </a:p>
                   </a:txBody>
-                  <a:tcPr/>
+                  <a:tcPr>
+                    <a:lnL w="6350" cap="flat" cmpd="sng" algn="ctr">
+                      <a:solidFill>
+                        <a:schemeClr val="tx1"/>
+                      </a:solidFill>
+                      <a:prstDash val="solid"/>
+                      <a:round/>
+                      <a:headEnd type="none" w="med" len="med"/>
+                      <a:tailEnd type="none" w="med" len="med"/>
+                    </a:lnL>
+                    <a:lnR w="6350" cap="flat" cmpd="sng" algn="ctr">
+                      <a:solidFill>
+                        <a:schemeClr val="tx1"/>
+                      </a:solidFill>
+                      <a:prstDash val="solid"/>
+                      <a:round/>
+                      <a:headEnd type="none" w="med" len="med"/>
+                      <a:tailEnd type="none" w="med" len="med"/>
+                    </a:lnR>
+                    <a:lnT w="6350" cap="flat" cmpd="sng" algn="ctr">
+                      <a:solidFill>
+                        <a:schemeClr val="tx1"/>
+                      </a:solidFill>
+                      <a:prstDash val="solid"/>
+                      <a:round/>
+                      <a:headEnd type="none" w="med" len="med"/>
+                      <a:tailEnd type="none" w="med" len="med"/>
+                    </a:lnT>
+                    <a:lnB w="6350" cap="flat" cmpd="sng" algn="ctr">
+                      <a:solidFill>
+                        <a:schemeClr val="tx1"/>
+                      </a:solidFill>
+                      <a:prstDash val="solid"/>
+                      <a:round/>
+                      <a:headEnd type="none" w="med" len="med"/>
+                      <a:tailEnd type="none" w="med" len="med"/>
+                    </a:lnB>
+                    <a:lnTlToBr w="12700" cmpd="sng">
+                      <a:noFill/>
+                      <a:prstDash val="solid"/>
+                    </a:lnTlToBr>
+                    <a:lnBlToTr w="12700" cmpd="sng">
+                      <a:noFill/>
+                      <a:prstDash val="solid"/>
+                    </a:lnBlToTr>
+                  </a:tcPr>
                 </a:tc>
+                <a:extLst>
+                  <a:ext uri="{0D108BD9-81ED-4DB2-BD59-A6C34878D82A}">
+                    <a16:rowId xmlns:a16="http://schemas.microsoft.com/office/drawing/2014/main" val="10001"/>
+                  </a:ext>
+                </a:extLst>
               </a:tr>
-              <a:tr h="862495">
-                <a:tc gridSpan="2">
+              <a:tr h="382553">
+                <a:tc>
                   <a:txBody>
                     <a:bodyPr/>
                     <a:lstStyle/>
                     <a:p>
                       <a:r>
-                        <a:rPr lang="en-US" altLang="zh-CN" dirty="0"/>
-                        <a:t>Method:</a:t>
+                        <a:rPr lang="en-US" altLang="zh-CN" sz="900" b="0" i="0" dirty="0">
+                          <a:latin typeface="Arial" panose="020B0604020202020204" pitchFamily="34" charset="0"/>
+                          <a:ea typeface="SimSun" panose="02010600030101010101" pitchFamily="2" charset="-122"/>
+                          <a:cs typeface="Arial" panose="020B0604020202020204" pitchFamily="34" charset="0"/>
+                        </a:rPr>
+                        <a:t>Fixture Positioning</a:t>
                       </a:r>
-                      <a:endParaRPr lang="en-US" altLang="zh-CN" dirty="0"/>
+                      <a:endParaRPr lang="zh-CN" altLang="en-US" sz="900" b="0" i="0" dirty="0">
+                        <a:latin typeface="Arial" panose="020B0604020202020204" pitchFamily="34" charset="0"/>
+                        <a:ea typeface="SimSun" panose="02010600030101010101" pitchFamily="2" charset="-122"/>
+                        <a:cs typeface="Arial" panose="020B0604020202020204" pitchFamily="34" charset="0"/>
+                      </a:endParaRPr>
+                    </a:p>
+                  </a:txBody>
+                  <a:tcPr>
+                    <a:lnL w="6350" cap="flat" cmpd="sng" algn="ctr">
+                      <a:solidFill>
+                        <a:schemeClr val="tx1"/>
+                      </a:solidFill>
+                      <a:prstDash val="solid"/>
+                      <a:round/>
+                      <a:headEnd type="none" w="med" len="med"/>
+                      <a:tailEnd type="none" w="med" len="med"/>
+                    </a:lnL>
+                    <a:lnR w="6350" cap="flat" cmpd="sng" algn="ctr">
+                      <a:solidFill>
+                        <a:schemeClr val="tx1"/>
+                      </a:solidFill>
+                      <a:prstDash val="solid"/>
+                      <a:round/>
+                      <a:headEnd type="none" w="med" len="med"/>
+                      <a:tailEnd type="none" w="med" len="med"/>
+                    </a:lnR>
+                    <a:lnT w="6350" cap="flat" cmpd="sng" algn="ctr">
+                      <a:solidFill>
+                        <a:schemeClr val="tx1"/>
+                      </a:solidFill>
+                      <a:prstDash val="solid"/>
+                      <a:round/>
+                      <a:headEnd type="none" w="med" len="med"/>
+                      <a:tailEnd type="none" w="med" len="med"/>
+                    </a:lnT>
+                    <a:lnB w="6350" cap="flat" cmpd="sng" algn="ctr">
+                      <a:solidFill>
+                        <a:schemeClr val="tx1"/>
+                      </a:solidFill>
+                      <a:prstDash val="solid"/>
+                      <a:round/>
+                      <a:headEnd type="none" w="med" len="med"/>
+                      <a:tailEnd type="none" w="med" len="med"/>
+                    </a:lnB>
+                    <a:lnTlToBr w="12700" cmpd="sng">
+                      <a:noFill/>
+                      <a:prstDash val="solid"/>
+                    </a:lnTlToBr>
+                    <a:lnBlToTr w="12700" cmpd="sng">
+                      <a:noFill/>
+                      <a:prstDash val="solid"/>
+                    </a:lnBlToTr>
+                    <a:solidFill>
+                      <a:schemeClr val="accent5">
+                        <a:lumMod val="60000"/>
+                        <a:lumOff val="40000"/>
+                      </a:schemeClr>
+                    </a:solidFill>
+                  </a:tcPr>
+                </a:tc>
+                <a:tc>
+                  <a:txBody>
+                    <a:bodyPr/>
+                    <a:lstStyle/>
+                    <a:p>
+                      <a:r>
+                        <a:rPr lang="en-US" altLang="zh-CN" sz="900" b="0" i="0" dirty="0">
+                          <a:latin typeface="Arial" panose="020B0604020202020204" pitchFamily="34" charset="0"/>
+                          <a:ea typeface="SimSun" panose="02010600030101010101" pitchFamily="2" charset="-122"/>
+                          <a:cs typeface="Arial" panose="020B0604020202020204" pitchFamily="34" charset="0"/>
+                        </a:rPr>
+                        <a:t>Vacuum adsorption</a:t>
+                      </a:r>
+                      <a:endParaRPr lang="zh-CN" altLang="en-US" sz="900" b="0" i="0" dirty="0">
+                        <a:latin typeface="Arial" panose="020B0604020202020204" pitchFamily="34" charset="0"/>
+                        <a:ea typeface="SimSun" panose="02010600030101010101" pitchFamily="2" charset="-122"/>
+                        <a:cs typeface="Arial" panose="020B0604020202020204" pitchFamily="34" charset="0"/>
+                      </a:endParaRPr>
+                    </a:p>
+                  </a:txBody>
+                  <a:tcPr>
+                    <a:lnL w="6350" cap="flat" cmpd="sng" algn="ctr">
+                      <a:solidFill>
+                        <a:schemeClr val="tx1"/>
+                      </a:solidFill>
+                      <a:prstDash val="solid"/>
+                      <a:round/>
+                      <a:headEnd type="none" w="med" len="med"/>
+                      <a:tailEnd type="none" w="med" len="med"/>
+                    </a:lnL>
+                    <a:lnR w="6350" cap="flat" cmpd="sng" algn="ctr">
+                      <a:solidFill>
+                        <a:schemeClr val="tx1"/>
+                      </a:solidFill>
+                      <a:prstDash val="solid"/>
+                      <a:round/>
+                      <a:headEnd type="none" w="med" len="med"/>
+                      <a:tailEnd type="none" w="med" len="med"/>
+                    </a:lnR>
+                    <a:lnT w="6350" cap="flat" cmpd="sng" algn="ctr">
+                      <a:solidFill>
+                        <a:schemeClr val="tx1"/>
+                      </a:solidFill>
+                      <a:prstDash val="solid"/>
+                      <a:round/>
+                      <a:headEnd type="none" w="med" len="med"/>
+                      <a:tailEnd type="none" w="med" len="med"/>
+                    </a:lnT>
+                    <a:lnB w="6350" cap="flat" cmpd="sng" algn="ctr">
+                      <a:solidFill>
+                        <a:schemeClr val="tx1"/>
+                      </a:solidFill>
+                      <a:prstDash val="solid"/>
+                      <a:round/>
+                      <a:headEnd type="none" w="med" len="med"/>
+                      <a:tailEnd type="none" w="med" len="med"/>
+                    </a:lnB>
+                    <a:lnTlToBr w="12700" cmpd="sng">
+                      <a:noFill/>
+                      <a:prstDash val="solid"/>
+                    </a:lnTlToBr>
+                    <a:lnBlToTr w="12700" cmpd="sng">
+                      <a:noFill/>
+                      <a:prstDash val="solid"/>
+                    </a:lnBlToTr>
+                  </a:tcPr>
+                </a:tc>
+                <a:extLst>
+                  <a:ext uri="{0D108BD9-81ED-4DB2-BD59-A6C34878D82A}">
+                    <a16:rowId xmlns:a16="http://schemas.microsoft.com/office/drawing/2014/main" val="10002"/>
+                  </a:ext>
+                </a:extLst>
+              </a:tr>
+              <a:tr h="382553">
+                <a:tc>
+                  <a:txBody>
+                    <a:bodyPr/>
+                    <a:lstStyle/>
+                    <a:p>
+                      <a:r>
+                        <a:rPr lang="en-US" altLang="zh-CN" sz="900" b="0" i="0" dirty="0">
+                          <a:latin typeface="Arial" panose="020B0604020202020204" pitchFamily="34" charset="0"/>
+                          <a:ea typeface="SimSun" panose="02010600030101010101" pitchFamily="2" charset="-122"/>
+                          <a:cs typeface="Arial" panose="020B0604020202020204" pitchFamily="34" charset="0"/>
+                        </a:rPr>
+                        <a:t>Reference Datums</a:t>
+                      </a:r>
+                      <a:endParaRPr lang="zh-CN" altLang="en-US" sz="900" b="0" i="0" dirty="0">
+                        <a:latin typeface="Arial" panose="020B0604020202020204" pitchFamily="34" charset="0"/>
+                        <a:ea typeface="SimSun" panose="02010600030101010101" pitchFamily="2" charset="-122"/>
+                        <a:cs typeface="Arial" panose="020B0604020202020204" pitchFamily="34" charset="0"/>
+                      </a:endParaRPr>
+                    </a:p>
+                  </a:txBody>
+                  <a:tcPr>
+                    <a:lnL w="6350" cap="flat" cmpd="sng" algn="ctr">
+                      <a:solidFill>
+                        <a:schemeClr val="tx1"/>
+                      </a:solidFill>
+                      <a:prstDash val="solid"/>
+                      <a:round/>
+                      <a:headEnd type="none" w="med" len="med"/>
+                      <a:tailEnd type="none" w="med" len="med"/>
+                    </a:lnL>
+                    <a:lnR w="6350" cap="flat" cmpd="sng" algn="ctr">
+                      <a:solidFill>
+                        <a:schemeClr val="tx1"/>
+                      </a:solidFill>
+                      <a:prstDash val="solid"/>
+                      <a:round/>
+                      <a:headEnd type="none" w="med" len="med"/>
+                      <a:tailEnd type="none" w="med" len="med"/>
+                    </a:lnR>
+                    <a:lnT w="6350" cap="flat" cmpd="sng" algn="ctr">
+                      <a:solidFill>
+                        <a:schemeClr val="tx1"/>
+                      </a:solidFill>
+                      <a:prstDash val="solid"/>
+                      <a:round/>
+                      <a:headEnd type="none" w="med" len="med"/>
+                      <a:tailEnd type="none" w="med" len="med"/>
+                    </a:lnT>
+                    <a:lnB w="6350" cap="flat" cmpd="sng" algn="ctr">
+                      <a:solidFill>
+                        <a:schemeClr val="tx1"/>
+                      </a:solidFill>
+                      <a:prstDash val="solid"/>
+                      <a:round/>
+                      <a:headEnd type="none" w="med" len="med"/>
+                      <a:tailEnd type="none" w="med" len="med"/>
+                    </a:lnB>
+                    <a:lnTlToBr w="12700" cmpd="sng">
+                      <a:noFill/>
+                      <a:prstDash val="solid"/>
+                    </a:lnTlToBr>
+                    <a:lnBlToTr w="12700" cmpd="sng">
+                      <a:noFill/>
+                      <a:prstDash val="solid"/>
+                    </a:lnBlToTr>
+                    <a:solidFill>
+                      <a:schemeClr val="accent5">
+                        <a:lumMod val="60000"/>
+                        <a:lumOff val="40000"/>
+                      </a:schemeClr>
+                    </a:solidFill>
+                  </a:tcPr>
+                </a:tc>
+                <a:tc>
+                  <a:txBody>
+                    <a:bodyPr/>
+                    <a:lstStyle/>
+                    <a:p>
+                      <a:r>
+                        <a:rPr lang="en-US" altLang="zh-CN" sz="900" b="0" i="0" dirty="0">
+                          <a:latin typeface="Arial" panose="020B0604020202020204" pitchFamily="34" charset="0"/>
+                          <a:ea typeface="SimSun" panose="02010600030101010101" pitchFamily="2" charset="-122"/>
+                          <a:cs typeface="Arial" panose="020B0604020202020204" pitchFamily="34" charset="0"/>
+                        </a:rPr>
+                        <a:t>A+B+C</a:t>
+                      </a:r>
+                      <a:endParaRPr lang="zh-CN" altLang="en-US" sz="900" b="0" i="0" dirty="0">
+                        <a:latin typeface="Arial" panose="020B0604020202020204" pitchFamily="34" charset="0"/>
+                        <a:ea typeface="SimSun" panose="02010600030101010101" pitchFamily="2" charset="-122"/>
+                        <a:cs typeface="Arial" panose="020B0604020202020204" pitchFamily="34" charset="0"/>
+                      </a:endParaRPr>
+                    </a:p>
+                  </a:txBody>
+                  <a:tcPr>
+                    <a:lnL w="6350" cap="flat" cmpd="sng" algn="ctr">
+                      <a:solidFill>
+                        <a:schemeClr val="tx1"/>
+                      </a:solidFill>
+                      <a:prstDash val="solid"/>
+                      <a:round/>
+                      <a:headEnd type="none" w="med" len="med"/>
+                      <a:tailEnd type="none" w="med" len="med"/>
+                    </a:lnL>
+                    <a:lnR w="6350" cap="flat" cmpd="sng" algn="ctr">
+                      <a:solidFill>
+                        <a:schemeClr val="tx1"/>
+                      </a:solidFill>
+                      <a:prstDash val="solid"/>
+                      <a:round/>
+                      <a:headEnd type="none" w="med" len="med"/>
+                      <a:tailEnd type="none" w="med" len="med"/>
+                    </a:lnR>
+                    <a:lnT w="6350" cap="flat" cmpd="sng" algn="ctr">
+                      <a:solidFill>
+                        <a:schemeClr val="tx1"/>
+                      </a:solidFill>
+                      <a:prstDash val="solid"/>
+                      <a:round/>
+                      <a:headEnd type="none" w="med" len="med"/>
+                      <a:tailEnd type="none" w="med" len="med"/>
+                    </a:lnT>
+                    <a:lnB w="6350" cap="flat" cmpd="sng" algn="ctr">
+                      <a:solidFill>
+                        <a:schemeClr val="tx1"/>
+                      </a:solidFill>
+                      <a:prstDash val="solid"/>
+                      <a:round/>
+                      <a:headEnd type="none" w="med" len="med"/>
+                      <a:tailEnd type="none" w="med" len="med"/>
+                    </a:lnB>
+                    <a:lnTlToBr w="12700" cmpd="sng">
+                      <a:noFill/>
+                      <a:prstDash val="solid"/>
+                    </a:lnTlToBr>
+                    <a:lnBlToTr w="12700" cmpd="sng">
+                      <a:noFill/>
+                      <a:prstDash val="solid"/>
+                    </a:lnBlToTr>
+                  </a:tcPr>
+                </a:tc>
+                <a:extLst>
+                  <a:ext uri="{0D108BD9-81ED-4DB2-BD59-A6C34878D82A}">
+                    <a16:rowId xmlns:a16="http://schemas.microsoft.com/office/drawing/2014/main" val="10003"/>
+                  </a:ext>
+                </a:extLst>
+              </a:tr>
+              <a:tr h="382553">
+                <a:tc>
+                  <a:txBody>
+                    <a:bodyPr/>
+                    <a:lstStyle/>
+                    <a:p>
+                      <a:r>
+                        <a:rPr lang="en-US" altLang="zh-CN" sz="900" b="0" i="0" dirty="0">
+                          <a:latin typeface="Arial" panose="020B0604020202020204" pitchFamily="34" charset="0"/>
+                          <a:ea typeface="SimSun" panose="02010600030101010101" pitchFamily="2" charset="-122"/>
+                          <a:cs typeface="Arial" panose="020B0604020202020204" pitchFamily="34" charset="0"/>
+                        </a:rPr>
+                        <a:t>Reporting Output</a:t>
+                      </a:r>
+                      <a:endParaRPr lang="zh-CN" altLang="en-US" sz="900" b="0" i="0" dirty="0">
+                        <a:latin typeface="Arial" panose="020B0604020202020204" pitchFamily="34" charset="0"/>
+                        <a:ea typeface="SimSun" panose="02010600030101010101" pitchFamily="2" charset="-122"/>
+                        <a:cs typeface="Arial" panose="020B0604020202020204" pitchFamily="34" charset="0"/>
+                      </a:endParaRPr>
+                    </a:p>
+                  </a:txBody>
+                  <a:tcPr>
+                    <a:lnL w="6350" cap="flat" cmpd="sng" algn="ctr">
+                      <a:solidFill>
+                        <a:schemeClr val="tx1"/>
+                      </a:solidFill>
+                      <a:prstDash val="solid"/>
+                      <a:round/>
+                      <a:headEnd type="none" w="med" len="med"/>
+                      <a:tailEnd type="none" w="med" len="med"/>
+                    </a:lnL>
+                    <a:lnR w="6350" cap="flat" cmpd="sng" algn="ctr">
+                      <a:solidFill>
+                        <a:schemeClr val="tx1"/>
+                      </a:solidFill>
+                      <a:prstDash val="solid"/>
+                      <a:round/>
+                      <a:headEnd type="none" w="med" len="med"/>
+                      <a:tailEnd type="none" w="med" len="med"/>
+                    </a:lnR>
+                    <a:lnT w="6350" cap="flat" cmpd="sng" algn="ctr">
+                      <a:solidFill>
+                        <a:schemeClr val="tx1"/>
+                      </a:solidFill>
+                      <a:prstDash val="solid"/>
+                      <a:round/>
+                      <a:headEnd type="none" w="med" len="med"/>
+                      <a:tailEnd type="none" w="med" len="med"/>
+                    </a:lnT>
+                    <a:lnB w="6350" cap="flat" cmpd="sng" algn="ctr">
+                      <a:solidFill>
+                        <a:schemeClr val="tx1"/>
+                      </a:solidFill>
+                      <a:prstDash val="solid"/>
+                      <a:round/>
+                      <a:headEnd type="none" w="med" len="med"/>
+                      <a:tailEnd type="none" w="med" len="med"/>
+                    </a:lnB>
+                    <a:lnTlToBr w="12700" cmpd="sng">
+                      <a:noFill/>
+                      <a:prstDash val="solid"/>
+                    </a:lnTlToBr>
+                    <a:lnBlToTr w="12700" cmpd="sng">
+                      <a:noFill/>
+                      <a:prstDash val="solid"/>
+                    </a:lnBlToTr>
+                    <a:solidFill>
+                      <a:schemeClr val="accent5">
+                        <a:lumMod val="60000"/>
+                        <a:lumOff val="40000"/>
+                      </a:schemeClr>
+                    </a:solidFill>
+                  </a:tcPr>
+                </a:tc>
+                <a:tc>
+                  <a:txBody>
+                    <a:bodyPr/>
+                    <a:lstStyle/>
+                    <a:p>
+                      <a:r>
+                        <a:rPr lang="en-US" altLang="zh-CN" sz="900" b="0" i="0" dirty="0">
+                          <a:latin typeface="Arial" panose="020B0604020202020204" pitchFamily="34" charset="0"/>
+                          <a:ea typeface="SimSun" panose="02010600030101010101" pitchFamily="2" charset="-122"/>
+                          <a:cs typeface="Arial" panose="020B0604020202020204" pitchFamily="34" charset="0"/>
+                        </a:rPr>
+                        <a:t>3x SPC</a:t>
+                      </a:r>
                     </a:p>
                     <a:p>
                       <a:r>
-                        <a:rPr lang="en-US" altLang="zh-CN" dirty="0"/>
-                        <a:t>xxxxxxxxxxxxxxxxxxxxxxxxxxxxxxxxxxxxxxxxxxxxxxxxxxxxxxxxxxxxxxxxxxxxxxxxxxxxxxxxx</a:t>
+                        <a:rPr lang="en-US" altLang="zh-CN" sz="900" b="0" i="0" dirty="0">
+                          <a:latin typeface="Arial" panose="020B0604020202020204" pitchFamily="34" charset="0"/>
+                          <a:ea typeface="SimSun" panose="02010600030101010101" pitchFamily="2" charset="-122"/>
+                          <a:cs typeface="Arial" panose="020B0604020202020204" pitchFamily="34" charset="0"/>
+                        </a:rPr>
+                        <a:t>6x raw data</a:t>
                       </a:r>
-                      <a:endParaRPr lang="zh-CN" altLang="en-US" dirty="0"/>
+                      <a:endParaRPr lang="zh-CN" altLang="en-US" sz="900" b="0" i="0" dirty="0">
+                        <a:latin typeface="Arial" panose="020B0604020202020204" pitchFamily="34" charset="0"/>
+                        <a:ea typeface="SimSun" panose="02010600030101010101" pitchFamily="2" charset="-122"/>
+                        <a:cs typeface="Arial" panose="020B0604020202020204" pitchFamily="34" charset="0"/>
+                      </a:endParaRPr>
                     </a:p>
                   </a:txBody>
-                  <a:tcPr/>
+                  <a:tcPr>
+                    <a:lnL w="6350" cap="flat" cmpd="sng" algn="ctr">
+                      <a:solidFill>
+                        <a:schemeClr val="tx1"/>
+                      </a:solidFill>
+                      <a:prstDash val="solid"/>
+                      <a:round/>
+                      <a:headEnd type="none" w="med" len="med"/>
+                      <a:tailEnd type="none" w="med" len="med"/>
+                    </a:lnL>
+                    <a:lnR w="6350" cap="flat" cmpd="sng" algn="ctr">
+                      <a:solidFill>
+                        <a:schemeClr val="tx1"/>
+                      </a:solidFill>
+                      <a:prstDash val="solid"/>
+                      <a:round/>
+                      <a:headEnd type="none" w="med" len="med"/>
+                      <a:tailEnd type="none" w="med" len="med"/>
+                    </a:lnR>
+                    <a:lnT w="6350" cap="flat" cmpd="sng" algn="ctr">
+                      <a:solidFill>
+                        <a:schemeClr val="tx1"/>
+                      </a:solidFill>
+                      <a:prstDash val="solid"/>
+                      <a:round/>
+                      <a:headEnd type="none" w="med" len="med"/>
+                      <a:tailEnd type="none" w="med" len="med"/>
+                    </a:lnT>
+                    <a:lnB w="6350" cap="flat" cmpd="sng" algn="ctr">
+                      <a:solidFill>
+                        <a:schemeClr val="tx1"/>
+                      </a:solidFill>
+                      <a:prstDash val="solid"/>
+                      <a:round/>
+                      <a:headEnd type="none" w="med" len="med"/>
+                      <a:tailEnd type="none" w="med" len="med"/>
+                    </a:lnB>
+                    <a:lnTlToBr w="12700" cmpd="sng">
+                      <a:noFill/>
+                      <a:prstDash val="solid"/>
+                    </a:lnTlToBr>
+                    <a:lnBlToTr w="12700" cmpd="sng">
+                      <a:noFill/>
+                      <a:prstDash val="solid"/>
+                    </a:lnBlToTr>
+                  </a:tcPr>
                 </a:tc>
-                <a:tc hMerge="1">
-                  <a:tcPr/>
+                <a:extLst>
+                  <a:ext uri="{0D108BD9-81ED-4DB2-BD59-A6C34878D82A}">
+                    <a16:rowId xmlns:a16="http://schemas.microsoft.com/office/drawing/2014/main" val="3851863669"/>
+                  </a:ext>
+                </a:extLst>
+              </a:tr>
+              <a:tr h="1145702">
+                <a:tc>
+                  <a:txBody>
+                    <a:bodyPr/>
+                    <a:lstStyle/>
+                    <a:p>
+                      <a:r>
+                        <a:rPr lang="en-US" altLang="zh-CN" sz="900" b="0" i="0" dirty="0">
+                          <a:latin typeface="Arial" panose="020B0604020202020204" pitchFamily="34" charset="0"/>
+                          <a:ea typeface="SimSun" panose="02010600030101010101" pitchFamily="2" charset="-122"/>
+                          <a:cs typeface="Arial" panose="020B0604020202020204" pitchFamily="34" charset="0"/>
+                        </a:rPr>
+                        <a:t>Measurement Procedure</a:t>
+                      </a:r>
+                      <a:endParaRPr lang="zh-CN" altLang="en-US" sz="900" b="0" i="0" dirty="0">
+                        <a:latin typeface="Arial" panose="020B0604020202020204" pitchFamily="34" charset="0"/>
+                        <a:ea typeface="SimSun" panose="02010600030101010101" pitchFamily="2" charset="-122"/>
+                        <a:cs typeface="Arial" panose="020B0604020202020204" pitchFamily="34" charset="0"/>
+                      </a:endParaRPr>
+                    </a:p>
+                  </a:txBody>
+                  <a:tcPr>
+                    <a:lnL w="6350" cap="flat" cmpd="sng" algn="ctr">
+                      <a:solidFill>
+                        <a:schemeClr val="tx1"/>
+                      </a:solidFill>
+                      <a:prstDash val="solid"/>
+                      <a:round/>
+                      <a:headEnd type="none" w="med" len="med"/>
+                      <a:tailEnd type="none" w="med" len="med"/>
+                    </a:lnL>
+                    <a:lnR w="6350" cap="flat" cmpd="sng" algn="ctr">
+                      <a:solidFill>
+                        <a:schemeClr val="tx1"/>
+                      </a:solidFill>
+                      <a:prstDash val="solid"/>
+                      <a:round/>
+                      <a:headEnd type="none" w="med" len="med"/>
+                      <a:tailEnd type="none" w="med" len="med"/>
+                    </a:lnR>
+                    <a:lnT w="6350" cap="flat" cmpd="sng" algn="ctr">
+                      <a:solidFill>
+                        <a:schemeClr val="tx1"/>
+                      </a:solidFill>
+                      <a:prstDash val="solid"/>
+                      <a:round/>
+                      <a:headEnd type="none" w="med" len="med"/>
+                      <a:tailEnd type="none" w="med" len="med"/>
+                    </a:lnT>
+                    <a:lnB w="6350" cap="flat" cmpd="sng" algn="ctr">
+                      <a:solidFill>
+                        <a:schemeClr val="tx1"/>
+                      </a:solidFill>
+                      <a:prstDash val="solid"/>
+                      <a:round/>
+                      <a:headEnd type="none" w="med" len="med"/>
+                      <a:tailEnd type="none" w="med" len="med"/>
+                    </a:lnB>
+                    <a:lnTlToBr w="12700" cmpd="sng">
+                      <a:noFill/>
+                      <a:prstDash val="solid"/>
+                    </a:lnTlToBr>
+                    <a:lnBlToTr w="12700" cmpd="sng">
+                      <a:noFill/>
+                      <a:prstDash val="solid"/>
+                    </a:lnBlToTr>
+                    <a:solidFill>
+                      <a:schemeClr val="accent5">
+                        <a:lumMod val="60000"/>
+                        <a:lumOff val="40000"/>
+                      </a:schemeClr>
+                    </a:solidFill>
+                  </a:tcPr>
                 </a:tc>
+                <a:tc>
+                  <a:txBody>
+                    <a:bodyPr/>
+                    <a:lstStyle/>
+                    <a:p>
+                      <a:r>
+                        <a:rPr lang="en-US" altLang="zh-CN" sz="900" b="0" i="0" dirty="0">
+                          <a:latin typeface="Arial" panose="020B0604020202020204" pitchFamily="34" charset="0"/>
+                          <a:ea typeface="SimSun" panose="02010600030101010101" pitchFamily="2" charset="-122"/>
+                          <a:cs typeface="Arial" panose="020B0604020202020204" pitchFamily="34" charset="0"/>
+                        </a:rPr>
+                        <a:t>1. Capture 2 points (S1&amp;S2) as picture right</a:t>
+                      </a:r>
+                    </a:p>
+                  </a:txBody>
+                  <a:tcPr>
+                    <a:lnL w="6350" cap="flat" cmpd="sng" algn="ctr">
+                      <a:solidFill>
+                        <a:schemeClr val="tx1"/>
+                      </a:solidFill>
+                      <a:prstDash val="solid"/>
+                      <a:round/>
+                      <a:headEnd type="none" w="med" len="med"/>
+                      <a:tailEnd type="none" w="med" len="med"/>
+                    </a:lnL>
+                    <a:lnR w="6350" cap="flat" cmpd="sng" algn="ctr">
+                      <a:solidFill>
+                        <a:schemeClr val="tx1"/>
+                      </a:solidFill>
+                      <a:prstDash val="solid"/>
+                      <a:round/>
+                      <a:headEnd type="none" w="med" len="med"/>
+                      <a:tailEnd type="none" w="med" len="med"/>
+                    </a:lnR>
+                    <a:lnT w="6350" cap="flat" cmpd="sng" algn="ctr">
+                      <a:solidFill>
+                        <a:schemeClr val="tx1"/>
+                      </a:solidFill>
+                      <a:prstDash val="solid"/>
+                      <a:round/>
+                      <a:headEnd type="none" w="med" len="med"/>
+                      <a:tailEnd type="none" w="med" len="med"/>
+                    </a:lnT>
+                    <a:lnB w="6350" cap="flat" cmpd="sng" algn="ctr">
+                      <a:solidFill>
+                        <a:schemeClr val="tx1"/>
+                      </a:solidFill>
+                      <a:prstDash val="solid"/>
+                      <a:round/>
+                      <a:headEnd type="none" w="med" len="med"/>
+                      <a:tailEnd type="none" w="med" len="med"/>
+                    </a:lnB>
+                    <a:lnTlToBr w="12700" cmpd="sng">
+                      <a:noFill/>
+                      <a:prstDash val="solid"/>
+                    </a:lnTlToBr>
+                    <a:lnBlToTr w="12700" cmpd="sng">
+                      <a:noFill/>
+                      <a:prstDash val="solid"/>
+                    </a:lnBlToTr>
+                  </a:tcPr>
+                </a:tc>
+                <a:extLst>
+                  <a:ext uri="{0D108BD9-81ED-4DB2-BD59-A6C34878D82A}">
+                    <a16:rowId xmlns:a16="http://schemas.microsoft.com/office/drawing/2014/main" val="3437234875"/>
+                  </a:ext>
+                </a:extLst>
+              </a:tr>
+              <a:tr h="1167805">
+                <a:tc>
+                  <a:txBody>
+                    <a:bodyPr/>
+                    <a:lstStyle/>
+                    <a:p>
+                      <a:r>
+                        <a:rPr lang="en-US" altLang="zh-CN" sz="900" b="0" i="0" dirty="0">
+                          <a:latin typeface="Arial" panose="020B0604020202020204" pitchFamily="34" charset="0"/>
+                          <a:ea typeface="SimSun" panose="02010600030101010101" pitchFamily="2" charset="-122"/>
+                          <a:cs typeface="Arial" panose="020B0604020202020204" pitchFamily="34" charset="0"/>
+                        </a:rPr>
+                        <a:t>Calculation Method</a:t>
+                      </a:r>
+                      <a:endParaRPr lang="zh-CN" altLang="en-US" sz="900" b="0" i="0" dirty="0">
+                        <a:latin typeface="Arial" panose="020B0604020202020204" pitchFamily="34" charset="0"/>
+                        <a:ea typeface="SimSun" panose="02010600030101010101" pitchFamily="2" charset="-122"/>
+                        <a:cs typeface="Arial" panose="020B0604020202020204" pitchFamily="34" charset="0"/>
+                      </a:endParaRPr>
+                    </a:p>
+                  </a:txBody>
+                  <a:tcPr>
+                    <a:lnL w="6350" cap="flat" cmpd="sng" algn="ctr">
+                      <a:solidFill>
+                        <a:schemeClr val="tx1"/>
+                      </a:solidFill>
+                      <a:prstDash val="solid"/>
+                      <a:round/>
+                      <a:headEnd type="none" w="med" len="med"/>
+                      <a:tailEnd type="none" w="med" len="med"/>
+                    </a:lnL>
+                    <a:lnR w="6350" cap="flat" cmpd="sng" algn="ctr">
+                      <a:solidFill>
+                        <a:schemeClr val="tx1"/>
+                      </a:solidFill>
+                      <a:prstDash val="solid"/>
+                      <a:round/>
+                      <a:headEnd type="none" w="med" len="med"/>
+                      <a:tailEnd type="none" w="med" len="med"/>
+                    </a:lnR>
+                    <a:lnT w="6350" cap="flat" cmpd="sng" algn="ctr">
+                      <a:solidFill>
+                        <a:schemeClr val="tx1"/>
+                      </a:solidFill>
+                      <a:prstDash val="solid"/>
+                      <a:round/>
+                      <a:headEnd type="none" w="med" len="med"/>
+                      <a:tailEnd type="none" w="med" len="med"/>
+                    </a:lnT>
+                    <a:lnB w="6350" cap="flat" cmpd="sng" algn="ctr">
+                      <a:solidFill>
+                        <a:schemeClr val="tx1"/>
+                      </a:solidFill>
+                      <a:prstDash val="solid"/>
+                      <a:round/>
+                      <a:headEnd type="none" w="med" len="med"/>
+                      <a:tailEnd type="none" w="med" len="med"/>
+                    </a:lnB>
+                    <a:lnTlToBr w="12700" cmpd="sng">
+                      <a:noFill/>
+                      <a:prstDash val="solid"/>
+                    </a:lnTlToBr>
+                    <a:lnBlToTr w="12700" cmpd="sng">
+                      <a:noFill/>
+                      <a:prstDash val="solid"/>
+                    </a:lnBlToTr>
+                    <a:solidFill>
+                      <a:schemeClr val="accent5">
+                        <a:lumMod val="60000"/>
+                        <a:lumOff val="40000"/>
+                      </a:schemeClr>
+                    </a:solidFill>
+                  </a:tcPr>
+                </a:tc>
+                <a:tc>
+                  <a:txBody>
+                    <a:bodyPr/>
+                    <a:lstStyle/>
+                    <a:p>
+                      <a:r>
+                        <a:rPr lang="en-US" altLang="zh-CN" sz="900" b="0" i="0" dirty="0">
+                          <a:latin typeface="Arial" panose="020B0604020202020204" pitchFamily="34" charset="0"/>
+                          <a:ea typeface="SimSun" panose="02010600030101010101" pitchFamily="2" charset="-122"/>
+                          <a:cs typeface="Arial" panose="020B0604020202020204" pitchFamily="34" charset="0"/>
+                        </a:rPr>
+                        <a:t>1. </a:t>
+                      </a:r>
+                      <a:r>
+                        <a:rPr lang="en-US" altLang="zh-CN" sz="900" b="0" i="0">
+                          <a:latin typeface="Arial" panose="020B0604020202020204" pitchFamily="34" charset="0"/>
+                          <a:ea typeface="SimSun" panose="02010600030101010101" pitchFamily="2" charset="-122"/>
+                          <a:cs typeface="Arial" panose="020B0604020202020204" pitchFamily="34" charset="0"/>
+                        </a:rPr>
+                        <a:t>SPC EW_</a:t>
+                      </a:r>
+                      <a:r>
+                        <a:rPr lang="en-US" altLang="zh-CN" sz="900" b="0" i="0" dirty="0">
+                          <a:latin typeface="Arial" panose="020B0604020202020204" pitchFamily="34" charset="0"/>
+                          <a:ea typeface="SimSun" panose="02010600030101010101" pitchFamily="2" charset="-122"/>
+                          <a:cs typeface="Arial" panose="020B0604020202020204" pitchFamily="34" charset="0"/>
+                        </a:rPr>
+                        <a:t>IXY_1 : Calculate the distance from S1 to S2 in orientation X.</a:t>
+                      </a:r>
+                    </a:p>
+                    <a:p>
+                      <a:r>
+                        <a:rPr lang="en-US" altLang="zh-CN" sz="900" b="0" i="0" dirty="0">
+                          <a:latin typeface="Arial" panose="020B0604020202020204" pitchFamily="34" charset="0"/>
+                          <a:ea typeface="SimSun" panose="02010600030101010101" pitchFamily="2" charset="-122"/>
+                          <a:cs typeface="Arial" panose="020B0604020202020204" pitchFamily="34" charset="0"/>
+                        </a:rPr>
+                        <a:t>2. The same method for other locations(IXY_2,IXY_3).</a:t>
+                      </a:r>
+                    </a:p>
+                  </a:txBody>
+                  <a:tcPr>
+                    <a:lnL w="6350" cap="flat" cmpd="sng" algn="ctr">
+                      <a:solidFill>
+                        <a:schemeClr val="tx1"/>
+                      </a:solidFill>
+                      <a:prstDash val="solid"/>
+                      <a:round/>
+                      <a:headEnd type="none" w="med" len="med"/>
+                      <a:tailEnd type="none" w="med" len="med"/>
+                    </a:lnL>
+                    <a:lnR w="6350" cap="flat" cmpd="sng" algn="ctr">
+                      <a:solidFill>
+                        <a:schemeClr val="tx1"/>
+                      </a:solidFill>
+                      <a:prstDash val="solid"/>
+                      <a:round/>
+                      <a:headEnd type="none" w="med" len="med"/>
+                      <a:tailEnd type="none" w="med" len="med"/>
+                    </a:lnR>
+                    <a:lnT w="6350" cap="flat" cmpd="sng" algn="ctr">
+                      <a:solidFill>
+                        <a:schemeClr val="tx1"/>
+                      </a:solidFill>
+                      <a:prstDash val="solid"/>
+                      <a:round/>
+                      <a:headEnd type="none" w="med" len="med"/>
+                      <a:tailEnd type="none" w="med" len="med"/>
+                    </a:lnT>
+                    <a:lnB w="6350" cap="flat" cmpd="sng" algn="ctr">
+                      <a:solidFill>
+                        <a:schemeClr val="tx1"/>
+                      </a:solidFill>
+                      <a:prstDash val="solid"/>
+                      <a:round/>
+                      <a:headEnd type="none" w="med" len="med"/>
+                      <a:tailEnd type="none" w="med" len="med"/>
+                    </a:lnB>
+                    <a:lnTlToBr w="12700" cmpd="sng">
+                      <a:noFill/>
+                      <a:prstDash val="solid"/>
+                    </a:lnTlToBr>
+                    <a:lnBlToTr w="12700" cmpd="sng">
+                      <a:noFill/>
+                      <a:prstDash val="solid"/>
+                    </a:lnBlToTr>
+                  </a:tcPr>
+                </a:tc>
+                <a:extLst>
+                  <a:ext uri="{0D108BD9-81ED-4DB2-BD59-A6C34878D82A}">
+                    <a16:rowId xmlns:a16="http://schemas.microsoft.com/office/drawing/2014/main" val="1068554515"/>
+                  </a:ext>
+                </a:extLst>
               </a:tr>
             </a:tbl>
           </a:graphicData>
         </a:graphic>
       </p:graphicFrame>
+      <p:sp>
+        <p:nvSpPr>
+          <p:cNvPr id="7" name="文本框 6">
+            <a:extLst>
+              <a:ext uri="{FF2B5EF4-FFF2-40B4-BE49-F238E27FC236}">
+                <a16:creationId xmlns:a16="http://schemas.microsoft.com/office/drawing/2014/main" id="{80EEE9EC-09F7-FD81-4006-D08E85AF3293}"/>
+              </a:ext>
+            </a:extLst>
+          </p:cNvPr>
+          <p:cNvSpPr txBox="1"/>
+          <p:nvPr/>
+        </p:nvSpPr>
+        <p:spPr>
+          <a:xfrm>
+            <a:off x="93918" y="105559"/>
+            <a:ext cx="6096000" cy="369332"/>
+          </a:xfrm>
+          <a:prstGeom prst="rect">
+            <a:avLst/>
+          </a:prstGeom>
+          <a:noFill/>
+        </p:spPr>
+        <p:txBody>
+          <a:bodyPr wrap="square">
+            <a:spAutoFit/>
+          </a:bodyPr>
+          <a:lstStyle/>
+          <a:p>
+            <a:r>
+              <a:rPr lang="zh-CN" altLang="en-US" dirty="0">
+                <a:solidFill>
+                  <a:srgbClr val="0070C0"/>
+                </a:solidFill>
+                <a:latin typeface="Arial" panose="020B0604020202020204" pitchFamily="34" charset="0"/>
+                <a:cs typeface="Arial" panose="020B0604020202020204" pitchFamily="34" charset="0"/>
+              </a:rPr>
+              <a:t>J5</a:t>
+            </a:r>
+            <a:r>
+              <a:rPr lang="en-US" altLang="zh-CN" dirty="0">
+                <a:solidFill>
+                  <a:srgbClr val="0070C0"/>
+                </a:solidFill>
+                <a:latin typeface="Arial" panose="020B0604020202020204" pitchFamily="34" charset="0"/>
+                <a:cs typeface="Arial" panose="020B0604020202020204" pitchFamily="34" charset="0"/>
+              </a:rPr>
+              <a:t>0</a:t>
+            </a:r>
+            <a:r>
+              <a:rPr lang="zh-CN" altLang="en-US" dirty="0">
+                <a:solidFill>
+                  <a:srgbClr val="0070C0"/>
+                </a:solidFill>
+                <a:latin typeface="Arial" panose="020B0604020202020204" pitchFamily="34" charset="0"/>
+                <a:cs typeface="Arial" panose="020B0604020202020204" pitchFamily="34" charset="0"/>
+              </a:rPr>
+              <a:t>7</a:t>
+            </a:r>
+            <a:r>
+              <a:rPr lang="zh-CN" altLang="en-US" dirty="0">
+                <a:latin typeface="Arial" panose="020B0604020202020204" pitchFamily="34" charset="0"/>
+                <a:cs typeface="Arial" panose="020B0604020202020204" pitchFamily="34" charset="0"/>
+              </a:rPr>
+              <a:t> </a:t>
+            </a:r>
+            <a:r>
+              <a:rPr lang="en-US" altLang="zh-CN" dirty="0">
+                <a:latin typeface="Arial" panose="020B0604020202020204" pitchFamily="34" charset="0"/>
+                <a:cs typeface="Arial" panose="020B0604020202020204" pitchFamily="34" charset="0"/>
+              </a:rPr>
+              <a:t>MTD </a:t>
+            </a:r>
+            <a:r>
+              <a:rPr lang="zh-CN" altLang="en-US" dirty="0">
+                <a:latin typeface="Arial" panose="020B0604020202020204" pitchFamily="34" charset="0"/>
+                <a:cs typeface="Arial" panose="020B0604020202020204" pitchFamily="34" charset="0"/>
+              </a:rPr>
+              <a:t>|</a:t>
+            </a:r>
+            <a:r>
+              <a:rPr lang="en-US" altLang="zh-CN" dirty="0">
+                <a:latin typeface="Arial" panose="020B0604020202020204" pitchFamily="34" charset="0"/>
+                <a:cs typeface="Arial" panose="020B0604020202020204" pitchFamily="34" charset="0"/>
+              </a:rPr>
+              <a:t> Details For SPCs</a:t>
+            </a:r>
+            <a:endParaRPr lang="zh-CN" altLang="en-US" dirty="0">
+              <a:latin typeface="Arial" panose="020B0604020202020204" pitchFamily="34" charset="0"/>
+              <a:cs typeface="Arial" panose="020B0604020202020204" pitchFamily="34" charset="0"/>
+            </a:endParaRPr>
+          </a:p>
+        </p:txBody>
+      </p:sp>
+      <p:sp>
+        <p:nvSpPr>
+          <p:cNvPr id="8" name="文本框 7">
+            <a:extLst>
+              <a:ext uri="{FF2B5EF4-FFF2-40B4-BE49-F238E27FC236}">
+                <a16:creationId xmlns:a16="http://schemas.microsoft.com/office/drawing/2014/main" id="{4154D594-68CF-A621-58B1-68FD64FF7C0D}"/>
+              </a:ext>
+            </a:extLst>
+          </p:cNvPr>
+          <p:cNvSpPr txBox="1"/>
+          <p:nvPr/>
+        </p:nvSpPr>
+        <p:spPr>
+          <a:xfrm>
+            <a:off x="8902688" y="740689"/>
+            <a:ext cx="1238081" cy="246221"/>
+          </a:xfrm>
+          <a:prstGeom prst="rect">
+            <a:avLst/>
+          </a:prstGeom>
+          <a:noFill/>
+        </p:spPr>
+        <p:txBody>
+          <a:bodyPr wrap="square" rtlCol="0">
+            <a:spAutoFit/>
+          </a:bodyPr>
+          <a:lstStyle/>
+          <a:p>
+            <a:r>
+              <a:rPr kumimoji="1" lang="en-US" altLang="zh-CN" sz="1000" dirty="0">
+                <a:latin typeface="Arial" panose="020B0604020202020204" pitchFamily="34" charset="0"/>
+                <a:cs typeface="Arial" panose="020B0604020202020204" pitchFamily="34" charset="0"/>
+              </a:rPr>
+              <a:t>Fixture</a:t>
+            </a:r>
+            <a:endParaRPr kumimoji="1" lang="zh-CN" altLang="en-US" sz="1000" dirty="0">
+              <a:latin typeface="Arial" panose="020B0604020202020204" pitchFamily="34" charset="0"/>
+              <a:cs typeface="Arial" panose="020B0604020202020204" pitchFamily="34" charset="0"/>
+            </a:endParaRPr>
+          </a:p>
+        </p:txBody>
+      </p:sp>
+      <p:sp>
+        <p:nvSpPr>
+          <p:cNvPr id="9" name="文本框 8">
+            <a:extLst>
+              <a:ext uri="{FF2B5EF4-FFF2-40B4-BE49-F238E27FC236}">
+                <a16:creationId xmlns:a16="http://schemas.microsoft.com/office/drawing/2014/main" id="{837B8A48-3869-3FCB-77E8-A49F4A5503D0}"/>
+              </a:ext>
+            </a:extLst>
+          </p:cNvPr>
+          <p:cNvSpPr txBox="1"/>
+          <p:nvPr/>
+        </p:nvSpPr>
+        <p:spPr>
+          <a:xfrm>
+            <a:off x="4259177" y="662814"/>
+            <a:ext cx="1238081" cy="246221"/>
+          </a:xfrm>
+          <a:prstGeom prst="rect">
+            <a:avLst/>
+          </a:prstGeom>
+          <a:noFill/>
+        </p:spPr>
+        <p:txBody>
+          <a:bodyPr wrap="square" rtlCol="0">
+            <a:spAutoFit/>
+          </a:bodyPr>
+          <a:lstStyle/>
+          <a:p>
+            <a:r>
+              <a:rPr kumimoji="1" lang="en-US" altLang="zh-CN" sz="1000" dirty="0">
+                <a:latin typeface="Arial" panose="020B0604020202020204" pitchFamily="34" charset="0"/>
+                <a:cs typeface="Arial" panose="020B0604020202020204" pitchFamily="34" charset="0"/>
+              </a:rPr>
+              <a:t>Drawing Callout</a:t>
+            </a:r>
+            <a:endParaRPr kumimoji="1" lang="zh-CN" altLang="en-US" sz="1000" dirty="0">
+              <a:latin typeface="Arial" panose="020B0604020202020204" pitchFamily="34" charset="0"/>
+              <a:cs typeface="Arial" panose="020B0604020202020204" pitchFamily="34" charset="0"/>
+            </a:endParaRPr>
+          </a:p>
+        </p:txBody>
+      </p:sp>
+      <p:sp>
+        <p:nvSpPr>
+          <p:cNvPr id="10" name="文本框 9">
+            <a:extLst>
+              <a:ext uri="{FF2B5EF4-FFF2-40B4-BE49-F238E27FC236}">
+                <a16:creationId xmlns:a16="http://schemas.microsoft.com/office/drawing/2014/main" id="{68B68544-4AF3-B9AD-8E62-B5726C4910D3}"/>
+              </a:ext>
+            </a:extLst>
+          </p:cNvPr>
+          <p:cNvSpPr txBox="1"/>
+          <p:nvPr/>
+        </p:nvSpPr>
+        <p:spPr>
+          <a:xfrm>
+            <a:off x="4324443" y="3102238"/>
+            <a:ext cx="2016171" cy="246221"/>
+          </a:xfrm>
+          <a:prstGeom prst="rect">
+            <a:avLst/>
+          </a:prstGeom>
+          <a:noFill/>
+        </p:spPr>
+        <p:txBody>
+          <a:bodyPr wrap="square" rtlCol="0">
+            <a:spAutoFit/>
+          </a:bodyPr>
+          <a:lstStyle/>
+          <a:p>
+            <a:r>
+              <a:rPr kumimoji="1" lang="en-US" altLang="zh-CN" sz="1000" dirty="0">
+                <a:latin typeface="Arial" panose="020B0604020202020204" pitchFamily="34" charset="0"/>
+                <a:cs typeface="Arial" panose="020B0604020202020204" pitchFamily="34" charset="0"/>
+              </a:rPr>
+              <a:t>Measurement Description </a:t>
+            </a:r>
+            <a:endParaRPr kumimoji="1" lang="zh-CN" altLang="en-US" sz="1000" dirty="0">
+              <a:latin typeface="Arial" panose="020B0604020202020204" pitchFamily="34" charset="0"/>
+              <a:cs typeface="Arial" panose="020B0604020202020204" pitchFamily="34" charset="0"/>
+            </a:endParaRPr>
+          </a:p>
+        </p:txBody>
+      </p:sp>
+      <p:sp>
+        <p:nvSpPr>
+          <p:cNvPr id="11" name="矩形 10">
+            <a:extLst>
+              <a:ext uri="{FF2B5EF4-FFF2-40B4-BE49-F238E27FC236}">
+                <a16:creationId xmlns:a16="http://schemas.microsoft.com/office/drawing/2014/main" id="{17CB4256-23C7-B78D-ACE4-08D77C25860F}"/>
+              </a:ext>
+            </a:extLst>
+          </p:cNvPr>
+          <p:cNvSpPr/>
+          <p:nvPr/>
+        </p:nvSpPr>
+        <p:spPr>
+          <a:xfrm>
+            <a:off x="4160550" y="598342"/>
+            <a:ext cx="7866693" cy="6057831"/>
+          </a:xfrm>
+          <a:prstGeom prst="rect">
+            <a:avLst/>
+          </a:prstGeom>
+          <a:noFill/>
+          <a:ln w="6350">
+            <a:solidFill>
+              <a:schemeClr val="tx1"/>
+            </a:solidFill>
+          </a:ln>
+        </p:spPr>
+        <p:style>
+          <a:lnRef idx="2">
+            <a:schemeClr val="accent1">
+              <a:shade val="50000"/>
+            </a:schemeClr>
+          </a:lnRef>
+          <a:fillRef idx="1">
+            <a:schemeClr val="accent1"/>
+          </a:fillRef>
+          <a:effectRef idx="0">
+            <a:schemeClr val="accent1"/>
+          </a:effectRef>
+          <a:fontRef idx="minor">
+            <a:schemeClr val="lt1"/>
+          </a:fontRef>
+        </p:style>
+        <p:txBody>
+          <a:bodyPr rtlCol="0" anchor="ctr"/>
+          <a:lstStyle/>
+          <a:p>
+            <a:pPr algn="ctr"/>
+            <a:endParaRPr kumimoji="1" lang="zh-CN" altLang="en-US"/>
+          </a:p>
+        </p:txBody>
+      </p:sp>
+      <p:pic>
+        <p:nvPicPr>
+          <p:cNvPr id="2" name="Picture 2">
+            <a:extLst>
+              <a:ext uri="{FF2B5EF4-FFF2-40B4-BE49-F238E27FC236}">
+                <a16:creationId xmlns:a16="http://schemas.microsoft.com/office/drawing/2014/main" id="{E094CAFD-C454-4BCF-BE49-BFB1800B36C8}"/>
+              </a:ext>
+            </a:extLst>
+          </p:cNvPr>
+          <p:cNvPicPr>
+            <a:picLocks noChangeAspect="1" noChangeArrowheads="1"/>
+          </p:cNvPicPr>
+          <p:nvPr/>
+        </p:nvPicPr>
+        <p:blipFill>
+          <a:blip r:embed="rId3">
+            <a:extLst>
+              <a:ext uri="{28A0092B-C50C-407E-A947-70E740481C1C}">
+                <a14:useLocalDpi xmlns:a14="http://schemas.microsoft.com/office/drawing/2010/main" val="0"/>
+              </a:ext>
+            </a:extLst>
+          </a:blip>
+          <a:srcRect/>
+          <a:stretch>
+            <a:fillRect/>
+          </a:stretch>
+        </p:blipFill>
+        <p:spPr bwMode="auto">
+          <a:xfrm>
+            <a:off x="9008906" y="1072390"/>
+            <a:ext cx="2356022" cy="1555425"/>
+          </a:xfrm>
+          <a:prstGeom prst="rect">
+            <a:avLst/>
+          </a:prstGeom>
+          <a:noFill/>
+          <a:ln>
+            <a:noFill/>
+          </a:ln>
+          <a:effectLst/>
+          <a:extLst>
+            <a:ext uri="{909E8E84-426E-40DD-AFC4-6F175D3DCCD1}">
+              <a14:hiddenFill xmlns:a14="http://schemas.microsoft.com/office/drawing/2010/main">
+                <a:solidFill>
+                  <a:schemeClr val="accent1"/>
+                </a:solidFill>
+              </a14:hiddenFill>
+            </a:ext>
+            <a:ext uri="{91240B29-F687-4F45-9708-019B960494DF}">
+              <a14:hiddenLine xmlns:a14="http://schemas.microsoft.com/office/drawing/2010/main" w="9525">
+                <a:solidFill>
+                  <a:schemeClr val="tx1"/>
+                </a:solidFill>
+                <a:miter lim="800000"/>
+                <a:headEnd/>
+                <a:tailEnd/>
+              </a14:hiddenLine>
+            </a:ext>
+            <a:ext uri="{AF507438-7753-43E0-B8FC-AC1667EBCBE1}">
+              <a14:hiddenEffects xmlns:a14="http://schemas.microsoft.com/office/drawing/2010/main">
+                <a:effectLst>
+                  <a:outerShdw dist="35921" dir="2700000" algn="ctr" rotWithShape="0">
+                    <a:schemeClr val="bg2"/>
+                  </a:outerShdw>
+                </a:effectLst>
+              </a14:hiddenEffects>
+            </a:ext>
+          </a:extLst>
+        </p:spPr>
+      </p:pic>
+      <p:pic>
+        <p:nvPicPr>
+          <p:cNvPr id="19" name="图片 18">
+            <a:extLst>
+              <a:ext uri="{FF2B5EF4-FFF2-40B4-BE49-F238E27FC236}">
+                <a16:creationId xmlns:a16="http://schemas.microsoft.com/office/drawing/2014/main" id="{2C146A88-7A2A-352D-5867-9377B07CCC7C}"/>
+              </a:ext>
+            </a:extLst>
+          </p:cNvPr>
+          <p:cNvPicPr>
+            <a:picLocks noChangeAspect="1"/>
+          </p:cNvPicPr>
+          <p:nvPr/>
+        </p:nvPicPr>
+        <p:blipFill>
+          <a:blip r:embed="rId4"/>
+          <a:stretch>
+            <a:fillRect/>
+          </a:stretch>
+        </p:blipFill>
+        <p:spPr>
+          <a:xfrm>
+            <a:off x="4423833" y="992843"/>
+            <a:ext cx="3344333" cy="1714518"/>
+          </a:xfrm>
+          <a:prstGeom prst="rect">
+            <a:avLst/>
+          </a:prstGeom>
+        </p:spPr>
+      </p:pic>
+      <p:pic>
+        <p:nvPicPr>
+          <p:cNvPr id="24" name="图片 23">
+            <a:extLst>
+              <a:ext uri="{FF2B5EF4-FFF2-40B4-BE49-F238E27FC236}">
+                <a16:creationId xmlns:a16="http://schemas.microsoft.com/office/drawing/2014/main" id="{5AE0E807-4DB2-199E-0138-177B1F68FE76}"/>
+              </a:ext>
+            </a:extLst>
+          </p:cNvPr>
+          <p:cNvPicPr>
+            <a:picLocks noChangeAspect="1"/>
+          </p:cNvPicPr>
+          <p:nvPr/>
+        </p:nvPicPr>
+        <p:blipFill>
+          <a:blip r:embed="rId5"/>
+          <a:stretch>
+            <a:fillRect/>
+          </a:stretch>
+        </p:blipFill>
+        <p:spPr>
+          <a:xfrm>
+            <a:off x="5669233" y="3607069"/>
+            <a:ext cx="2515204" cy="1002113"/>
+          </a:xfrm>
+          <a:prstGeom prst="rect">
+            <a:avLst/>
+          </a:prstGeom>
+        </p:spPr>
+      </p:pic>
+      <p:pic>
+        <p:nvPicPr>
+          <p:cNvPr id="1025" name="Picture 1" descr="page250image3878896">
+            <a:extLst>
+              <a:ext uri="{FF2B5EF4-FFF2-40B4-BE49-F238E27FC236}">
+                <a16:creationId xmlns:a16="http://schemas.microsoft.com/office/drawing/2014/main" id="{32C2A081-4795-D9E1-7021-413BA6A7DDD3}"/>
+              </a:ext>
+            </a:extLst>
+          </p:cNvPr>
+          <p:cNvPicPr>
+            <a:picLocks noChangeAspect="1" noChangeArrowheads="1"/>
+          </p:cNvPicPr>
+          <p:nvPr/>
+        </p:nvPicPr>
+        <p:blipFill>
+          <a:blip r:embed="rId6">
+            <a:extLst>
+              <a:ext uri="{28A0092B-C50C-407E-A947-70E740481C1C}">
+                <a14:useLocalDpi xmlns:a14="http://schemas.microsoft.com/office/drawing/2010/main" val="0"/>
+              </a:ext>
+            </a:extLst>
+          </a:blip>
+          <a:srcRect/>
+          <a:stretch>
+            <a:fillRect/>
+          </a:stretch>
+        </p:blipFill>
+        <p:spPr bwMode="auto">
+          <a:xfrm>
+            <a:off x="4492200" y="5172705"/>
+            <a:ext cx="5017551" cy="1086953"/>
+          </a:xfrm>
+          <a:prstGeom prst="rect">
+            <a:avLst/>
+          </a:prstGeom>
+          <a:noFill/>
+          <a:extLst>
+            <a:ext uri="{909E8E84-426E-40DD-AFC4-6F175D3DCCD1}">
+              <a14:hiddenFill xmlns:a14="http://schemas.microsoft.com/office/drawing/2010/main">
+                <a:solidFill>
+                  <a:srgbClr val="FFFFFF"/>
+                </a:solidFill>
+              </a14:hiddenFill>
+            </a:ext>
+          </a:extLst>
+        </p:spPr>
+      </p:pic>
+      <p:pic>
+        <p:nvPicPr>
+          <p:cNvPr id="25" name="图片 24">
+            <a:extLst>
+              <a:ext uri="{FF2B5EF4-FFF2-40B4-BE49-F238E27FC236}">
+                <a16:creationId xmlns:a16="http://schemas.microsoft.com/office/drawing/2014/main" id="{4706F168-DC4E-6794-240E-B64A710C977B}"/>
+              </a:ext>
+            </a:extLst>
+          </p:cNvPr>
+          <p:cNvPicPr>
+            <a:picLocks noChangeAspect="1"/>
+          </p:cNvPicPr>
+          <p:nvPr/>
+        </p:nvPicPr>
+        <p:blipFill>
+          <a:blip r:embed="rId7"/>
+          <a:stretch>
+            <a:fillRect/>
+          </a:stretch>
+        </p:blipFill>
+        <p:spPr>
+          <a:xfrm>
+            <a:off x="9906181" y="4075747"/>
+            <a:ext cx="1981201" cy="1640434"/>
+          </a:xfrm>
+          <a:prstGeom prst="rect">
+            <a:avLst/>
+          </a:prstGeom>
+        </p:spPr>
+      </p:pic>
+      <p:sp>
+        <p:nvSpPr>
+          <p:cNvPr id="26" name="橢圓 15">
+            <a:extLst>
+              <a:ext uri="{FF2B5EF4-FFF2-40B4-BE49-F238E27FC236}">
+                <a16:creationId xmlns:a16="http://schemas.microsoft.com/office/drawing/2014/main" id="{FCB4576D-128F-2AB9-9EA6-D645F960E888}"/>
+              </a:ext>
+            </a:extLst>
+          </p:cNvPr>
+          <p:cNvSpPr/>
+          <p:nvPr/>
+        </p:nvSpPr>
+        <p:spPr>
+          <a:xfrm>
+            <a:off x="4337790" y="5513565"/>
+            <a:ext cx="428628" cy="642942"/>
+          </a:xfrm>
+          <a:prstGeom prst="ellipse">
+            <a:avLst/>
+          </a:prstGeom>
+          <a:noFill/>
+          <a:ln w="9525">
+            <a:solidFill>
+              <a:srgbClr val="FF0000"/>
+            </a:solidFill>
+            <a:prstDash val="sysDot"/>
+          </a:ln>
+        </p:spPr>
+        <p:style>
+          <a:lnRef idx="2">
+            <a:schemeClr val="accent1">
+              <a:shade val="50000"/>
+            </a:schemeClr>
+          </a:lnRef>
+          <a:fillRef idx="1">
+            <a:schemeClr val="accent1"/>
+          </a:fillRef>
+          <a:effectRef idx="0">
+            <a:schemeClr val="accent1"/>
+          </a:effectRef>
+          <a:fontRef idx="minor">
+            <a:schemeClr val="lt1"/>
+          </a:fontRef>
+        </p:style>
+        <p:txBody>
+          <a:bodyPr rtlCol="0" anchor="ctr"/>
+          <a:lstStyle/>
+          <a:p>
+            <a:pPr algn="ctr"/>
+            <a:endParaRPr lang="zh-TW" altLang="en-US" dirty="0"/>
+          </a:p>
+        </p:txBody>
+      </p:sp>
+      <p:cxnSp>
+        <p:nvCxnSpPr>
+          <p:cNvPr id="27" name="直線單箭頭接點 20">
+            <a:extLst>
+              <a:ext uri="{FF2B5EF4-FFF2-40B4-BE49-F238E27FC236}">
+                <a16:creationId xmlns:a16="http://schemas.microsoft.com/office/drawing/2014/main" id="{6E9785CE-8AFA-FA0A-D216-6B80FB3D5730}"/>
+              </a:ext>
+            </a:extLst>
+          </p:cNvPr>
+          <p:cNvCxnSpPr>
+            <a:cxnSpLocks/>
+          </p:cNvCxnSpPr>
+          <p:nvPr/>
+        </p:nvCxnSpPr>
+        <p:spPr>
+          <a:xfrm flipV="1">
+            <a:off x="4643437" y="4609182"/>
+            <a:ext cx="1025796" cy="945572"/>
+          </a:xfrm>
+          <a:prstGeom prst="straightConnector1">
+            <a:avLst/>
+          </a:prstGeom>
+          <a:ln>
+            <a:solidFill>
+              <a:srgbClr val="FF0000"/>
+            </a:solidFill>
+            <a:prstDash val="sysDot"/>
+            <a:tailEnd type="arrow"/>
+          </a:ln>
+        </p:spPr>
+        <p:style>
+          <a:lnRef idx="1">
+            <a:schemeClr val="accent1"/>
+          </a:lnRef>
+          <a:fillRef idx="0">
+            <a:schemeClr val="accent1"/>
+          </a:fillRef>
+          <a:effectRef idx="0">
+            <a:schemeClr val="accent1"/>
+          </a:effectRef>
+          <a:fontRef idx="minor">
+            <a:schemeClr val="tx1"/>
+          </a:fontRef>
+        </p:style>
+      </p:cxnSp>
+      <p:sp>
+        <p:nvSpPr>
+          <p:cNvPr id="29" name="橢圓 15">
+            <a:extLst>
+              <a:ext uri="{FF2B5EF4-FFF2-40B4-BE49-F238E27FC236}">
+                <a16:creationId xmlns:a16="http://schemas.microsoft.com/office/drawing/2014/main" id="{5527143F-958D-9FF7-3E34-5B99DBC1389B}"/>
+              </a:ext>
+            </a:extLst>
+          </p:cNvPr>
+          <p:cNvSpPr/>
+          <p:nvPr/>
+        </p:nvSpPr>
+        <p:spPr>
+          <a:xfrm>
+            <a:off x="9181638" y="5480613"/>
+            <a:ext cx="428628" cy="642942"/>
+          </a:xfrm>
+          <a:prstGeom prst="ellipse">
+            <a:avLst/>
+          </a:prstGeom>
+          <a:noFill/>
+          <a:ln w="9525">
+            <a:solidFill>
+              <a:srgbClr val="FF0000"/>
+            </a:solidFill>
+            <a:prstDash val="sysDot"/>
+          </a:ln>
+        </p:spPr>
+        <p:style>
+          <a:lnRef idx="2">
+            <a:schemeClr val="accent1">
+              <a:shade val="50000"/>
+            </a:schemeClr>
+          </a:lnRef>
+          <a:fillRef idx="1">
+            <a:schemeClr val="accent1"/>
+          </a:fillRef>
+          <a:effectRef idx="0">
+            <a:schemeClr val="accent1"/>
+          </a:effectRef>
+          <a:fontRef idx="minor">
+            <a:schemeClr val="lt1"/>
+          </a:fontRef>
+        </p:style>
+        <p:txBody>
+          <a:bodyPr rtlCol="0" anchor="ctr"/>
+          <a:lstStyle/>
+          <a:p>
+            <a:pPr algn="ctr"/>
+            <a:endParaRPr lang="zh-TW" altLang="en-US" dirty="0"/>
+          </a:p>
+        </p:txBody>
+      </p:sp>
+      <p:cxnSp>
+        <p:nvCxnSpPr>
+          <p:cNvPr id="30" name="直線單箭頭接點 20">
+            <a:extLst>
+              <a:ext uri="{FF2B5EF4-FFF2-40B4-BE49-F238E27FC236}">
+                <a16:creationId xmlns:a16="http://schemas.microsoft.com/office/drawing/2014/main" id="{F9ED630F-D1F5-0A96-402A-65C4F85474A9}"/>
+              </a:ext>
+            </a:extLst>
+          </p:cNvPr>
+          <p:cNvCxnSpPr>
+            <a:cxnSpLocks/>
+          </p:cNvCxnSpPr>
+          <p:nvPr/>
+        </p:nvCxnSpPr>
+        <p:spPr>
+          <a:xfrm flipH="1" flipV="1">
+            <a:off x="8258532" y="4595909"/>
+            <a:ext cx="994650" cy="917656"/>
+          </a:xfrm>
+          <a:prstGeom prst="straightConnector1">
+            <a:avLst/>
+          </a:prstGeom>
+          <a:ln>
+            <a:solidFill>
+              <a:srgbClr val="FF0000"/>
+            </a:solidFill>
+            <a:prstDash val="sysDot"/>
+            <a:tailEnd type="arrow"/>
+          </a:ln>
+        </p:spPr>
+        <p:style>
+          <a:lnRef idx="1">
+            <a:schemeClr val="accent1"/>
+          </a:lnRef>
+          <a:fillRef idx="0">
+            <a:schemeClr val="accent1"/>
+          </a:fillRef>
+          <a:effectRef idx="0">
+            <a:schemeClr val="accent1"/>
+          </a:effectRef>
+          <a:fontRef idx="minor">
+            <a:schemeClr val="tx1"/>
+          </a:fontRef>
+        </p:style>
+      </p:cxnSp>
     </p:spTree>
+    <p:extLst>
+      <p:ext uri="{BB962C8B-B14F-4D97-AF65-F5344CB8AC3E}">
+        <p14:creationId xmlns:p14="http://schemas.microsoft.com/office/powerpoint/2010/main" val="3088699704"/>
+      </p:ext>
+    </p:extLst>
   </p:cSld>
   <p:clrMapOvr>
     <a:masterClrMapping/>
@@ -3225,36 +5422,112 @@
             <p:custDataLst>
               <p:tags r:id="rId1"/>
             </p:custDataLst>
+            <p:extLst>
+              <p:ext uri="{D42A27DB-BD31-4B8C-83A1-F6EECF244321}">
+                <p14:modId xmlns:p14="http://schemas.microsoft.com/office/powerpoint/2010/main" val="2058573751"/>
+              </p:ext>
+            </p:extLst>
           </p:nvPr>
         </p:nvGraphicFramePr>
         <p:xfrm>
-          <a:off x="606971" y="690505"/>
-          <a:ext cx="4553608" cy="4473354"/>
+          <a:off x="166618" y="596267"/>
+          <a:ext cx="3993932" cy="6059907"/>
         </p:xfrm>
         <a:graphic>
           <a:graphicData uri="http://schemas.openxmlformats.org/drawingml/2006/table">
             <a:tbl>
               <a:tblPr firstRow="1" bandRow="1">
-                <a:tableStyleId>{0505E3EF-67EA-436B-97B2-0124C06EBD24}</a:tableStyleId>
+                <a:tableStyleId>{2D5ABB26-0587-4C30-8999-92F81FD0307C}</a:tableStyleId>
               </a:tblPr>
               <a:tblGrid>
-                <a:gridCol w="2276804"/>
-                <a:gridCol w="2276804"/>
+                <a:gridCol w="962935">
+                  <a:extLst>
+                    <a:ext uri="{9D8B030D-6E8A-4147-A177-3AD203B41FA5}">
+                      <a16:colId xmlns:a16="http://schemas.microsoft.com/office/drawing/2014/main" val="20000"/>
+                    </a:ext>
+                  </a:extLst>
+                </a:gridCol>
+                <a:gridCol w="3030997">
+                  <a:extLst>
+                    <a:ext uri="{9D8B030D-6E8A-4147-A177-3AD203B41FA5}">
+                      <a16:colId xmlns:a16="http://schemas.microsoft.com/office/drawing/2014/main" val="20001"/>
+                    </a:ext>
+                  </a:extLst>
+                </a:gridCol>
               </a:tblGrid>
-              <a:tr h="508422">
+              <a:tr h="339341">
                 <a:tc>
                   <a:txBody>
                     <a:bodyPr/>
                     <a:lstStyle/>
                     <a:p>
                       <a:r>
-                        <a:rPr lang="en-US" altLang="zh-CN" b="0" dirty="0"/>
+                        <a:rPr lang="en-US" altLang="zh-CN" sz="900" b="0" i="0" dirty="0">
+                          <a:latin typeface="Arial" panose="020B0604020202020204" pitchFamily="34" charset="0"/>
+                          <a:ea typeface="SimSun" panose="02010600030101010101" pitchFamily="2" charset="-122"/>
+                          <a:cs typeface="Arial" panose="020B0604020202020204" pitchFamily="34" charset="0"/>
+                        </a:rPr>
                         <a:t>SPC</a:t>
                       </a:r>
-                      <a:endParaRPr lang="zh-CN" altLang="en-US" b="0" dirty="0"/>
+                      <a:endParaRPr lang="zh-CN" altLang="en-US" sz="900" b="0" i="0" dirty="0">
+                        <a:latin typeface="Arial" panose="020B0604020202020204" pitchFamily="34" charset="0"/>
+                        <a:ea typeface="SimSun" panose="02010600030101010101" pitchFamily="2" charset="-122"/>
+                        <a:cs typeface="Arial" panose="020B0604020202020204" pitchFamily="34" charset="0"/>
+                      </a:endParaRPr>
                     </a:p>
                   </a:txBody>
-                  <a:tcPr/>
+                  <a:tcPr>
+                    <a:lnL w="6350" cap="flat" cmpd="sng" algn="ctr">
+                      <a:solidFill>
+                        <a:schemeClr val="tx1"/>
+                      </a:solidFill>
+                      <a:prstDash val="solid"/>
+                      <a:round/>
+                      <a:headEnd type="none" w="med" len="med"/>
+                      <a:tailEnd type="none" w="med" len="med"/>
+                    </a:lnL>
+                    <a:lnR w="6350" cap="flat" cmpd="sng" algn="ctr">
+                      <a:solidFill>
+                        <a:schemeClr val="tx1"/>
+                      </a:solidFill>
+                      <a:prstDash val="solid"/>
+                      <a:round/>
+                      <a:headEnd type="none" w="med" len="med"/>
+                      <a:tailEnd type="none" w="med" len="med"/>
+                    </a:lnR>
+                    <a:lnT w="6350" cap="flat" cmpd="sng" algn="ctr">
+                      <a:solidFill>
+                        <a:schemeClr val="tx1"/>
+                      </a:solidFill>
+                      <a:prstDash val="solid"/>
+                      <a:round/>
+                      <a:headEnd type="none" w="med" len="med"/>
+                      <a:tailEnd type="none" w="med" len="med"/>
+                    </a:lnT>
+                    <a:lnB w="6350" cap="flat" cmpd="sng" algn="ctr">
+                      <a:solidFill>
+                        <a:schemeClr val="tx1"/>
+                      </a:solidFill>
+                      <a:prstDash val="solid"/>
+                      <a:round/>
+                      <a:headEnd type="none" w="med" len="med"/>
+                      <a:tailEnd type="none" w="med" len="med"/>
+                    </a:lnB>
+                    <a:lnTlToBr w="12700" cmpd="sng">
+                      <a:noFill/>
+                      <a:prstDash val="solid"/>
+                    </a:lnTlToBr>
+                    <a:lnBlToTr w="12700" cmpd="sng">
+                      <a:noFill/>
+                      <a:prstDash val="solid"/>
+                    </a:lnBlToTr>
+                    <a:solidFill>
+                      <a:schemeClr val="accent5">
+                        <a:lumMod val="60000"/>
+                        <a:lumOff val="40000"/>
+                      </a:schemeClr>
+                    </a:solidFill>
+                  </a:tcPr>
                 </a:tc>
                 <a:tc>
                   <a:txBody>
@@ -3262,29 +5535,141 @@
                     <a:lstStyle/>
                     <a:p>
                       <a:r>
-                        <a:rPr lang="en-US" altLang="zh-CN" b="0" dirty="0"/>
-                        <a:t>D</a:t>
+                        <a:rPr lang="en-US" altLang="zh-CN" sz="900" b="0" i="0" dirty="0">
+                          <a:latin typeface="Arial" panose="020B0604020202020204" pitchFamily="34" charset="0"/>
+                          <a:ea typeface="SimSun" panose="02010600030101010101" pitchFamily="2" charset="-122"/>
+                          <a:cs typeface="Arial" panose="020B0604020202020204" pitchFamily="34" charset="0"/>
+                        </a:rPr>
+                        <a:t>A</a:t>
                       </a:r>
-                      <a:endParaRPr lang="en-US" altLang="zh-CN" b="0" dirty="0"/>
                     </a:p>
                   </a:txBody>
-                  <a:tcPr/>
+                  <a:tcPr>
+                    <a:lnL w="6350" cap="flat" cmpd="sng" algn="ctr">
+                      <a:solidFill>
+                        <a:schemeClr val="tx1"/>
+                      </a:solidFill>
+                      <a:prstDash val="solid"/>
+                      <a:round/>
+                      <a:headEnd type="none" w="med" len="med"/>
+                      <a:tailEnd type="none" w="med" len="med"/>
+                    </a:lnL>
+                    <a:lnR w="6350" cap="flat" cmpd="sng" algn="ctr">
+                      <a:solidFill>
+                        <a:schemeClr val="tx1"/>
+                      </a:solidFill>
+                      <a:prstDash val="solid"/>
+                      <a:round/>
+                      <a:headEnd type="none" w="med" len="med"/>
+                      <a:tailEnd type="none" w="med" len="med"/>
+                    </a:lnR>
+                    <a:lnT w="6350" cap="flat" cmpd="sng" algn="ctr">
+                      <a:solidFill>
+                        <a:schemeClr val="tx1"/>
+                      </a:solidFill>
+                      <a:prstDash val="solid"/>
+                      <a:round/>
+                      <a:headEnd type="none" w="med" len="med"/>
+                      <a:tailEnd type="none" w="med" len="med"/>
+                    </a:lnT>
+                    <a:lnB w="6350" cap="flat" cmpd="sng" algn="ctr">
+                      <a:solidFill>
+                        <a:schemeClr val="tx1"/>
+                      </a:solidFill>
+                      <a:prstDash val="solid"/>
+                      <a:round/>
+                      <a:headEnd type="none" w="med" len="med"/>
+                      <a:tailEnd type="none" w="med" len="med"/>
+                    </a:lnB>
+                    <a:lnTlToBr w="12700" cmpd="sng">
+                      <a:noFill/>
+                      <a:prstDash val="solid"/>
+                    </a:lnTlToBr>
+                    <a:lnBlToTr w="12700" cmpd="sng">
+                      <a:noFill/>
+                      <a:prstDash val="solid"/>
+                    </a:lnBlToTr>
+                  </a:tcPr>
                 </a:tc>
+                <a:extLst>
+                  <a:ext uri="{0D108BD9-81ED-4DB2-BD59-A6C34878D82A}">
+                    <a16:rowId xmlns:a16="http://schemas.microsoft.com/office/drawing/2014/main" val="3626282883"/>
+                  </a:ext>
+                </a:extLst>
               </a:tr>
-              <a:tr h="508422">
+              <a:tr h="339341">
                 <a:tc>
                   <a:txBody>
                     <a:bodyPr/>
                     <a:lstStyle/>
                     <a:p>
                       <a:r>
-                        <a:rPr lang="en-US" altLang="zh-CN" b="0" dirty="0"/>
-                        <a:t>Equipment</a:t>
+                        <a:rPr lang="en-US" altLang="zh-CN" sz="900" b="0" i="0" dirty="0">
+                          <a:latin typeface="Arial" panose="020B0604020202020204" pitchFamily="34" charset="0"/>
+                          <a:ea typeface="SimSun" panose="02010600030101010101" pitchFamily="2" charset="-122"/>
+                          <a:cs typeface="Arial" panose="020B0604020202020204" pitchFamily="34" charset="0"/>
+                        </a:rPr>
+                        <a:t>FAI</a:t>
                       </a:r>
-                      <a:endParaRPr lang="zh-CN" altLang="en-US" b="0" dirty="0"/>
+                      <a:endParaRPr lang="zh-CN" altLang="en-US" sz="900" b="0" i="0" dirty="0">
+                        <a:latin typeface="Arial" panose="020B0604020202020204" pitchFamily="34" charset="0"/>
+                        <a:ea typeface="SimSun" panose="02010600030101010101" pitchFamily="2" charset="-122"/>
+                        <a:cs typeface="Arial" panose="020B0604020202020204" pitchFamily="34" charset="0"/>
+                      </a:endParaRPr>
                     </a:p>
                   </a:txBody>
-                  <a:tcPr/>
+                  <a:tcPr>
+                    <a:lnL w="6350" cap="flat" cmpd="sng" algn="ctr">
+                      <a:solidFill>
+                        <a:schemeClr val="tx1"/>
+                      </a:solidFill>
+                      <a:prstDash val="solid"/>
+                      <a:round/>
+                      <a:headEnd type="none" w="med" len="med"/>
+                      <a:tailEnd type="none" w="med" len="med"/>
+                    </a:lnL>
+                    <a:lnR w="6350" cap="flat" cmpd="sng" algn="ctr">
+                      <a:solidFill>
+                        <a:schemeClr val="tx1"/>
+                      </a:solidFill>
+                      <a:prstDash val="solid"/>
+                      <a:round/>
+                      <a:headEnd type="none" w="med" len="med"/>
+                      <a:tailEnd type="none" w="med" len="med"/>
+                    </a:lnR>
+                    <a:lnT w="6350" cap="flat" cmpd="sng" algn="ctr">
+                      <a:solidFill>
+                        <a:schemeClr val="tx1"/>
+                      </a:solidFill>
+                      <a:prstDash val="solid"/>
+                      <a:round/>
+                      <a:headEnd type="none" w="med" len="med"/>
+                      <a:tailEnd type="none" w="med" len="med"/>
+                    </a:lnT>
+                    <a:lnB w="6350" cap="flat" cmpd="sng" algn="ctr">
+                      <a:solidFill>
+                        <a:schemeClr val="tx1"/>
+                      </a:solidFill>
+                      <a:prstDash val="solid"/>
+                      <a:round/>
+                      <a:headEnd type="none" w="med" len="med"/>
+                      <a:tailEnd type="none" w="med" len="med"/>
+                    </a:lnB>
+                    <a:lnTlToBr w="12700" cmpd="sng">
+                      <a:noFill/>
+                      <a:prstDash val="solid"/>
+                    </a:lnTlToBr>
+                    <a:lnBlToTr w="12700" cmpd="sng">
+                      <a:noFill/>
+                      <a:prstDash val="solid"/>
+                    </a:lnBlToTr>
+                    <a:solidFill>
+                      <a:schemeClr val="accent5">
+                        <a:lumMod val="60000"/>
+                        <a:lumOff val="40000"/>
+                      </a:schemeClr>
+                    </a:solidFill>
+                  </a:tcPr>
                 </a:tc>
                 <a:tc>
                   <a:txBody>
@@ -3292,29 +5677,141 @@
                     <a:lstStyle/>
                     <a:p>
                       <a:r>
-                        <a:rPr lang="en-US" altLang="zh-CN" b="0" dirty="0"/>
-                        <a:t>OMM</a:t>
+                        <a:rPr lang="en-US" altLang="zh-CN" sz="900" b="0" i="0" dirty="0">
+                          <a:latin typeface="Arial" panose="020B0604020202020204" pitchFamily="34" charset="0"/>
+                          <a:ea typeface="SimSun" panose="02010600030101010101" pitchFamily="2" charset="-122"/>
+                          <a:cs typeface="Arial" panose="020B0604020202020204" pitchFamily="34" charset="0"/>
+                        </a:rPr>
+                        <a:t>1</a:t>
                       </a:r>
-                      <a:endParaRPr lang="zh-CN" altLang="en-US" b="0" dirty="0"/>
                     </a:p>
                   </a:txBody>
-                  <a:tcPr/>
+                  <a:tcPr>
+                    <a:lnL w="6350" cap="flat" cmpd="sng" algn="ctr">
+                      <a:solidFill>
+                        <a:schemeClr val="tx1"/>
+                      </a:solidFill>
+                      <a:prstDash val="solid"/>
+                      <a:round/>
+                      <a:headEnd type="none" w="med" len="med"/>
+                      <a:tailEnd type="none" w="med" len="med"/>
+                    </a:lnL>
+                    <a:lnR w="6350" cap="flat" cmpd="sng" algn="ctr">
+                      <a:solidFill>
+                        <a:schemeClr val="tx1"/>
+                      </a:solidFill>
+                      <a:prstDash val="solid"/>
+                      <a:round/>
+                      <a:headEnd type="none" w="med" len="med"/>
+                      <a:tailEnd type="none" w="med" len="med"/>
+                    </a:lnR>
+                    <a:lnT w="6350" cap="flat" cmpd="sng" algn="ctr">
+                      <a:solidFill>
+                        <a:schemeClr val="tx1"/>
+                      </a:solidFill>
+                      <a:prstDash val="solid"/>
+                      <a:round/>
+                      <a:headEnd type="none" w="med" len="med"/>
+                      <a:tailEnd type="none" w="med" len="med"/>
+                    </a:lnT>
+                    <a:lnB w="6350" cap="flat" cmpd="sng" algn="ctr">
+                      <a:solidFill>
+                        <a:schemeClr val="tx1"/>
+                      </a:solidFill>
+                      <a:prstDash val="solid"/>
+                      <a:round/>
+                      <a:headEnd type="none" w="med" len="med"/>
+                      <a:tailEnd type="none" w="med" len="med"/>
+                    </a:lnB>
+                    <a:lnTlToBr w="12700" cmpd="sng">
+                      <a:noFill/>
+                      <a:prstDash val="solid"/>
+                    </a:lnTlToBr>
+                    <a:lnBlToTr w="12700" cmpd="sng">
+                      <a:noFill/>
+                      <a:prstDash val="solid"/>
+                    </a:lnBlToTr>
+                  </a:tcPr>
                 </a:tc>
+                <a:extLst>
+                  <a:ext uri="{0D108BD9-81ED-4DB2-BD59-A6C34878D82A}">
+                    <a16:rowId xmlns:a16="http://schemas.microsoft.com/office/drawing/2014/main" val="10000"/>
+                  </a:ext>
+                </a:extLst>
               </a:tr>
-              <a:tr h="508422">
+              <a:tr h="562695">
                 <a:tc>
                   <a:txBody>
                     <a:bodyPr/>
                     <a:lstStyle/>
                     <a:p>
                       <a:r>
-                        <a:rPr lang="en-US" altLang="zh-CN" dirty="0"/>
-                        <a:t>Positioning</a:t>
+                        <a:rPr lang="en-US" altLang="zh-CN" sz="900" b="0" i="0" dirty="0">
+                          <a:latin typeface="Arial" panose="020B0604020202020204" pitchFamily="34" charset="0"/>
+                          <a:ea typeface="SimSun" panose="02010600030101010101" pitchFamily="2" charset="-122"/>
+                          <a:cs typeface="Arial" panose="020B0604020202020204" pitchFamily="34" charset="0"/>
+                        </a:rPr>
+                        <a:t>Description</a:t>
                       </a:r>
-                      <a:endParaRPr lang="zh-CN" altLang="en-US" dirty="0"/>
+                      <a:endParaRPr lang="zh-CN" altLang="en-US" sz="900" b="0" i="0" dirty="0">
+                        <a:latin typeface="Arial" panose="020B0604020202020204" pitchFamily="34" charset="0"/>
+                        <a:ea typeface="SimSun" panose="02010600030101010101" pitchFamily="2" charset="-122"/>
+                        <a:cs typeface="Arial" panose="020B0604020202020204" pitchFamily="34" charset="0"/>
+                      </a:endParaRPr>
                     </a:p>
                   </a:txBody>
-                  <a:tcPr/>
+                  <a:tcPr>
+                    <a:lnL w="6350" cap="flat" cmpd="sng" algn="ctr">
+                      <a:solidFill>
+                        <a:schemeClr val="tx1"/>
+                      </a:solidFill>
+                      <a:prstDash val="solid"/>
+                      <a:round/>
+                      <a:headEnd type="none" w="med" len="med"/>
+                      <a:tailEnd type="none" w="med" len="med"/>
+                    </a:lnL>
+                    <a:lnR w="6350" cap="flat" cmpd="sng" algn="ctr">
+                      <a:solidFill>
+                        <a:schemeClr val="tx1"/>
+                      </a:solidFill>
+                      <a:prstDash val="solid"/>
+                      <a:round/>
+                      <a:headEnd type="none" w="med" len="med"/>
+                      <a:tailEnd type="none" w="med" len="med"/>
+                    </a:lnR>
+                    <a:lnT w="6350" cap="flat" cmpd="sng" algn="ctr">
+                      <a:solidFill>
+                        <a:schemeClr val="tx1"/>
+                      </a:solidFill>
+                      <a:prstDash val="solid"/>
+                      <a:round/>
+                      <a:headEnd type="none" w="med" len="med"/>
+                      <a:tailEnd type="none" w="med" len="med"/>
+                    </a:lnT>
+                    <a:lnB w="6350" cap="flat" cmpd="sng" algn="ctr">
+                      <a:solidFill>
+                        <a:schemeClr val="tx1"/>
+                      </a:solidFill>
+                      <a:prstDash val="solid"/>
+                      <a:round/>
+                      <a:headEnd type="none" w="med" len="med"/>
+                      <a:tailEnd type="none" w="med" len="med"/>
+                    </a:lnB>
+                    <a:lnTlToBr w="12700" cmpd="sng">
+                      <a:noFill/>
+                      <a:prstDash val="solid"/>
+                    </a:lnTlToBr>
+                    <a:lnBlToTr w="12700" cmpd="sng">
+                      <a:noFill/>
+                      <a:prstDash val="solid"/>
+                    </a:lnBlToTr>
+                    <a:solidFill>
+                      <a:schemeClr val="accent5">
+                        <a:lumMod val="60000"/>
+                        <a:lumOff val="40000"/>
+                      </a:schemeClr>
+                    </a:solidFill>
+                  </a:tcPr>
                 </a:tc>
                 <a:tc>
                   <a:txBody>
@@ -3322,29 +5819,141 @@
                     <a:lstStyle/>
                     <a:p>
                       <a:r>
-                        <a:rPr lang="en-US" altLang="zh-CN" dirty="0"/>
-                        <a:t>Free</a:t>
+                        <a:rPr lang="en-US" altLang="zh-CN" sz="900" b="0" i="0" dirty="0">
+                          <a:latin typeface="Arial" panose="020B0604020202020204" pitchFamily="34" charset="0"/>
+                          <a:ea typeface="SimSun" panose="02010600030101010101" pitchFamily="2" charset="-122"/>
+                          <a:cs typeface="Arial" panose="020B0604020202020204" pitchFamily="34" charset="0"/>
+                        </a:rPr>
+                        <a:t>Datum A Flatness</a:t>
                       </a:r>
-                      <a:endParaRPr lang="zh-CN" altLang="en-US" dirty="0"/>
                     </a:p>
                   </a:txBody>
-                  <a:tcPr/>
+                  <a:tcPr>
+                    <a:lnL w="6350" cap="flat" cmpd="sng" algn="ctr">
+                      <a:solidFill>
+                        <a:schemeClr val="tx1"/>
+                      </a:solidFill>
+                      <a:prstDash val="solid"/>
+                      <a:round/>
+                      <a:headEnd type="none" w="med" len="med"/>
+                      <a:tailEnd type="none" w="med" len="med"/>
+                    </a:lnL>
+                    <a:lnR w="6350" cap="flat" cmpd="sng" algn="ctr">
+                      <a:solidFill>
+                        <a:schemeClr val="tx1"/>
+                      </a:solidFill>
+                      <a:prstDash val="solid"/>
+                      <a:round/>
+                      <a:headEnd type="none" w="med" len="med"/>
+                      <a:tailEnd type="none" w="med" len="med"/>
+                    </a:lnR>
+                    <a:lnT w="6350" cap="flat" cmpd="sng" algn="ctr">
+                      <a:solidFill>
+                        <a:schemeClr val="tx1"/>
+                      </a:solidFill>
+                      <a:prstDash val="solid"/>
+                      <a:round/>
+                      <a:headEnd type="none" w="med" len="med"/>
+                      <a:tailEnd type="none" w="med" len="med"/>
+                    </a:lnT>
+                    <a:lnB w="6350" cap="flat" cmpd="sng" algn="ctr">
+                      <a:solidFill>
+                        <a:schemeClr val="tx1"/>
+                      </a:solidFill>
+                      <a:prstDash val="solid"/>
+                      <a:round/>
+                      <a:headEnd type="none" w="med" len="med"/>
+                      <a:tailEnd type="none" w="med" len="med"/>
+                    </a:lnB>
+                    <a:lnTlToBr w="12700" cmpd="sng">
+                      <a:noFill/>
+                      <a:prstDash val="solid"/>
+                    </a:lnTlToBr>
+                    <a:lnBlToTr w="12700" cmpd="sng">
+                      <a:noFill/>
+                      <a:prstDash val="solid"/>
+                    </a:lnBlToTr>
+                  </a:tcPr>
                 </a:tc>
+                <a:extLst>
+                  <a:ext uri="{0D108BD9-81ED-4DB2-BD59-A6C34878D82A}">
+                    <a16:rowId xmlns:a16="http://schemas.microsoft.com/office/drawing/2014/main" val="31506459"/>
+                  </a:ext>
+                </a:extLst>
               </a:tr>
-              <a:tr h="508422">
+              <a:tr h="339341">
                 <a:tc>
                   <a:txBody>
                     <a:bodyPr/>
                     <a:lstStyle/>
                     <a:p>
                       <a:r>
-                        <a:rPr lang="en-US" altLang="zh-CN" dirty="0" err="1"/>
-                        <a:t>Dutam</a:t>
+                        <a:rPr lang="en-US" altLang="zh-CN" sz="900" b="0" i="0" dirty="0">
+                          <a:latin typeface="Arial" panose="020B0604020202020204" pitchFamily="34" charset="0"/>
+                          <a:ea typeface="SimSun" panose="02010600030101010101" pitchFamily="2" charset="-122"/>
+                          <a:cs typeface="Arial" panose="020B0604020202020204" pitchFamily="34" charset="0"/>
+                        </a:rPr>
+                        <a:t>Nominal</a:t>
                       </a:r>
-                      <a:endParaRPr lang="zh-CN" altLang="en-US" dirty="0"/>
+                      <a:endParaRPr lang="zh-CN" altLang="en-US" sz="900" b="0" i="0" dirty="0">
+                        <a:latin typeface="Arial" panose="020B0604020202020204" pitchFamily="34" charset="0"/>
+                        <a:ea typeface="SimSun" panose="02010600030101010101" pitchFamily="2" charset="-122"/>
+                        <a:cs typeface="Arial" panose="020B0604020202020204" pitchFamily="34" charset="0"/>
+                      </a:endParaRPr>
                     </a:p>
                   </a:txBody>
-                  <a:tcPr/>
+                  <a:tcPr>
+                    <a:lnL w="6350" cap="flat" cmpd="sng" algn="ctr">
+                      <a:solidFill>
+                        <a:schemeClr val="tx1"/>
+                      </a:solidFill>
+                      <a:prstDash val="solid"/>
+                      <a:round/>
+                      <a:headEnd type="none" w="med" len="med"/>
+                      <a:tailEnd type="none" w="med" len="med"/>
+                    </a:lnL>
+                    <a:lnR w="6350" cap="flat" cmpd="sng" algn="ctr">
+                      <a:solidFill>
+                        <a:schemeClr val="tx1"/>
+                      </a:solidFill>
+                      <a:prstDash val="solid"/>
+                      <a:round/>
+                      <a:headEnd type="none" w="med" len="med"/>
+                      <a:tailEnd type="none" w="med" len="med"/>
+                    </a:lnR>
+                    <a:lnT w="6350" cap="flat" cmpd="sng" algn="ctr">
+                      <a:solidFill>
+                        <a:schemeClr val="tx1"/>
+                      </a:solidFill>
+                      <a:prstDash val="solid"/>
+                      <a:round/>
+                      <a:headEnd type="none" w="med" len="med"/>
+                      <a:tailEnd type="none" w="med" len="med"/>
+                    </a:lnT>
+                    <a:lnB w="6350" cap="flat" cmpd="sng" algn="ctr">
+                      <a:solidFill>
+                        <a:schemeClr val="tx1"/>
+                      </a:solidFill>
+                      <a:prstDash val="solid"/>
+                      <a:round/>
+                      <a:headEnd type="none" w="med" len="med"/>
+                      <a:tailEnd type="none" w="med" len="med"/>
+                    </a:lnB>
+                    <a:lnTlToBr w="12700" cmpd="sng">
+                      <a:noFill/>
+                      <a:prstDash val="solid"/>
+                    </a:lnTlToBr>
+                    <a:lnBlToTr w="12700" cmpd="sng">
+                      <a:noFill/>
+                      <a:prstDash val="solid"/>
+                    </a:lnBlToTr>
+                    <a:solidFill>
+                      <a:schemeClr val="accent5">
+                        <a:lumMod val="60000"/>
+                        <a:lumOff val="40000"/>
+                      </a:schemeClr>
+                    </a:solidFill>
+                  </a:tcPr>
                 </a:tc>
                 <a:tc>
                   <a:txBody>
@@ -3352,29 +5961,146 @@
                     <a:lstStyle/>
                     <a:p>
                       <a:r>
-                        <a:rPr lang="en-US" altLang="zh-CN" dirty="0"/>
-                        <a:t>A+B</a:t>
+                        <a:rPr lang="en-US" altLang="zh-CN" sz="900" b="0" i="0" dirty="0">
+                          <a:latin typeface="Arial" panose="020B0604020202020204" pitchFamily="34" charset="0"/>
+                          <a:ea typeface="SimSun" panose="02010600030101010101" pitchFamily="2" charset="-122"/>
+                          <a:cs typeface="Arial" panose="020B0604020202020204" pitchFamily="34" charset="0"/>
+                        </a:rPr>
+                        <a:t>0.00</a:t>
                       </a:r>
-                      <a:endParaRPr lang="zh-CN" altLang="en-US" dirty="0"/>
+                      <a:endParaRPr lang="zh-CN" altLang="en-US" sz="900" b="0" i="0" dirty="0">
+                        <a:latin typeface="Arial" panose="020B0604020202020204" pitchFamily="34" charset="0"/>
+                        <a:ea typeface="SimSun" panose="02010600030101010101" pitchFamily="2" charset="-122"/>
+                        <a:cs typeface="Arial" panose="020B0604020202020204" pitchFamily="34" charset="0"/>
+                      </a:endParaRPr>
                     </a:p>
                   </a:txBody>
-                  <a:tcPr/>
+                  <a:tcPr>
+                    <a:lnL w="6350" cap="flat" cmpd="sng" algn="ctr">
+                      <a:solidFill>
+                        <a:schemeClr val="tx1"/>
+                      </a:solidFill>
+                      <a:prstDash val="solid"/>
+                      <a:round/>
+                      <a:headEnd type="none" w="med" len="med"/>
+                      <a:tailEnd type="none" w="med" len="med"/>
+                    </a:lnL>
+                    <a:lnR w="6350" cap="flat" cmpd="sng" algn="ctr">
+                      <a:solidFill>
+                        <a:schemeClr val="tx1"/>
+                      </a:solidFill>
+                      <a:prstDash val="solid"/>
+                      <a:round/>
+                      <a:headEnd type="none" w="med" len="med"/>
+                      <a:tailEnd type="none" w="med" len="med"/>
+                    </a:lnR>
+                    <a:lnT w="6350" cap="flat" cmpd="sng" algn="ctr">
+                      <a:solidFill>
+                        <a:schemeClr val="tx1"/>
+                      </a:solidFill>
+                      <a:prstDash val="solid"/>
+                      <a:round/>
+                      <a:headEnd type="none" w="med" len="med"/>
+                      <a:tailEnd type="none" w="med" len="med"/>
+                    </a:lnT>
+                    <a:lnB w="6350" cap="flat" cmpd="sng" algn="ctr">
+                      <a:solidFill>
+                        <a:schemeClr val="tx1"/>
+                      </a:solidFill>
+                      <a:prstDash val="solid"/>
+                      <a:round/>
+                      <a:headEnd type="none" w="med" len="med"/>
+                      <a:tailEnd type="none" w="med" len="med"/>
+                    </a:lnB>
+                    <a:lnTlToBr w="12700" cmpd="sng">
+                      <a:noFill/>
+                      <a:prstDash val="solid"/>
+                    </a:lnTlToBr>
+                    <a:lnBlToTr w="12700" cmpd="sng">
+                      <a:noFill/>
+                      <a:prstDash val="solid"/>
+                    </a:lnBlToTr>
+                  </a:tcPr>
                 </a:tc>
+                <a:extLst>
+                  <a:ext uri="{0D108BD9-81ED-4DB2-BD59-A6C34878D82A}">
+                    <a16:rowId xmlns:a16="http://schemas.microsoft.com/office/drawing/2014/main" val="3999776105"/>
+                  </a:ext>
+                </a:extLst>
               </a:tr>
-              <a:tr h="508422">
+              <a:tr h="339341">
                 <a:tc>
                   <a:txBody>
                     <a:bodyPr/>
                     <a:lstStyle/>
                     <a:p>
                       <a:r>
-                        <a:rPr lang="en-US" altLang="zh-CN" dirty="0"/>
-                        <a:t>Nominal</a:t>
+                        <a:rPr lang="en-US" altLang="zh-CN" sz="900" b="0" i="0" dirty="0">
+                          <a:latin typeface="Arial" panose="020B0604020202020204" pitchFamily="34" charset="0"/>
+                          <a:ea typeface="SimSun" panose="02010600030101010101" pitchFamily="2" charset="-122"/>
+                          <a:cs typeface="Arial" panose="020B0604020202020204" pitchFamily="34" charset="0"/>
+                        </a:rPr>
+                        <a:t>Tol+</a:t>
                       </a:r>
-                      <a:endParaRPr lang="zh-CN" altLang="en-US" dirty="0"/>
+                      <a:endParaRPr lang="zh-CN" altLang="en-US" sz="900" b="0" i="0" dirty="0">
+                        <a:latin typeface="Arial" panose="020B0604020202020204" pitchFamily="34" charset="0"/>
+                        <a:ea typeface="SimSun" panose="02010600030101010101" pitchFamily="2" charset="-122"/>
+                        <a:cs typeface="Arial" panose="020B0604020202020204" pitchFamily="34" charset="0"/>
+                      </a:endParaRPr>
                     </a:p>
                   </a:txBody>
-                  <a:tcPr/>
+                  <a:tcPr>
+                    <a:lnL w="6350" cap="flat" cmpd="sng" algn="ctr">
+                      <a:solidFill>
+                        <a:schemeClr val="tx1"/>
+                      </a:solidFill>
+                      <a:prstDash val="solid"/>
+                      <a:round/>
+                      <a:headEnd type="none" w="med" len="med"/>
+                      <a:tailEnd type="none" w="med" len="med"/>
+                    </a:lnL>
+                    <a:lnR w="6350" cap="flat" cmpd="sng" algn="ctr">
+                      <a:solidFill>
+                        <a:schemeClr val="tx1"/>
+                      </a:solidFill>
+                      <a:prstDash val="solid"/>
+                      <a:round/>
+                      <a:headEnd type="none" w="med" len="med"/>
+                      <a:tailEnd type="none" w="med" len="med"/>
+                    </a:lnR>
+                    <a:lnT w="6350" cap="flat" cmpd="sng" algn="ctr">
+                      <a:solidFill>
+                        <a:schemeClr val="tx1"/>
+                      </a:solidFill>
+                      <a:prstDash val="solid"/>
+                      <a:round/>
+                      <a:headEnd type="none" w="med" len="med"/>
+                      <a:tailEnd type="none" w="med" len="med"/>
+                    </a:lnT>
+                    <a:lnB w="6350" cap="flat" cmpd="sng" algn="ctr">
+                      <a:solidFill>
+                        <a:schemeClr val="tx1"/>
+                      </a:solidFill>
+                      <a:prstDash val="solid"/>
+                      <a:round/>
+                      <a:headEnd type="none" w="med" len="med"/>
+                      <a:tailEnd type="none" w="med" len="med"/>
+                    </a:lnB>
+                    <a:lnTlToBr w="12700" cmpd="sng">
+                      <a:noFill/>
+                      <a:prstDash val="solid"/>
+                    </a:lnTlToBr>
+                    <a:lnBlToTr w="12700" cmpd="sng">
+                      <a:noFill/>
+                      <a:prstDash val="solid"/>
+                    </a:lnBlToTr>
+                    <a:solidFill>
+                      <a:schemeClr val="accent5">
+                        <a:lumMod val="60000"/>
+                        <a:lumOff val="40000"/>
+                      </a:schemeClr>
+                    </a:solidFill>
+                  </a:tcPr>
                 </a:tc>
                 <a:tc>
                   <a:txBody>
@@ -3382,29 +6108,146 @@
                     <a:lstStyle/>
                     <a:p>
                       <a:r>
-                        <a:rPr lang="en-US" altLang="zh-CN" dirty="0"/>
-                        <a:t>2.000</a:t>
+                        <a:rPr lang="en-US" altLang="zh-CN" sz="900" b="0" i="0" dirty="0">
+                          <a:latin typeface="Arial" panose="020B0604020202020204" pitchFamily="34" charset="0"/>
+                          <a:ea typeface="SimSun" panose="02010600030101010101" pitchFamily="2" charset="-122"/>
+                          <a:cs typeface="Arial" panose="020B0604020202020204" pitchFamily="34" charset="0"/>
+                        </a:rPr>
+                        <a:t>+0.80</a:t>
                       </a:r>
-                      <a:endParaRPr lang="zh-CN" altLang="en-US" dirty="0"/>
+                      <a:endParaRPr lang="zh-CN" altLang="en-US" sz="900" b="0" i="0" dirty="0">
+                        <a:latin typeface="Arial" panose="020B0604020202020204" pitchFamily="34" charset="0"/>
+                        <a:ea typeface="SimSun" panose="02010600030101010101" pitchFamily="2" charset="-122"/>
+                        <a:cs typeface="Arial" panose="020B0604020202020204" pitchFamily="34" charset="0"/>
+                      </a:endParaRPr>
                     </a:p>
                   </a:txBody>
-                  <a:tcPr/>
+                  <a:tcPr>
+                    <a:lnL w="6350" cap="flat" cmpd="sng" algn="ctr">
+                      <a:solidFill>
+                        <a:schemeClr val="tx1"/>
+                      </a:solidFill>
+                      <a:prstDash val="solid"/>
+                      <a:round/>
+                      <a:headEnd type="none" w="med" len="med"/>
+                      <a:tailEnd type="none" w="med" len="med"/>
+                    </a:lnL>
+                    <a:lnR w="6350" cap="flat" cmpd="sng" algn="ctr">
+                      <a:solidFill>
+                        <a:schemeClr val="tx1"/>
+                      </a:solidFill>
+                      <a:prstDash val="solid"/>
+                      <a:round/>
+                      <a:headEnd type="none" w="med" len="med"/>
+                      <a:tailEnd type="none" w="med" len="med"/>
+                    </a:lnR>
+                    <a:lnT w="6350" cap="flat" cmpd="sng" algn="ctr">
+                      <a:solidFill>
+                        <a:schemeClr val="tx1"/>
+                      </a:solidFill>
+                      <a:prstDash val="solid"/>
+                      <a:round/>
+                      <a:headEnd type="none" w="med" len="med"/>
+                      <a:tailEnd type="none" w="med" len="med"/>
+                    </a:lnT>
+                    <a:lnB w="6350" cap="flat" cmpd="sng" algn="ctr">
+                      <a:solidFill>
+                        <a:schemeClr val="tx1"/>
+                      </a:solidFill>
+                      <a:prstDash val="solid"/>
+                      <a:round/>
+                      <a:headEnd type="none" w="med" len="med"/>
+                      <a:tailEnd type="none" w="med" len="med"/>
+                    </a:lnB>
+                    <a:lnTlToBr w="12700" cmpd="sng">
+                      <a:noFill/>
+                      <a:prstDash val="solid"/>
+                    </a:lnTlToBr>
+                    <a:lnBlToTr w="12700" cmpd="sng">
+                      <a:noFill/>
+                      <a:prstDash val="solid"/>
+                    </a:lnBlToTr>
+                  </a:tcPr>
                 </a:tc>
+                <a:extLst>
+                  <a:ext uri="{0D108BD9-81ED-4DB2-BD59-A6C34878D82A}">
+                    <a16:rowId xmlns:a16="http://schemas.microsoft.com/office/drawing/2014/main" val="913100384"/>
+                  </a:ext>
+                </a:extLst>
               </a:tr>
-              <a:tr h="508422">
+              <a:tr h="339341">
                 <a:tc>
                   <a:txBody>
                     <a:bodyPr/>
                     <a:lstStyle/>
                     <a:p>
                       <a:r>
-                        <a:rPr lang="en-US" altLang="zh-CN" dirty="0"/>
-                        <a:t>Tol+</a:t>
+                        <a:rPr lang="en-US" altLang="zh-CN" sz="900" b="0" i="0" dirty="0">
+                          <a:latin typeface="Arial" panose="020B0604020202020204" pitchFamily="34" charset="0"/>
+                          <a:ea typeface="SimSun" panose="02010600030101010101" pitchFamily="2" charset="-122"/>
+                          <a:cs typeface="Arial" panose="020B0604020202020204" pitchFamily="34" charset="0"/>
+                        </a:rPr>
+                        <a:t>Tol-</a:t>
                       </a:r>
-                      <a:endParaRPr lang="zh-CN" altLang="en-US" dirty="0"/>
+                      <a:endParaRPr lang="zh-CN" altLang="en-US" sz="900" b="0" i="0" dirty="0">
+                        <a:latin typeface="Arial" panose="020B0604020202020204" pitchFamily="34" charset="0"/>
+                        <a:ea typeface="SimSun" panose="02010600030101010101" pitchFamily="2" charset="-122"/>
+                        <a:cs typeface="Arial" panose="020B0604020202020204" pitchFamily="34" charset="0"/>
+                      </a:endParaRPr>
                     </a:p>
                   </a:txBody>
-                  <a:tcPr/>
+                  <a:tcPr>
+                    <a:lnL w="6350" cap="flat" cmpd="sng" algn="ctr">
+                      <a:solidFill>
+                        <a:schemeClr val="tx1"/>
+                      </a:solidFill>
+                      <a:prstDash val="solid"/>
+                      <a:round/>
+                      <a:headEnd type="none" w="med" len="med"/>
+                      <a:tailEnd type="none" w="med" len="med"/>
+                    </a:lnL>
+                    <a:lnR w="6350" cap="flat" cmpd="sng" algn="ctr">
+                      <a:solidFill>
+                        <a:schemeClr val="tx1"/>
+                      </a:solidFill>
+                      <a:prstDash val="solid"/>
+                      <a:round/>
+                      <a:headEnd type="none" w="med" len="med"/>
+                      <a:tailEnd type="none" w="med" len="med"/>
+                    </a:lnR>
+                    <a:lnT w="6350" cap="flat" cmpd="sng" algn="ctr">
+                      <a:solidFill>
+                        <a:schemeClr val="tx1"/>
+                      </a:solidFill>
+                      <a:prstDash val="solid"/>
+                      <a:round/>
+                      <a:headEnd type="none" w="med" len="med"/>
+                      <a:tailEnd type="none" w="med" len="med"/>
+                    </a:lnT>
+                    <a:lnB w="6350" cap="flat" cmpd="sng" algn="ctr">
+                      <a:solidFill>
+                        <a:schemeClr val="tx1"/>
+                      </a:solidFill>
+                      <a:prstDash val="solid"/>
+                      <a:round/>
+                      <a:headEnd type="none" w="med" len="med"/>
+                      <a:tailEnd type="none" w="med" len="med"/>
+                    </a:lnB>
+                    <a:lnTlToBr w="12700" cmpd="sng">
+                      <a:noFill/>
+                      <a:prstDash val="solid"/>
+                    </a:lnTlToBr>
+                    <a:lnBlToTr w="12700" cmpd="sng">
+                      <a:noFill/>
+                      <a:prstDash val="solid"/>
+                    </a:lnBlToTr>
+                    <a:solidFill>
+                      <a:schemeClr val="accent5">
+                        <a:lumMod val="60000"/>
+                        <a:lumOff val="40000"/>
+                      </a:schemeClr>
+                    </a:solidFill>
+                  </a:tcPr>
                 </a:tc>
                 <a:tc>
                   <a:txBody>
@@ -3412,29 +6255,141 @@
                     <a:lstStyle/>
                     <a:p>
                       <a:r>
-                        <a:rPr lang="en-US" altLang="zh-CN" dirty="0"/>
-                        <a:t>0.002</a:t>
+                        <a:rPr lang="en-US" altLang="zh-CN" sz="900" b="0" i="0" dirty="0">
+                          <a:latin typeface="Arial" panose="020B0604020202020204" pitchFamily="34" charset="0"/>
+                          <a:ea typeface="SimSun" panose="02010600030101010101" pitchFamily="2" charset="-122"/>
+                          <a:cs typeface="Arial" panose="020B0604020202020204" pitchFamily="34" charset="0"/>
+                        </a:rPr>
+                        <a:t>-0.00</a:t>
                       </a:r>
-                      <a:endParaRPr lang="zh-CN" altLang="en-US" dirty="0"/>
                     </a:p>
                   </a:txBody>
-                  <a:tcPr/>
+                  <a:tcPr>
+                    <a:lnL w="6350" cap="flat" cmpd="sng" algn="ctr">
+                      <a:solidFill>
+                        <a:schemeClr val="tx1"/>
+                      </a:solidFill>
+                      <a:prstDash val="solid"/>
+                      <a:round/>
+                      <a:headEnd type="none" w="med" len="med"/>
+                      <a:tailEnd type="none" w="med" len="med"/>
+                    </a:lnL>
+                    <a:lnR w="6350" cap="flat" cmpd="sng" algn="ctr">
+                      <a:solidFill>
+                        <a:schemeClr val="tx1"/>
+                      </a:solidFill>
+                      <a:prstDash val="solid"/>
+                      <a:round/>
+                      <a:headEnd type="none" w="med" len="med"/>
+                      <a:tailEnd type="none" w="med" len="med"/>
+                    </a:lnR>
+                    <a:lnT w="6350" cap="flat" cmpd="sng" algn="ctr">
+                      <a:solidFill>
+                        <a:schemeClr val="tx1"/>
+                      </a:solidFill>
+                      <a:prstDash val="solid"/>
+                      <a:round/>
+                      <a:headEnd type="none" w="med" len="med"/>
+                      <a:tailEnd type="none" w="med" len="med"/>
+                    </a:lnT>
+                    <a:lnB w="6350" cap="flat" cmpd="sng" algn="ctr">
+                      <a:solidFill>
+                        <a:schemeClr val="tx1"/>
+                      </a:solidFill>
+                      <a:prstDash val="solid"/>
+                      <a:round/>
+                      <a:headEnd type="none" w="med" len="med"/>
+                      <a:tailEnd type="none" w="med" len="med"/>
+                    </a:lnB>
+                    <a:lnTlToBr w="12700" cmpd="sng">
+                      <a:noFill/>
+                      <a:prstDash val="solid"/>
+                    </a:lnTlToBr>
+                    <a:lnBlToTr w="12700" cmpd="sng">
+                      <a:noFill/>
+                      <a:prstDash val="solid"/>
+                    </a:lnBlToTr>
+                  </a:tcPr>
                 </a:tc>
+                <a:extLst>
+                  <a:ext uri="{0D108BD9-81ED-4DB2-BD59-A6C34878D82A}">
+                    <a16:rowId xmlns:a16="http://schemas.microsoft.com/office/drawing/2014/main" val="363424782"/>
+                  </a:ext>
+                </a:extLst>
               </a:tr>
-              <a:tr h="508422">
+              <a:tr h="339341">
                 <a:tc>
                   <a:txBody>
                     <a:bodyPr/>
                     <a:lstStyle/>
                     <a:p>
                       <a:r>
-                        <a:rPr lang="en-US" altLang="zh-CN" dirty="0"/>
-                        <a:t>Tol-</a:t>
+                        <a:rPr lang="en-US" altLang="zh-CN" sz="900" b="0" i="0" dirty="0">
+                          <a:latin typeface="Arial" panose="020B0604020202020204" pitchFamily="34" charset="0"/>
+                          <a:ea typeface="SimSun" panose="02010600030101010101" pitchFamily="2" charset="-122"/>
+                          <a:cs typeface="Arial" panose="020B0604020202020204" pitchFamily="34" charset="0"/>
+                        </a:rPr>
+                        <a:t>Equipment</a:t>
                       </a:r>
-                      <a:endParaRPr lang="zh-CN" altLang="en-US" dirty="0"/>
+                      <a:endParaRPr lang="zh-CN" altLang="en-US" sz="900" b="0" i="0" dirty="0">
+                        <a:latin typeface="Arial" panose="020B0604020202020204" pitchFamily="34" charset="0"/>
+                        <a:ea typeface="SimSun" panose="02010600030101010101" pitchFamily="2" charset="-122"/>
+                        <a:cs typeface="Arial" panose="020B0604020202020204" pitchFamily="34" charset="0"/>
+                      </a:endParaRPr>
                     </a:p>
                   </a:txBody>
-                  <a:tcPr/>
+                  <a:tcPr>
+                    <a:lnL w="6350" cap="flat" cmpd="sng" algn="ctr">
+                      <a:solidFill>
+                        <a:schemeClr val="tx1"/>
+                      </a:solidFill>
+                      <a:prstDash val="solid"/>
+                      <a:round/>
+                      <a:headEnd type="none" w="med" len="med"/>
+                      <a:tailEnd type="none" w="med" len="med"/>
+                    </a:lnL>
+                    <a:lnR w="6350" cap="flat" cmpd="sng" algn="ctr">
+                      <a:solidFill>
+                        <a:schemeClr val="tx1"/>
+                      </a:solidFill>
+                      <a:prstDash val="solid"/>
+                      <a:round/>
+                      <a:headEnd type="none" w="med" len="med"/>
+                      <a:tailEnd type="none" w="med" len="med"/>
+                    </a:lnR>
+                    <a:lnT w="6350" cap="flat" cmpd="sng" algn="ctr">
+                      <a:solidFill>
+                        <a:schemeClr val="tx1"/>
+                      </a:solidFill>
+                      <a:prstDash val="solid"/>
+                      <a:round/>
+                      <a:headEnd type="none" w="med" len="med"/>
+                      <a:tailEnd type="none" w="med" len="med"/>
+                    </a:lnT>
+                    <a:lnB w="6350" cap="flat" cmpd="sng" algn="ctr">
+                      <a:solidFill>
+                        <a:schemeClr val="tx1"/>
+                      </a:solidFill>
+                      <a:prstDash val="solid"/>
+                      <a:round/>
+                      <a:headEnd type="none" w="med" len="med"/>
+                      <a:tailEnd type="none" w="med" len="med"/>
+                    </a:lnB>
+                    <a:lnTlToBr w="12700" cmpd="sng">
+                      <a:noFill/>
+                      <a:prstDash val="solid"/>
+                    </a:lnTlToBr>
+                    <a:lnBlToTr w="12700" cmpd="sng">
+                      <a:noFill/>
+                      <a:prstDash val="solid"/>
+                    </a:lnBlToTr>
+                    <a:solidFill>
+                      <a:schemeClr val="accent5">
+                        <a:lumMod val="60000"/>
+                        <a:lumOff val="40000"/>
+                      </a:schemeClr>
+                    </a:solidFill>
+                  </a:tcPr>
                 </a:tc>
                 <a:tc>
                   <a:txBody>
@@ -3442,45 +6397,1269 @@
                     <a:lstStyle/>
                     <a:p>
                       <a:r>
-                        <a:rPr lang="en-US" altLang="zh-CN" dirty="0"/>
-                        <a:t>-0.002</a:t>
+                        <a:rPr lang="en-US" altLang="zh-CN" sz="900" b="0" i="0" dirty="0">
+                          <a:latin typeface="Arial" panose="020B0604020202020204" pitchFamily="34" charset="0"/>
+                          <a:ea typeface="SimSun" panose="02010600030101010101" pitchFamily="2" charset="-122"/>
+                          <a:cs typeface="Arial" panose="020B0604020202020204" pitchFamily="34" charset="0"/>
+                        </a:rPr>
+                        <a:t>OMM</a:t>
                       </a:r>
-                      <a:endParaRPr lang="zh-CN" altLang="en-US" dirty="0"/>
+                      <a:endParaRPr lang="zh-CN" altLang="en-US" sz="900" b="0" i="0" dirty="0">
+                        <a:latin typeface="Arial" panose="020B0604020202020204" pitchFamily="34" charset="0"/>
+                        <a:ea typeface="SimSun" panose="02010600030101010101" pitchFamily="2" charset="-122"/>
+                        <a:cs typeface="Arial" panose="020B0604020202020204" pitchFamily="34" charset="0"/>
+                      </a:endParaRPr>
                     </a:p>
                   </a:txBody>
-                  <a:tcPr/>
+                  <a:tcPr>
+                    <a:lnL w="6350" cap="flat" cmpd="sng" algn="ctr">
+                      <a:solidFill>
+                        <a:schemeClr val="tx1"/>
+                      </a:solidFill>
+                      <a:prstDash val="solid"/>
+                      <a:round/>
+                      <a:headEnd type="none" w="med" len="med"/>
+                      <a:tailEnd type="none" w="med" len="med"/>
+                    </a:lnL>
+                    <a:lnR w="6350" cap="flat" cmpd="sng" algn="ctr">
+                      <a:solidFill>
+                        <a:schemeClr val="tx1"/>
+                      </a:solidFill>
+                      <a:prstDash val="solid"/>
+                      <a:round/>
+                      <a:headEnd type="none" w="med" len="med"/>
+                      <a:tailEnd type="none" w="med" len="med"/>
+                    </a:lnR>
+                    <a:lnT w="6350" cap="flat" cmpd="sng" algn="ctr">
+                      <a:solidFill>
+                        <a:schemeClr val="tx1"/>
+                      </a:solidFill>
+                      <a:prstDash val="solid"/>
+                      <a:round/>
+                      <a:headEnd type="none" w="med" len="med"/>
+                      <a:tailEnd type="none" w="med" len="med"/>
+                    </a:lnT>
+                    <a:lnB w="6350" cap="flat" cmpd="sng" algn="ctr">
+                      <a:solidFill>
+                        <a:schemeClr val="tx1"/>
+                      </a:solidFill>
+                      <a:prstDash val="solid"/>
+                      <a:round/>
+                      <a:headEnd type="none" w="med" len="med"/>
+                      <a:tailEnd type="none" w="med" len="med"/>
+                    </a:lnB>
+                    <a:lnTlToBr w="12700" cmpd="sng">
+                      <a:noFill/>
+                      <a:prstDash val="solid"/>
+                    </a:lnTlToBr>
+                    <a:lnBlToTr w="12700" cmpd="sng">
+                      <a:noFill/>
+                      <a:prstDash val="solid"/>
+                    </a:lnBlToTr>
+                  </a:tcPr>
                 </a:tc>
+                <a:extLst>
+                  <a:ext uri="{0D108BD9-81ED-4DB2-BD59-A6C34878D82A}">
+                    <a16:rowId xmlns:a16="http://schemas.microsoft.com/office/drawing/2014/main" val="10001"/>
+                  </a:ext>
+                </a:extLst>
               </a:tr>
-              <a:tr h="862495">
-                <a:tc gridSpan="2">
+              <a:tr h="382553">
+                <a:tc>
                   <a:txBody>
                     <a:bodyPr/>
                     <a:lstStyle/>
                     <a:p>
                       <a:r>
-                        <a:rPr lang="en-US" altLang="zh-CN" dirty="0"/>
-                        <a:t>Method:</a:t>
+                        <a:rPr lang="en-US" altLang="zh-CN" sz="900" b="0" i="0" dirty="0">
+                          <a:latin typeface="Arial" panose="020B0604020202020204" pitchFamily="34" charset="0"/>
+                          <a:ea typeface="SimSun" panose="02010600030101010101" pitchFamily="2" charset="-122"/>
+                          <a:cs typeface="Arial" panose="020B0604020202020204" pitchFamily="34" charset="0"/>
+                        </a:rPr>
+                        <a:t>Fixture Positioning</a:t>
                       </a:r>
-                      <a:endParaRPr lang="en-US" altLang="zh-CN" dirty="0"/>
+                      <a:endParaRPr lang="zh-CN" altLang="en-US" sz="900" b="0" i="0" dirty="0">
+                        <a:latin typeface="Arial" panose="020B0604020202020204" pitchFamily="34" charset="0"/>
+                        <a:ea typeface="SimSun" panose="02010600030101010101" pitchFamily="2" charset="-122"/>
+                        <a:cs typeface="Arial" panose="020B0604020202020204" pitchFamily="34" charset="0"/>
+                      </a:endParaRPr>
+                    </a:p>
+                  </a:txBody>
+                  <a:tcPr>
+                    <a:lnL w="6350" cap="flat" cmpd="sng" algn="ctr">
+                      <a:solidFill>
+                        <a:schemeClr val="tx1"/>
+                      </a:solidFill>
+                      <a:prstDash val="solid"/>
+                      <a:round/>
+                      <a:headEnd type="none" w="med" len="med"/>
+                      <a:tailEnd type="none" w="med" len="med"/>
+                    </a:lnL>
+                    <a:lnR w="6350" cap="flat" cmpd="sng" algn="ctr">
+                      <a:solidFill>
+                        <a:schemeClr val="tx1"/>
+                      </a:solidFill>
+                      <a:prstDash val="solid"/>
+                      <a:round/>
+                      <a:headEnd type="none" w="med" len="med"/>
+                      <a:tailEnd type="none" w="med" len="med"/>
+                    </a:lnR>
+                    <a:lnT w="6350" cap="flat" cmpd="sng" algn="ctr">
+                      <a:solidFill>
+                        <a:schemeClr val="tx1"/>
+                      </a:solidFill>
+                      <a:prstDash val="solid"/>
+                      <a:round/>
+                      <a:headEnd type="none" w="med" len="med"/>
+                      <a:tailEnd type="none" w="med" len="med"/>
+                    </a:lnT>
+                    <a:lnB w="6350" cap="flat" cmpd="sng" algn="ctr">
+                      <a:solidFill>
+                        <a:schemeClr val="tx1"/>
+                      </a:solidFill>
+                      <a:prstDash val="solid"/>
+                      <a:round/>
+                      <a:headEnd type="none" w="med" len="med"/>
+                      <a:tailEnd type="none" w="med" len="med"/>
+                    </a:lnB>
+                    <a:lnTlToBr w="12700" cmpd="sng">
+                      <a:noFill/>
+                      <a:prstDash val="solid"/>
+                    </a:lnTlToBr>
+                    <a:lnBlToTr w="12700" cmpd="sng">
+                      <a:noFill/>
+                      <a:prstDash val="solid"/>
+                    </a:lnBlToTr>
+                    <a:solidFill>
+                      <a:schemeClr val="accent5">
+                        <a:lumMod val="60000"/>
+                        <a:lumOff val="40000"/>
+                      </a:schemeClr>
+                    </a:solidFill>
+                  </a:tcPr>
+                </a:tc>
+                <a:tc>
+                  <a:txBody>
+                    <a:bodyPr/>
+                    <a:lstStyle/>
+                    <a:p>
+                      <a:r>
+                        <a:rPr lang="en-US" altLang="zh-CN" sz="900" b="0" i="0" dirty="0">
+                          <a:latin typeface="Arial" panose="020B0604020202020204" pitchFamily="34" charset="0"/>
+                          <a:ea typeface="SimSun" panose="02010600030101010101" pitchFamily="2" charset="-122"/>
+                          <a:cs typeface="Arial" panose="020B0604020202020204" pitchFamily="34" charset="0"/>
+                        </a:rPr>
+                        <a:t>4x points support</a:t>
+                      </a:r>
+                      <a:endParaRPr lang="zh-CN" altLang="en-US" sz="900" b="0" i="0" dirty="0">
+                        <a:latin typeface="Arial" panose="020B0604020202020204" pitchFamily="34" charset="0"/>
+                        <a:ea typeface="SimSun" panose="02010600030101010101" pitchFamily="2" charset="-122"/>
+                        <a:cs typeface="Arial" panose="020B0604020202020204" pitchFamily="34" charset="0"/>
+                      </a:endParaRPr>
+                    </a:p>
+                  </a:txBody>
+                  <a:tcPr>
+                    <a:lnL w="6350" cap="flat" cmpd="sng" algn="ctr">
+                      <a:solidFill>
+                        <a:schemeClr val="tx1"/>
+                      </a:solidFill>
+                      <a:prstDash val="solid"/>
+                      <a:round/>
+                      <a:headEnd type="none" w="med" len="med"/>
+                      <a:tailEnd type="none" w="med" len="med"/>
+                    </a:lnL>
+                    <a:lnR w="6350" cap="flat" cmpd="sng" algn="ctr">
+                      <a:solidFill>
+                        <a:schemeClr val="tx1"/>
+                      </a:solidFill>
+                      <a:prstDash val="solid"/>
+                      <a:round/>
+                      <a:headEnd type="none" w="med" len="med"/>
+                      <a:tailEnd type="none" w="med" len="med"/>
+                    </a:lnR>
+                    <a:lnT w="6350" cap="flat" cmpd="sng" algn="ctr">
+                      <a:solidFill>
+                        <a:schemeClr val="tx1"/>
+                      </a:solidFill>
+                      <a:prstDash val="solid"/>
+                      <a:round/>
+                      <a:headEnd type="none" w="med" len="med"/>
+                      <a:tailEnd type="none" w="med" len="med"/>
+                    </a:lnT>
+                    <a:lnB w="6350" cap="flat" cmpd="sng" algn="ctr">
+                      <a:solidFill>
+                        <a:schemeClr val="tx1"/>
+                      </a:solidFill>
+                      <a:prstDash val="solid"/>
+                      <a:round/>
+                      <a:headEnd type="none" w="med" len="med"/>
+                      <a:tailEnd type="none" w="med" len="med"/>
+                    </a:lnB>
+                    <a:lnTlToBr w="12700" cmpd="sng">
+                      <a:noFill/>
+                      <a:prstDash val="solid"/>
+                    </a:lnTlToBr>
+                    <a:lnBlToTr w="12700" cmpd="sng">
+                      <a:noFill/>
+                      <a:prstDash val="solid"/>
+                    </a:lnBlToTr>
+                  </a:tcPr>
+                </a:tc>
+                <a:extLst>
+                  <a:ext uri="{0D108BD9-81ED-4DB2-BD59-A6C34878D82A}">
+                    <a16:rowId xmlns:a16="http://schemas.microsoft.com/office/drawing/2014/main" val="10002"/>
+                  </a:ext>
+                </a:extLst>
+              </a:tr>
+              <a:tr h="382553">
+                <a:tc>
+                  <a:txBody>
+                    <a:bodyPr/>
+                    <a:lstStyle/>
+                    <a:p>
+                      <a:r>
+                        <a:rPr lang="en-US" altLang="zh-CN" sz="900" b="0" i="0" dirty="0">
+                          <a:latin typeface="Arial" panose="020B0604020202020204" pitchFamily="34" charset="0"/>
+                          <a:ea typeface="SimSun" panose="02010600030101010101" pitchFamily="2" charset="-122"/>
+                          <a:cs typeface="Arial" panose="020B0604020202020204" pitchFamily="34" charset="0"/>
+                        </a:rPr>
+                        <a:t>Reference Datums</a:t>
+                      </a:r>
+                      <a:endParaRPr lang="zh-CN" altLang="en-US" sz="900" b="0" i="0" dirty="0">
+                        <a:latin typeface="Arial" panose="020B0604020202020204" pitchFamily="34" charset="0"/>
+                        <a:ea typeface="SimSun" panose="02010600030101010101" pitchFamily="2" charset="-122"/>
+                        <a:cs typeface="Arial" panose="020B0604020202020204" pitchFamily="34" charset="0"/>
+                      </a:endParaRPr>
+                    </a:p>
+                  </a:txBody>
+                  <a:tcPr>
+                    <a:lnL w="6350" cap="flat" cmpd="sng" algn="ctr">
+                      <a:solidFill>
+                        <a:schemeClr val="tx1"/>
+                      </a:solidFill>
+                      <a:prstDash val="solid"/>
+                      <a:round/>
+                      <a:headEnd type="none" w="med" len="med"/>
+                      <a:tailEnd type="none" w="med" len="med"/>
+                    </a:lnL>
+                    <a:lnR w="6350" cap="flat" cmpd="sng" algn="ctr">
+                      <a:solidFill>
+                        <a:schemeClr val="tx1"/>
+                      </a:solidFill>
+                      <a:prstDash val="solid"/>
+                      <a:round/>
+                      <a:headEnd type="none" w="med" len="med"/>
+                      <a:tailEnd type="none" w="med" len="med"/>
+                    </a:lnR>
+                    <a:lnT w="6350" cap="flat" cmpd="sng" algn="ctr">
+                      <a:solidFill>
+                        <a:schemeClr val="tx1"/>
+                      </a:solidFill>
+                      <a:prstDash val="solid"/>
+                      <a:round/>
+                      <a:headEnd type="none" w="med" len="med"/>
+                      <a:tailEnd type="none" w="med" len="med"/>
+                    </a:lnT>
+                    <a:lnB w="6350" cap="flat" cmpd="sng" algn="ctr">
+                      <a:solidFill>
+                        <a:schemeClr val="tx1"/>
+                      </a:solidFill>
+                      <a:prstDash val="solid"/>
+                      <a:round/>
+                      <a:headEnd type="none" w="med" len="med"/>
+                      <a:tailEnd type="none" w="med" len="med"/>
+                    </a:lnB>
+                    <a:lnTlToBr w="12700" cmpd="sng">
+                      <a:noFill/>
+                      <a:prstDash val="solid"/>
+                    </a:lnTlToBr>
+                    <a:lnBlToTr w="12700" cmpd="sng">
+                      <a:noFill/>
+                      <a:prstDash val="solid"/>
+                    </a:lnBlToTr>
+                    <a:solidFill>
+                      <a:schemeClr val="accent5">
+                        <a:lumMod val="60000"/>
+                        <a:lumOff val="40000"/>
+                      </a:schemeClr>
+                    </a:solidFill>
+                  </a:tcPr>
+                </a:tc>
+                <a:tc>
+                  <a:txBody>
+                    <a:bodyPr/>
+                    <a:lstStyle/>
+                    <a:p>
+                      <a:r>
+                        <a:rPr lang="en-US" altLang="zh-CN" sz="900" b="0" i="0" dirty="0">
+                          <a:latin typeface="Arial" panose="020B0604020202020204" pitchFamily="34" charset="0"/>
+                          <a:ea typeface="SimSun" panose="02010600030101010101" pitchFamily="2" charset="-122"/>
+                          <a:cs typeface="Arial" panose="020B0604020202020204" pitchFamily="34" charset="0"/>
+                        </a:rPr>
+                        <a:t>A+B+C</a:t>
+                      </a:r>
+                      <a:endParaRPr lang="zh-CN" altLang="en-US" sz="900" b="0" i="0" dirty="0">
+                        <a:latin typeface="Arial" panose="020B0604020202020204" pitchFamily="34" charset="0"/>
+                        <a:ea typeface="SimSun" panose="02010600030101010101" pitchFamily="2" charset="-122"/>
+                        <a:cs typeface="Arial" panose="020B0604020202020204" pitchFamily="34" charset="0"/>
+                      </a:endParaRPr>
+                    </a:p>
+                  </a:txBody>
+                  <a:tcPr>
+                    <a:lnL w="6350" cap="flat" cmpd="sng" algn="ctr">
+                      <a:solidFill>
+                        <a:schemeClr val="tx1"/>
+                      </a:solidFill>
+                      <a:prstDash val="solid"/>
+                      <a:round/>
+                      <a:headEnd type="none" w="med" len="med"/>
+                      <a:tailEnd type="none" w="med" len="med"/>
+                    </a:lnL>
+                    <a:lnR w="6350" cap="flat" cmpd="sng" algn="ctr">
+                      <a:solidFill>
+                        <a:schemeClr val="tx1"/>
+                      </a:solidFill>
+                      <a:prstDash val="solid"/>
+                      <a:round/>
+                      <a:headEnd type="none" w="med" len="med"/>
+                      <a:tailEnd type="none" w="med" len="med"/>
+                    </a:lnR>
+                    <a:lnT w="6350" cap="flat" cmpd="sng" algn="ctr">
+                      <a:solidFill>
+                        <a:schemeClr val="tx1"/>
+                      </a:solidFill>
+                      <a:prstDash val="solid"/>
+                      <a:round/>
+                      <a:headEnd type="none" w="med" len="med"/>
+                      <a:tailEnd type="none" w="med" len="med"/>
+                    </a:lnT>
+                    <a:lnB w="6350" cap="flat" cmpd="sng" algn="ctr">
+                      <a:solidFill>
+                        <a:schemeClr val="tx1"/>
+                      </a:solidFill>
+                      <a:prstDash val="solid"/>
+                      <a:round/>
+                      <a:headEnd type="none" w="med" len="med"/>
+                      <a:tailEnd type="none" w="med" len="med"/>
+                    </a:lnB>
+                    <a:lnTlToBr w="12700" cmpd="sng">
+                      <a:noFill/>
+                      <a:prstDash val="solid"/>
+                    </a:lnTlToBr>
+                    <a:lnBlToTr w="12700" cmpd="sng">
+                      <a:noFill/>
+                      <a:prstDash val="solid"/>
+                    </a:lnBlToTr>
+                  </a:tcPr>
+                </a:tc>
+                <a:extLst>
+                  <a:ext uri="{0D108BD9-81ED-4DB2-BD59-A6C34878D82A}">
+                    <a16:rowId xmlns:a16="http://schemas.microsoft.com/office/drawing/2014/main" val="10003"/>
+                  </a:ext>
+                </a:extLst>
+              </a:tr>
+              <a:tr h="382553">
+                <a:tc>
+                  <a:txBody>
+                    <a:bodyPr/>
+                    <a:lstStyle/>
+                    <a:p>
+                      <a:r>
+                        <a:rPr lang="en-US" altLang="zh-CN" sz="900" b="0" i="0" dirty="0">
+                          <a:latin typeface="Arial" panose="020B0604020202020204" pitchFamily="34" charset="0"/>
+                          <a:ea typeface="SimSun" panose="02010600030101010101" pitchFamily="2" charset="-122"/>
+                          <a:cs typeface="Arial" panose="020B0604020202020204" pitchFamily="34" charset="0"/>
+                        </a:rPr>
+                        <a:t>Reporting Output</a:t>
+                      </a:r>
+                      <a:endParaRPr lang="zh-CN" altLang="en-US" sz="900" b="0" i="0" dirty="0">
+                        <a:latin typeface="Arial" panose="020B0604020202020204" pitchFamily="34" charset="0"/>
+                        <a:ea typeface="SimSun" panose="02010600030101010101" pitchFamily="2" charset="-122"/>
+                        <a:cs typeface="Arial" panose="020B0604020202020204" pitchFamily="34" charset="0"/>
+                      </a:endParaRPr>
+                    </a:p>
+                  </a:txBody>
+                  <a:tcPr>
+                    <a:lnL w="6350" cap="flat" cmpd="sng" algn="ctr">
+                      <a:solidFill>
+                        <a:schemeClr val="tx1"/>
+                      </a:solidFill>
+                      <a:prstDash val="solid"/>
+                      <a:round/>
+                      <a:headEnd type="none" w="med" len="med"/>
+                      <a:tailEnd type="none" w="med" len="med"/>
+                    </a:lnL>
+                    <a:lnR w="6350" cap="flat" cmpd="sng" algn="ctr">
+                      <a:solidFill>
+                        <a:schemeClr val="tx1"/>
+                      </a:solidFill>
+                      <a:prstDash val="solid"/>
+                      <a:round/>
+                      <a:headEnd type="none" w="med" len="med"/>
+                      <a:tailEnd type="none" w="med" len="med"/>
+                    </a:lnR>
+                    <a:lnT w="6350" cap="flat" cmpd="sng" algn="ctr">
+                      <a:solidFill>
+                        <a:schemeClr val="tx1"/>
+                      </a:solidFill>
+                      <a:prstDash val="solid"/>
+                      <a:round/>
+                      <a:headEnd type="none" w="med" len="med"/>
+                      <a:tailEnd type="none" w="med" len="med"/>
+                    </a:lnT>
+                    <a:lnB w="6350" cap="flat" cmpd="sng" algn="ctr">
+                      <a:solidFill>
+                        <a:schemeClr val="tx1"/>
+                      </a:solidFill>
+                      <a:prstDash val="solid"/>
+                      <a:round/>
+                      <a:headEnd type="none" w="med" len="med"/>
+                      <a:tailEnd type="none" w="med" len="med"/>
+                    </a:lnB>
+                    <a:lnTlToBr w="12700" cmpd="sng">
+                      <a:noFill/>
+                      <a:prstDash val="solid"/>
+                    </a:lnTlToBr>
+                    <a:lnBlToTr w="12700" cmpd="sng">
+                      <a:noFill/>
+                      <a:prstDash val="solid"/>
+                    </a:lnBlToTr>
+                    <a:solidFill>
+                      <a:schemeClr val="accent5">
+                        <a:lumMod val="60000"/>
+                        <a:lumOff val="40000"/>
+                      </a:schemeClr>
+                    </a:solidFill>
+                  </a:tcPr>
+                </a:tc>
+                <a:tc>
+                  <a:txBody>
+                    <a:bodyPr/>
+                    <a:lstStyle/>
+                    <a:p>
+                      <a:r>
+                        <a:rPr lang="en-US" altLang="zh-CN" sz="900" b="0" i="0" dirty="0">
+                          <a:latin typeface="Arial" panose="020B0604020202020204" pitchFamily="34" charset="0"/>
+                          <a:ea typeface="SimSun" panose="02010600030101010101" pitchFamily="2" charset="-122"/>
+                          <a:cs typeface="Arial" panose="020B0604020202020204" pitchFamily="34" charset="0"/>
+                        </a:rPr>
+                        <a:t>1x SPC</a:t>
+                      </a:r>
                     </a:p>
                     <a:p>
                       <a:r>
-                        <a:rPr lang="en-US" altLang="zh-CN" dirty="0"/>
-                        <a:t>xxxxxxxxxxxxxxxxxxxxxxxxxxxxxxxxxxxxxxxxxxxxxxxxxxxxxxxxxxxxxxxxxxxxxxxxxxxxxxxxx</a:t>
+                        <a:rPr lang="en-US" altLang="zh-CN" sz="900" b="0" i="0" dirty="0">
+                          <a:latin typeface="Arial" panose="020B0604020202020204" pitchFamily="34" charset="0"/>
+                          <a:ea typeface="SimSun" panose="02010600030101010101" pitchFamily="2" charset="-122"/>
+                          <a:cs typeface="Arial" panose="020B0604020202020204" pitchFamily="34" charset="0"/>
+                        </a:rPr>
+                        <a:t>36x raw data</a:t>
                       </a:r>
-                      <a:endParaRPr lang="zh-CN" altLang="en-US" dirty="0"/>
+                      <a:endParaRPr lang="zh-CN" altLang="en-US" sz="900" b="0" i="0" dirty="0">
+                        <a:latin typeface="Arial" panose="020B0604020202020204" pitchFamily="34" charset="0"/>
+                        <a:ea typeface="SimSun" panose="02010600030101010101" pitchFamily="2" charset="-122"/>
+                        <a:cs typeface="Arial" panose="020B0604020202020204" pitchFamily="34" charset="0"/>
+                      </a:endParaRPr>
                     </a:p>
                   </a:txBody>
-                  <a:tcPr/>
+                  <a:tcPr>
+                    <a:lnL w="6350" cap="flat" cmpd="sng" algn="ctr">
+                      <a:solidFill>
+                        <a:schemeClr val="tx1"/>
+                      </a:solidFill>
+                      <a:prstDash val="solid"/>
+                      <a:round/>
+                      <a:headEnd type="none" w="med" len="med"/>
+                      <a:tailEnd type="none" w="med" len="med"/>
+                    </a:lnL>
+                    <a:lnR w="6350" cap="flat" cmpd="sng" algn="ctr">
+                      <a:solidFill>
+                        <a:schemeClr val="tx1"/>
+                      </a:solidFill>
+                      <a:prstDash val="solid"/>
+                      <a:round/>
+                      <a:headEnd type="none" w="med" len="med"/>
+                      <a:tailEnd type="none" w="med" len="med"/>
+                    </a:lnR>
+                    <a:lnT w="6350" cap="flat" cmpd="sng" algn="ctr">
+                      <a:solidFill>
+                        <a:schemeClr val="tx1"/>
+                      </a:solidFill>
+                      <a:prstDash val="solid"/>
+                      <a:round/>
+                      <a:headEnd type="none" w="med" len="med"/>
+                      <a:tailEnd type="none" w="med" len="med"/>
+                    </a:lnT>
+                    <a:lnB w="6350" cap="flat" cmpd="sng" algn="ctr">
+                      <a:solidFill>
+                        <a:schemeClr val="tx1"/>
+                      </a:solidFill>
+                      <a:prstDash val="solid"/>
+                      <a:round/>
+                      <a:headEnd type="none" w="med" len="med"/>
+                      <a:tailEnd type="none" w="med" len="med"/>
+                    </a:lnB>
+                    <a:lnTlToBr w="12700" cmpd="sng">
+                      <a:noFill/>
+                      <a:prstDash val="solid"/>
+                    </a:lnTlToBr>
+                    <a:lnBlToTr w="12700" cmpd="sng">
+                      <a:noFill/>
+                      <a:prstDash val="solid"/>
+                    </a:lnBlToTr>
+                  </a:tcPr>
                 </a:tc>
-                <a:tc hMerge="1">
-                  <a:tcPr/>
+                <a:extLst>
+                  <a:ext uri="{0D108BD9-81ED-4DB2-BD59-A6C34878D82A}">
+                    <a16:rowId xmlns:a16="http://schemas.microsoft.com/office/drawing/2014/main" val="3851863669"/>
+                  </a:ext>
+                </a:extLst>
+              </a:tr>
+              <a:tr h="1145702">
+                <a:tc>
+                  <a:txBody>
+                    <a:bodyPr/>
+                    <a:lstStyle/>
+                    <a:p>
+                      <a:r>
+                        <a:rPr lang="en-US" altLang="zh-CN" sz="900" b="0" i="0" dirty="0">
+                          <a:latin typeface="Arial" panose="020B0604020202020204" pitchFamily="34" charset="0"/>
+                          <a:ea typeface="SimSun" panose="02010600030101010101" pitchFamily="2" charset="-122"/>
+                          <a:cs typeface="Arial" panose="020B0604020202020204" pitchFamily="34" charset="0"/>
+                        </a:rPr>
+                        <a:t>Measurement Procedure</a:t>
+                      </a:r>
+                      <a:endParaRPr lang="zh-CN" altLang="en-US" sz="900" b="0" i="0" dirty="0">
+                        <a:latin typeface="Arial" panose="020B0604020202020204" pitchFamily="34" charset="0"/>
+                        <a:ea typeface="SimSun" panose="02010600030101010101" pitchFamily="2" charset="-122"/>
+                        <a:cs typeface="Arial" panose="020B0604020202020204" pitchFamily="34" charset="0"/>
+                      </a:endParaRPr>
+                    </a:p>
+                  </a:txBody>
+                  <a:tcPr>
+                    <a:lnL w="6350" cap="flat" cmpd="sng" algn="ctr">
+                      <a:solidFill>
+                        <a:schemeClr val="tx1"/>
+                      </a:solidFill>
+                      <a:prstDash val="solid"/>
+                      <a:round/>
+                      <a:headEnd type="none" w="med" len="med"/>
+                      <a:tailEnd type="none" w="med" len="med"/>
+                    </a:lnL>
+                    <a:lnR w="6350" cap="flat" cmpd="sng" algn="ctr">
+                      <a:solidFill>
+                        <a:schemeClr val="tx1"/>
+                      </a:solidFill>
+                      <a:prstDash val="solid"/>
+                      <a:round/>
+                      <a:headEnd type="none" w="med" len="med"/>
+                      <a:tailEnd type="none" w="med" len="med"/>
+                    </a:lnR>
+                    <a:lnT w="6350" cap="flat" cmpd="sng" algn="ctr">
+                      <a:solidFill>
+                        <a:schemeClr val="tx1"/>
+                      </a:solidFill>
+                      <a:prstDash val="solid"/>
+                      <a:round/>
+                      <a:headEnd type="none" w="med" len="med"/>
+                      <a:tailEnd type="none" w="med" len="med"/>
+                    </a:lnT>
+                    <a:lnB w="6350" cap="flat" cmpd="sng" algn="ctr">
+                      <a:solidFill>
+                        <a:schemeClr val="tx1"/>
+                      </a:solidFill>
+                      <a:prstDash val="solid"/>
+                      <a:round/>
+                      <a:headEnd type="none" w="med" len="med"/>
+                      <a:tailEnd type="none" w="med" len="med"/>
+                    </a:lnB>
+                    <a:lnTlToBr w="12700" cmpd="sng">
+                      <a:noFill/>
+                      <a:prstDash val="solid"/>
+                    </a:lnTlToBr>
+                    <a:lnBlToTr w="12700" cmpd="sng">
+                      <a:noFill/>
+                      <a:prstDash val="solid"/>
+                    </a:lnBlToTr>
+                    <a:solidFill>
+                      <a:schemeClr val="accent5">
+                        <a:lumMod val="60000"/>
+                        <a:lumOff val="40000"/>
+                      </a:schemeClr>
+                    </a:solidFill>
+                  </a:tcPr>
                 </a:tc>
+                <a:tc>
+                  <a:txBody>
+                    <a:bodyPr/>
+                    <a:lstStyle/>
+                    <a:p>
+                      <a:r>
+                        <a:rPr lang="en-US" altLang="zh-CN" sz="900" b="0" i="0" dirty="0">
+                          <a:latin typeface="Arial" panose="020B0604020202020204" pitchFamily="34" charset="0"/>
+                          <a:ea typeface="SimSun" panose="02010600030101010101" pitchFamily="2" charset="-122"/>
+                          <a:cs typeface="Arial" panose="020B0604020202020204" pitchFamily="34" charset="0"/>
+                        </a:rPr>
+                        <a:t>1. Create datum A/B/C</a:t>
+                      </a:r>
+                    </a:p>
+                    <a:p>
+                      <a:r>
+                        <a:rPr lang="en-US" altLang="zh-CN" sz="900" b="0" i="0" dirty="0">
+                          <a:latin typeface="Arial" panose="020B0604020202020204" pitchFamily="34" charset="0"/>
+                          <a:ea typeface="SimSun" panose="02010600030101010101" pitchFamily="2" charset="-122"/>
+                          <a:cs typeface="Arial" panose="020B0604020202020204" pitchFamily="34" charset="0"/>
+                        </a:rPr>
+                        <a:t>2. Measure Point P1~P9, P14, P17~P23, P27, P31~P39, P44, P47~P53, P56</a:t>
+                      </a:r>
+                    </a:p>
+                  </a:txBody>
+                  <a:tcPr>
+                    <a:lnL w="6350" cap="flat" cmpd="sng" algn="ctr">
+                      <a:solidFill>
+                        <a:schemeClr val="tx1"/>
+                      </a:solidFill>
+                      <a:prstDash val="solid"/>
+                      <a:round/>
+                      <a:headEnd type="none" w="med" len="med"/>
+                      <a:tailEnd type="none" w="med" len="med"/>
+                    </a:lnL>
+                    <a:lnR w="6350" cap="flat" cmpd="sng" algn="ctr">
+                      <a:solidFill>
+                        <a:schemeClr val="tx1"/>
+                      </a:solidFill>
+                      <a:prstDash val="solid"/>
+                      <a:round/>
+                      <a:headEnd type="none" w="med" len="med"/>
+                      <a:tailEnd type="none" w="med" len="med"/>
+                    </a:lnR>
+                    <a:lnT w="6350" cap="flat" cmpd="sng" algn="ctr">
+                      <a:solidFill>
+                        <a:schemeClr val="tx1"/>
+                      </a:solidFill>
+                      <a:prstDash val="solid"/>
+                      <a:round/>
+                      <a:headEnd type="none" w="med" len="med"/>
+                      <a:tailEnd type="none" w="med" len="med"/>
+                    </a:lnT>
+                    <a:lnB w="6350" cap="flat" cmpd="sng" algn="ctr">
+                      <a:solidFill>
+                        <a:schemeClr val="tx1"/>
+                      </a:solidFill>
+                      <a:prstDash val="solid"/>
+                      <a:round/>
+                      <a:headEnd type="none" w="med" len="med"/>
+                      <a:tailEnd type="none" w="med" len="med"/>
+                    </a:lnB>
+                    <a:lnTlToBr w="12700" cmpd="sng">
+                      <a:noFill/>
+                      <a:prstDash val="solid"/>
+                    </a:lnTlToBr>
+                    <a:lnBlToTr w="12700" cmpd="sng">
+                      <a:noFill/>
+                      <a:prstDash val="solid"/>
+                    </a:lnBlToTr>
+                  </a:tcPr>
+                </a:tc>
+                <a:extLst>
+                  <a:ext uri="{0D108BD9-81ED-4DB2-BD59-A6C34878D82A}">
+                    <a16:rowId xmlns:a16="http://schemas.microsoft.com/office/drawing/2014/main" val="3437234875"/>
+                  </a:ext>
+                </a:extLst>
+              </a:tr>
+              <a:tr h="1167805">
+                <a:tc>
+                  <a:txBody>
+                    <a:bodyPr/>
+                    <a:lstStyle/>
+                    <a:p>
+                      <a:r>
+                        <a:rPr lang="en-US" altLang="zh-CN" sz="900" b="0" i="0" dirty="0">
+                          <a:latin typeface="Arial" panose="020B0604020202020204" pitchFamily="34" charset="0"/>
+                          <a:ea typeface="SimSun" panose="02010600030101010101" pitchFamily="2" charset="-122"/>
+                          <a:cs typeface="Arial" panose="020B0604020202020204" pitchFamily="34" charset="0"/>
+                        </a:rPr>
+                        <a:t>Calculation Method</a:t>
+                      </a:r>
+                      <a:endParaRPr lang="zh-CN" altLang="en-US" sz="900" b="0" i="0" dirty="0">
+                        <a:latin typeface="Arial" panose="020B0604020202020204" pitchFamily="34" charset="0"/>
+                        <a:ea typeface="SimSun" panose="02010600030101010101" pitchFamily="2" charset="-122"/>
+                        <a:cs typeface="Arial" panose="020B0604020202020204" pitchFamily="34" charset="0"/>
+                      </a:endParaRPr>
+                    </a:p>
+                  </a:txBody>
+                  <a:tcPr>
+                    <a:lnL w="6350" cap="flat" cmpd="sng" algn="ctr">
+                      <a:solidFill>
+                        <a:schemeClr val="tx1"/>
+                      </a:solidFill>
+                      <a:prstDash val="solid"/>
+                      <a:round/>
+                      <a:headEnd type="none" w="med" len="med"/>
+                      <a:tailEnd type="none" w="med" len="med"/>
+                    </a:lnL>
+                    <a:lnR w="6350" cap="flat" cmpd="sng" algn="ctr">
+                      <a:solidFill>
+                        <a:schemeClr val="tx1"/>
+                      </a:solidFill>
+                      <a:prstDash val="solid"/>
+                      <a:round/>
+                      <a:headEnd type="none" w="med" len="med"/>
+                      <a:tailEnd type="none" w="med" len="med"/>
+                    </a:lnR>
+                    <a:lnT w="6350" cap="flat" cmpd="sng" algn="ctr">
+                      <a:solidFill>
+                        <a:schemeClr val="tx1"/>
+                      </a:solidFill>
+                      <a:prstDash val="solid"/>
+                      <a:round/>
+                      <a:headEnd type="none" w="med" len="med"/>
+                      <a:tailEnd type="none" w="med" len="med"/>
+                    </a:lnT>
+                    <a:lnB w="6350" cap="flat" cmpd="sng" algn="ctr">
+                      <a:solidFill>
+                        <a:schemeClr val="tx1"/>
+                      </a:solidFill>
+                      <a:prstDash val="solid"/>
+                      <a:round/>
+                      <a:headEnd type="none" w="med" len="med"/>
+                      <a:tailEnd type="none" w="med" len="med"/>
+                    </a:lnB>
+                    <a:lnTlToBr w="12700" cmpd="sng">
+                      <a:noFill/>
+                      <a:prstDash val="solid"/>
+                    </a:lnTlToBr>
+                    <a:lnBlToTr w="12700" cmpd="sng">
+                      <a:noFill/>
+                      <a:prstDash val="solid"/>
+                    </a:lnBlToTr>
+                    <a:solidFill>
+                      <a:schemeClr val="accent5">
+                        <a:lumMod val="60000"/>
+                        <a:lumOff val="40000"/>
+                      </a:schemeClr>
+                    </a:solidFill>
+                  </a:tcPr>
+                </a:tc>
+                <a:tc>
+                  <a:txBody>
+                    <a:bodyPr/>
+                    <a:lstStyle/>
+                    <a:p>
+                      <a:r>
+                        <a:rPr lang="en-US" altLang="zh-CN" sz="900" b="0" i="0" dirty="0">
+                          <a:latin typeface="Arial" panose="020B0604020202020204" pitchFamily="34" charset="0"/>
+                          <a:ea typeface="SimSun" panose="02010600030101010101" pitchFamily="2" charset="-122"/>
+                          <a:cs typeface="Arial" panose="020B0604020202020204" pitchFamily="34" charset="0"/>
+                        </a:rPr>
+                        <a:t>1. Point P1~P9, P14, P17~P23, P27, P31~P39, P44, P47~P53, P56 create plane PL1</a:t>
+                      </a:r>
+                    </a:p>
+                    <a:p>
+                      <a:r>
+                        <a:rPr lang="en-US" altLang="zh-CN" sz="900" b="0" i="0" dirty="0">
+                          <a:latin typeface="Arial" panose="020B0604020202020204" pitchFamily="34" charset="0"/>
+                          <a:ea typeface="SimSun" panose="02010600030101010101" pitchFamily="2" charset="-122"/>
+                          <a:cs typeface="Arial" panose="020B0604020202020204" pitchFamily="34" charset="0"/>
+                        </a:rPr>
+                        <a:t>2. Calculate Flatness of PL1</a:t>
+                      </a:r>
+                    </a:p>
+                  </a:txBody>
+                  <a:tcPr>
+                    <a:lnL w="6350" cap="flat" cmpd="sng" algn="ctr">
+                      <a:solidFill>
+                        <a:schemeClr val="tx1"/>
+                      </a:solidFill>
+                      <a:prstDash val="solid"/>
+                      <a:round/>
+                      <a:headEnd type="none" w="med" len="med"/>
+                      <a:tailEnd type="none" w="med" len="med"/>
+                    </a:lnL>
+                    <a:lnR w="6350" cap="flat" cmpd="sng" algn="ctr">
+                      <a:solidFill>
+                        <a:schemeClr val="tx1"/>
+                      </a:solidFill>
+                      <a:prstDash val="solid"/>
+                      <a:round/>
+                      <a:headEnd type="none" w="med" len="med"/>
+                      <a:tailEnd type="none" w="med" len="med"/>
+                    </a:lnR>
+                    <a:lnT w="6350" cap="flat" cmpd="sng" algn="ctr">
+                      <a:solidFill>
+                        <a:schemeClr val="tx1"/>
+                      </a:solidFill>
+                      <a:prstDash val="solid"/>
+                      <a:round/>
+                      <a:headEnd type="none" w="med" len="med"/>
+                      <a:tailEnd type="none" w="med" len="med"/>
+                    </a:lnT>
+                    <a:lnB w="6350" cap="flat" cmpd="sng" algn="ctr">
+                      <a:solidFill>
+                        <a:schemeClr val="tx1"/>
+                      </a:solidFill>
+                      <a:prstDash val="solid"/>
+                      <a:round/>
+                      <a:headEnd type="none" w="med" len="med"/>
+                      <a:tailEnd type="none" w="med" len="med"/>
+                    </a:lnB>
+                    <a:lnTlToBr w="12700" cmpd="sng">
+                      <a:noFill/>
+                      <a:prstDash val="solid"/>
+                    </a:lnTlToBr>
+                    <a:lnBlToTr w="12700" cmpd="sng">
+                      <a:noFill/>
+                      <a:prstDash val="solid"/>
+                    </a:lnBlToTr>
+                  </a:tcPr>
+                </a:tc>
+                <a:extLst>
+                  <a:ext uri="{0D108BD9-81ED-4DB2-BD59-A6C34878D82A}">
+                    <a16:rowId xmlns:a16="http://schemas.microsoft.com/office/drawing/2014/main" val="1068554515"/>
+                  </a:ext>
+                </a:extLst>
               </a:tr>
             </a:tbl>
           </a:graphicData>
         </a:graphic>
       </p:graphicFrame>
+      <p:pic>
+        <p:nvPicPr>
+          <p:cNvPr id="3" name="Picture 4">
+            <a:extLst>
+              <a:ext uri="{FF2B5EF4-FFF2-40B4-BE49-F238E27FC236}">
+                <a16:creationId xmlns:a16="http://schemas.microsoft.com/office/drawing/2014/main" id="{0108F2A4-67BC-C663-3E08-2597C6C3A62F}"/>
+              </a:ext>
+            </a:extLst>
+          </p:cNvPr>
+          <p:cNvPicPr>
+            <a:picLocks noChangeAspect="1" noChangeArrowheads="1"/>
+          </p:cNvPicPr>
+          <p:nvPr/>
+        </p:nvPicPr>
+        <p:blipFill>
+          <a:blip r:embed="rId3">
+            <a:extLst>
+              <a:ext uri="{28A0092B-C50C-407E-A947-70E740481C1C}">
+                <a14:useLocalDpi xmlns:a14="http://schemas.microsoft.com/office/drawing/2010/main" val="0"/>
+              </a:ext>
+            </a:extLst>
+          </a:blip>
+          <a:srcRect/>
+          <a:stretch>
+            <a:fillRect/>
+          </a:stretch>
+        </p:blipFill>
+        <p:spPr bwMode="auto">
+          <a:xfrm>
+            <a:off x="4881814" y="1068666"/>
+            <a:ext cx="1576652" cy="1748304"/>
+          </a:xfrm>
+          <a:prstGeom prst="rect">
+            <a:avLst/>
+          </a:prstGeom>
+          <a:noFill/>
+          <a:ln w="15875">
+            <a:solidFill>
+              <a:srgbClr val="2D05D9"/>
+            </a:solidFill>
+            <a:prstDash val="sysDash"/>
+            <a:miter lim="800000"/>
+            <a:headEnd/>
+            <a:tailEnd/>
+          </a:ln>
+          <a:effectLst/>
+          <a:extLst>
+            <a:ext uri="{909E8E84-426E-40DD-AFC4-6F175D3DCCD1}">
+              <a14:hiddenFill xmlns:a14="http://schemas.microsoft.com/office/drawing/2010/main">
+                <a:solidFill>
+                  <a:schemeClr val="accent1"/>
+                </a:solidFill>
+              </a14:hiddenFill>
+            </a:ext>
+            <a:ext uri="{AF507438-7753-43E0-B8FC-AC1667EBCBE1}">
+              <a14:hiddenEffects xmlns:a14="http://schemas.microsoft.com/office/drawing/2010/main">
+                <a:effectLst>
+                  <a:outerShdw dist="35921" dir="2700000" algn="ctr" rotWithShape="0">
+                    <a:schemeClr val="bg2"/>
+                  </a:outerShdw>
+                </a:effectLst>
+              </a14:hiddenEffects>
+            </a:ext>
+          </a:extLst>
+        </p:spPr>
+      </p:pic>
+      <p:pic>
+        <p:nvPicPr>
+          <p:cNvPr id="5" name="Picture 3">
+            <a:extLst>
+              <a:ext uri="{FF2B5EF4-FFF2-40B4-BE49-F238E27FC236}">
+                <a16:creationId xmlns:a16="http://schemas.microsoft.com/office/drawing/2014/main" id="{BDAD5E77-4E83-15E0-A150-51ED630191C5}"/>
+              </a:ext>
+            </a:extLst>
+          </p:cNvPr>
+          <p:cNvPicPr>
+            <a:picLocks noChangeAspect="1" noChangeArrowheads="1"/>
+          </p:cNvPicPr>
+          <p:nvPr/>
+        </p:nvPicPr>
+        <p:blipFill>
+          <a:blip r:embed="rId4">
+            <a:extLst>
+              <a:ext uri="{28A0092B-C50C-407E-A947-70E740481C1C}">
+                <a14:useLocalDpi xmlns:a14="http://schemas.microsoft.com/office/drawing/2010/main" val="0"/>
+              </a:ext>
+            </a:extLst>
+          </a:blip>
+          <a:srcRect/>
+          <a:stretch>
+            <a:fillRect/>
+          </a:stretch>
+        </p:blipFill>
+        <p:spPr bwMode="auto">
+          <a:xfrm>
+            <a:off x="8361558" y="1124553"/>
+            <a:ext cx="2597878" cy="1769804"/>
+          </a:xfrm>
+          <a:prstGeom prst="rect">
+            <a:avLst/>
+          </a:prstGeom>
+          <a:noFill/>
+          <a:ln>
+            <a:noFill/>
+          </a:ln>
+          <a:effectLst/>
+          <a:extLst>
+            <a:ext uri="{909E8E84-426E-40DD-AFC4-6F175D3DCCD1}">
+              <a14:hiddenFill xmlns:a14="http://schemas.microsoft.com/office/drawing/2010/main">
+                <a:solidFill>
+                  <a:schemeClr val="accent1"/>
+                </a:solidFill>
+              </a14:hiddenFill>
+            </a:ext>
+            <a:ext uri="{91240B29-F687-4F45-9708-019B960494DF}">
+              <a14:hiddenLine xmlns:a14="http://schemas.microsoft.com/office/drawing/2010/main" w="9525">
+                <a:solidFill>
+                  <a:schemeClr val="tx1"/>
+                </a:solidFill>
+                <a:miter lim="800000"/>
+                <a:headEnd/>
+                <a:tailEnd/>
+              </a14:hiddenLine>
+            </a:ext>
+            <a:ext uri="{AF507438-7753-43E0-B8FC-AC1667EBCBE1}">
+              <a14:hiddenEffects xmlns:a14="http://schemas.microsoft.com/office/drawing/2010/main">
+                <a:effectLst>
+                  <a:outerShdw dist="35921" dir="2700000" algn="ctr" rotWithShape="0">
+                    <a:schemeClr val="bg2"/>
+                  </a:outerShdw>
+                </a:effectLst>
+              </a14:hiddenEffects>
+            </a:ext>
+          </a:extLst>
+        </p:spPr>
+      </p:pic>
+      <p:pic>
+        <p:nvPicPr>
+          <p:cNvPr id="6" name="图片 5">
+            <a:extLst>
+              <a:ext uri="{FF2B5EF4-FFF2-40B4-BE49-F238E27FC236}">
+                <a16:creationId xmlns:a16="http://schemas.microsoft.com/office/drawing/2014/main" id="{608BF4B4-BF85-3DAF-BF31-31167B950C9B}"/>
+              </a:ext>
+            </a:extLst>
+          </p:cNvPr>
+          <p:cNvPicPr>
+            <a:picLocks noChangeAspect="1"/>
+          </p:cNvPicPr>
+          <p:nvPr/>
+        </p:nvPicPr>
+        <p:blipFill>
+          <a:blip r:embed="rId5"/>
+          <a:stretch>
+            <a:fillRect/>
+          </a:stretch>
+        </p:blipFill>
+        <p:spPr>
+          <a:xfrm>
+            <a:off x="4778841" y="3451797"/>
+            <a:ext cx="2544597" cy="3110583"/>
+          </a:xfrm>
+          <a:prstGeom prst="rect">
+            <a:avLst/>
+          </a:prstGeom>
+        </p:spPr>
+      </p:pic>
+      <p:sp>
+        <p:nvSpPr>
+          <p:cNvPr id="7" name="文本框 6">
+            <a:extLst>
+              <a:ext uri="{FF2B5EF4-FFF2-40B4-BE49-F238E27FC236}">
+                <a16:creationId xmlns:a16="http://schemas.microsoft.com/office/drawing/2014/main" id="{80EEE9EC-09F7-FD81-4006-D08E85AF3293}"/>
+              </a:ext>
+            </a:extLst>
+          </p:cNvPr>
+          <p:cNvSpPr txBox="1"/>
+          <p:nvPr/>
+        </p:nvSpPr>
+        <p:spPr>
+          <a:xfrm>
+            <a:off x="93918" y="105559"/>
+            <a:ext cx="6096000" cy="369332"/>
+          </a:xfrm>
+          <a:prstGeom prst="rect">
+            <a:avLst/>
+          </a:prstGeom>
+          <a:noFill/>
+        </p:spPr>
+        <p:txBody>
+          <a:bodyPr wrap="square">
+            <a:spAutoFit/>
+          </a:bodyPr>
+          <a:lstStyle/>
+          <a:p>
+            <a:r>
+              <a:rPr lang="zh-CN" altLang="en-US" dirty="0">
+                <a:solidFill>
+                  <a:srgbClr val="0070C0"/>
+                </a:solidFill>
+                <a:latin typeface="Arial" panose="020B0604020202020204" pitchFamily="34" charset="0"/>
+                <a:cs typeface="Arial" panose="020B0604020202020204" pitchFamily="34" charset="0"/>
+              </a:rPr>
+              <a:t>J5</a:t>
+            </a:r>
+            <a:r>
+              <a:rPr lang="en-US" altLang="zh-CN" dirty="0">
+                <a:solidFill>
+                  <a:srgbClr val="0070C0"/>
+                </a:solidFill>
+                <a:latin typeface="Arial" panose="020B0604020202020204" pitchFamily="34" charset="0"/>
+                <a:cs typeface="Arial" panose="020B0604020202020204" pitchFamily="34" charset="0"/>
+              </a:rPr>
+              <a:t>0</a:t>
+            </a:r>
+            <a:r>
+              <a:rPr lang="zh-CN" altLang="en-US" dirty="0">
+                <a:solidFill>
+                  <a:srgbClr val="0070C0"/>
+                </a:solidFill>
+                <a:latin typeface="Arial" panose="020B0604020202020204" pitchFamily="34" charset="0"/>
+                <a:cs typeface="Arial" panose="020B0604020202020204" pitchFamily="34" charset="0"/>
+              </a:rPr>
+              <a:t>7</a:t>
+            </a:r>
+            <a:r>
+              <a:rPr lang="zh-CN" altLang="en-US" dirty="0">
+                <a:latin typeface="Arial" panose="020B0604020202020204" pitchFamily="34" charset="0"/>
+                <a:cs typeface="Arial" panose="020B0604020202020204" pitchFamily="34" charset="0"/>
+              </a:rPr>
+              <a:t> </a:t>
+            </a:r>
+            <a:r>
+              <a:rPr lang="en-US" altLang="zh-CN" dirty="0">
+                <a:latin typeface="Arial" panose="020B0604020202020204" pitchFamily="34" charset="0"/>
+                <a:cs typeface="Arial" panose="020B0604020202020204" pitchFamily="34" charset="0"/>
+              </a:rPr>
+              <a:t>MTD </a:t>
+            </a:r>
+            <a:r>
+              <a:rPr lang="zh-CN" altLang="en-US" dirty="0">
+                <a:latin typeface="Arial" panose="020B0604020202020204" pitchFamily="34" charset="0"/>
+                <a:cs typeface="Arial" panose="020B0604020202020204" pitchFamily="34" charset="0"/>
+              </a:rPr>
+              <a:t>|</a:t>
+            </a:r>
+            <a:r>
+              <a:rPr lang="en-US" altLang="zh-CN" dirty="0">
+                <a:latin typeface="Arial" panose="020B0604020202020204" pitchFamily="34" charset="0"/>
+                <a:cs typeface="Arial" panose="020B0604020202020204" pitchFamily="34" charset="0"/>
+              </a:rPr>
+              <a:t> Details For SPCs</a:t>
+            </a:r>
+            <a:endParaRPr lang="zh-CN" altLang="en-US" dirty="0">
+              <a:latin typeface="Arial" panose="020B0604020202020204" pitchFamily="34" charset="0"/>
+              <a:cs typeface="Arial" panose="020B0604020202020204" pitchFamily="34" charset="0"/>
+            </a:endParaRPr>
+          </a:p>
+        </p:txBody>
+      </p:sp>
+      <p:sp>
+        <p:nvSpPr>
+          <p:cNvPr id="8" name="文本框 7">
+            <a:extLst>
+              <a:ext uri="{FF2B5EF4-FFF2-40B4-BE49-F238E27FC236}">
+                <a16:creationId xmlns:a16="http://schemas.microsoft.com/office/drawing/2014/main" id="{4154D594-68CF-A621-58B1-68FD64FF7C0D}"/>
+              </a:ext>
+            </a:extLst>
+          </p:cNvPr>
+          <p:cNvSpPr txBox="1"/>
+          <p:nvPr/>
+        </p:nvSpPr>
+        <p:spPr>
+          <a:xfrm>
+            <a:off x="8361558" y="754184"/>
+            <a:ext cx="1238081" cy="246221"/>
+          </a:xfrm>
+          <a:prstGeom prst="rect">
+            <a:avLst/>
+          </a:prstGeom>
+          <a:noFill/>
+        </p:spPr>
+        <p:txBody>
+          <a:bodyPr wrap="square" rtlCol="0">
+            <a:spAutoFit/>
+          </a:bodyPr>
+          <a:lstStyle/>
+          <a:p>
+            <a:r>
+              <a:rPr kumimoji="1" lang="en-US" altLang="zh-CN" sz="1000" dirty="0">
+                <a:latin typeface="Arial" panose="020B0604020202020204" pitchFamily="34" charset="0"/>
+                <a:cs typeface="Arial" panose="020B0604020202020204" pitchFamily="34" charset="0"/>
+              </a:rPr>
+              <a:t>Fixture</a:t>
+            </a:r>
+            <a:endParaRPr kumimoji="1" lang="zh-CN" altLang="en-US" sz="1000" dirty="0">
+              <a:latin typeface="Arial" panose="020B0604020202020204" pitchFamily="34" charset="0"/>
+              <a:cs typeface="Arial" panose="020B0604020202020204" pitchFamily="34" charset="0"/>
+            </a:endParaRPr>
+          </a:p>
+        </p:txBody>
+      </p:sp>
+      <p:sp>
+        <p:nvSpPr>
+          <p:cNvPr id="9" name="文本框 8">
+            <a:extLst>
+              <a:ext uri="{FF2B5EF4-FFF2-40B4-BE49-F238E27FC236}">
+                <a16:creationId xmlns:a16="http://schemas.microsoft.com/office/drawing/2014/main" id="{837B8A48-3869-3FCB-77E8-A49F4A5503D0}"/>
+              </a:ext>
+            </a:extLst>
+          </p:cNvPr>
+          <p:cNvSpPr txBox="1"/>
+          <p:nvPr/>
+        </p:nvSpPr>
+        <p:spPr>
+          <a:xfrm>
+            <a:off x="4778841" y="698994"/>
+            <a:ext cx="1238081" cy="246221"/>
+          </a:xfrm>
+          <a:prstGeom prst="rect">
+            <a:avLst/>
+          </a:prstGeom>
+          <a:noFill/>
+        </p:spPr>
+        <p:txBody>
+          <a:bodyPr wrap="square" rtlCol="0">
+            <a:spAutoFit/>
+          </a:bodyPr>
+          <a:lstStyle/>
+          <a:p>
+            <a:r>
+              <a:rPr kumimoji="1" lang="en-US" altLang="zh-CN" sz="1000" dirty="0">
+                <a:latin typeface="Arial" panose="020B0604020202020204" pitchFamily="34" charset="0"/>
+                <a:cs typeface="Arial" panose="020B0604020202020204" pitchFamily="34" charset="0"/>
+              </a:rPr>
+              <a:t>Drawing Callout</a:t>
+            </a:r>
+            <a:endParaRPr kumimoji="1" lang="zh-CN" altLang="en-US" sz="1000" dirty="0">
+              <a:latin typeface="Arial" panose="020B0604020202020204" pitchFamily="34" charset="0"/>
+              <a:cs typeface="Arial" panose="020B0604020202020204" pitchFamily="34" charset="0"/>
+            </a:endParaRPr>
+          </a:p>
+        </p:txBody>
+      </p:sp>
+      <p:sp>
+        <p:nvSpPr>
+          <p:cNvPr id="10" name="文本框 9">
+            <a:extLst>
+              <a:ext uri="{FF2B5EF4-FFF2-40B4-BE49-F238E27FC236}">
+                <a16:creationId xmlns:a16="http://schemas.microsoft.com/office/drawing/2014/main" id="{68B68544-4AF3-B9AD-8E62-B5726C4910D3}"/>
+              </a:ext>
+            </a:extLst>
+          </p:cNvPr>
+          <p:cNvSpPr txBox="1"/>
+          <p:nvPr/>
+        </p:nvSpPr>
+        <p:spPr>
+          <a:xfrm>
+            <a:off x="4778841" y="3082126"/>
+            <a:ext cx="2016171" cy="246221"/>
+          </a:xfrm>
+          <a:prstGeom prst="rect">
+            <a:avLst/>
+          </a:prstGeom>
+          <a:noFill/>
+        </p:spPr>
+        <p:txBody>
+          <a:bodyPr wrap="square" rtlCol="0">
+            <a:spAutoFit/>
+          </a:bodyPr>
+          <a:lstStyle/>
+          <a:p>
+            <a:r>
+              <a:rPr kumimoji="1" lang="en-US" altLang="zh-CN" sz="1000" dirty="0">
+                <a:latin typeface="Arial" panose="020B0604020202020204" pitchFamily="34" charset="0"/>
+                <a:cs typeface="Arial" panose="020B0604020202020204" pitchFamily="34" charset="0"/>
+              </a:rPr>
+              <a:t>Measurement Description </a:t>
+            </a:r>
+            <a:endParaRPr kumimoji="1" lang="zh-CN" altLang="en-US" sz="1000" dirty="0">
+              <a:latin typeface="Arial" panose="020B0604020202020204" pitchFamily="34" charset="0"/>
+              <a:cs typeface="Arial" panose="020B0604020202020204" pitchFamily="34" charset="0"/>
+            </a:endParaRPr>
+          </a:p>
+        </p:txBody>
+      </p:sp>
+      <p:sp>
+        <p:nvSpPr>
+          <p:cNvPr id="11" name="矩形 10">
+            <a:extLst>
+              <a:ext uri="{FF2B5EF4-FFF2-40B4-BE49-F238E27FC236}">
+                <a16:creationId xmlns:a16="http://schemas.microsoft.com/office/drawing/2014/main" id="{17CB4256-23C7-B78D-ACE4-08D77C25860F}"/>
+              </a:ext>
+            </a:extLst>
+          </p:cNvPr>
+          <p:cNvSpPr/>
+          <p:nvPr/>
+        </p:nvSpPr>
+        <p:spPr>
+          <a:xfrm>
+            <a:off x="4160550" y="598342"/>
+            <a:ext cx="7866693" cy="6057831"/>
+          </a:xfrm>
+          <a:prstGeom prst="rect">
+            <a:avLst/>
+          </a:prstGeom>
+          <a:noFill/>
+          <a:ln w="6350">
+            <a:solidFill>
+              <a:schemeClr val="tx1"/>
+            </a:solidFill>
+          </a:ln>
+        </p:spPr>
+        <p:style>
+          <a:lnRef idx="2">
+            <a:schemeClr val="accent1">
+              <a:shade val="50000"/>
+            </a:schemeClr>
+          </a:lnRef>
+          <a:fillRef idx="1">
+            <a:schemeClr val="accent1"/>
+          </a:fillRef>
+          <a:effectRef idx="0">
+            <a:schemeClr val="accent1"/>
+          </a:effectRef>
+          <a:fontRef idx="minor">
+            <a:schemeClr val="lt1"/>
+          </a:fontRef>
+        </p:style>
+        <p:txBody>
+          <a:bodyPr rtlCol="0" anchor="ctr"/>
+          <a:lstStyle/>
+          <a:p>
+            <a:pPr algn="ctr"/>
+            <a:endParaRPr kumimoji="1" lang="zh-CN" altLang="en-US"/>
+          </a:p>
+        </p:txBody>
+      </p:sp>
     </p:spTree>
   </p:cSld>
   <p:clrMapOvr>
@@ -3490,14 +7669,14 @@
 </file>
 
 <file path=ppt/tags/tag1.xml><?xml version="1.0" encoding="utf-8"?>
-<p:tagLst xmlns:p="http://schemas.openxmlformats.org/presentationml/2006/main">
+<p:tagLst xmlns:a="http://schemas.openxmlformats.org/drawingml/2006/main" xmlns:r="http://schemas.openxmlformats.org/officeDocument/2006/relationships" xmlns:p="http://schemas.openxmlformats.org/presentationml/2006/main">
   <p:tag name="KSO_WM_UNIT_TABLE_BEAUTIFY" val="smartTable{23ab6606-8e45-4e4a-b7bb-0798d2f6b6e5}"/>
 </p:tagLst>
 </file>
 
 <file path=ppt/tags/tag2.xml><?xml version="1.0" encoding="utf-8"?>
-<p:tagLst xmlns:p="http://schemas.openxmlformats.org/presentationml/2006/main">
-  <p:tag name="KSO_WM_UNIT_TABLE_BEAUTIFY" val="smartTable{d46f1eef-2855-4cf1-86f7-b165e6489287}"/>
+<p:tagLst xmlns:a="http://schemas.openxmlformats.org/drawingml/2006/main" xmlns:r="http://schemas.openxmlformats.org/officeDocument/2006/relationships" xmlns:p="http://schemas.openxmlformats.org/presentationml/2006/main">
+  <p:tag name="KSO_WM_UNIT_TABLE_BEAUTIFY" val="smartTable{23ab6606-8e45-4e4a-b7bb-0798d2f6b6e5}"/>
 </p:tagLst>
 </file>
 
@@ -3752,6 +7931,8 @@
       </a:bgFillStyleLst>
     </a:fmtScheme>
   </a:themeElements>
+  <a:objectDefaults/>
+  <a:extraClrSchemeLst/>
   <a:extLst>
     <a:ext uri="{05A4C25C-085E-4340-85A3-A5531E510DB2}">
       <thm15:themeFamily xmlns:thm15="http://schemas.microsoft.com/office/thememl/2012/main" name="Office Theme" id="{62F939B6-93AF-4DB8-9C6B-D6C7DFDC589F}" vid="{4A3C46E8-61CC-4603-A589-7422A47A8E4A}"/>
